--- a/src/Images/esomorning/eso2.pptx
+++ b/src/Images/esomorning/eso2.pptx
@@ -2273,7 +2273,7 @@
           <a:p>
             <a:fld id="{719E829B-49E7-4846-A1C8-CDD0D3D544DD}" type="datetimeFigureOut">
               <a:rPr lang="en-US" smtClean="0"/>
-              <a:t>4/9/21</a:t>
+              <a:t>4/14/21</a:t>
             </a:fld>
             <a:endParaRPr lang="en-US"/>
           </a:p>
@@ -2942,7 +2942,7 @@
           <a:p>
             <a:fld id="{8A203ACE-83CD-F240-9C8A-18BD96ECD72F}" type="datetimeFigureOut">
               <a:rPr lang="en-US" smtClean="0"/>
-              <a:t>4/9/21</a:t>
+              <a:t>4/14/21</a:t>
             </a:fld>
             <a:endParaRPr lang="en-US"/>
           </a:p>
@@ -3142,7 +3142,7 @@
           <a:p>
             <a:fld id="{8A203ACE-83CD-F240-9C8A-18BD96ECD72F}" type="datetimeFigureOut">
               <a:rPr lang="en-US" smtClean="0"/>
-              <a:t>4/9/21</a:t>
+              <a:t>4/14/21</a:t>
             </a:fld>
             <a:endParaRPr lang="en-US"/>
           </a:p>
@@ -3352,7 +3352,7 @@
           <a:p>
             <a:fld id="{8A203ACE-83CD-F240-9C8A-18BD96ECD72F}" type="datetimeFigureOut">
               <a:rPr lang="en-US" smtClean="0"/>
-              <a:t>4/9/21</a:t>
+              <a:t>4/14/21</a:t>
             </a:fld>
             <a:endParaRPr lang="en-US"/>
           </a:p>
@@ -3552,7 +3552,7 @@
           <a:p>
             <a:fld id="{8A203ACE-83CD-F240-9C8A-18BD96ECD72F}" type="datetimeFigureOut">
               <a:rPr lang="en-US" smtClean="0"/>
-              <a:t>4/9/21</a:t>
+              <a:t>4/14/21</a:t>
             </a:fld>
             <a:endParaRPr lang="en-US"/>
           </a:p>
@@ -3828,7 +3828,7 @@
           <a:p>
             <a:fld id="{8A203ACE-83CD-F240-9C8A-18BD96ECD72F}" type="datetimeFigureOut">
               <a:rPr lang="en-US" smtClean="0"/>
-              <a:t>4/9/21</a:t>
+              <a:t>4/14/21</a:t>
             </a:fld>
             <a:endParaRPr lang="en-US"/>
           </a:p>
@@ -4096,7 +4096,7 @@
           <a:p>
             <a:fld id="{8A203ACE-83CD-F240-9C8A-18BD96ECD72F}" type="datetimeFigureOut">
               <a:rPr lang="en-US" smtClean="0"/>
-              <a:t>4/9/21</a:t>
+              <a:t>4/14/21</a:t>
             </a:fld>
             <a:endParaRPr lang="en-US"/>
           </a:p>
@@ -4511,7 +4511,7 @@
           <a:p>
             <a:fld id="{8A203ACE-83CD-F240-9C8A-18BD96ECD72F}" type="datetimeFigureOut">
               <a:rPr lang="en-US" smtClean="0"/>
-              <a:t>4/9/21</a:t>
+              <a:t>4/14/21</a:t>
             </a:fld>
             <a:endParaRPr lang="en-US"/>
           </a:p>
@@ -4653,7 +4653,7 @@
           <a:p>
             <a:fld id="{8A203ACE-83CD-F240-9C8A-18BD96ECD72F}" type="datetimeFigureOut">
               <a:rPr lang="en-US" smtClean="0"/>
-              <a:t>4/9/21</a:t>
+              <a:t>4/14/21</a:t>
             </a:fld>
             <a:endParaRPr lang="en-US"/>
           </a:p>
@@ -4766,7 +4766,7 @@
           <a:p>
             <a:fld id="{8A203ACE-83CD-F240-9C8A-18BD96ECD72F}" type="datetimeFigureOut">
               <a:rPr lang="en-US" smtClean="0"/>
-              <a:t>4/9/21</a:t>
+              <a:t>4/14/21</a:t>
             </a:fld>
             <a:endParaRPr lang="en-US"/>
           </a:p>
@@ -5079,7 +5079,7 @@
           <a:p>
             <a:fld id="{8A203ACE-83CD-F240-9C8A-18BD96ECD72F}" type="datetimeFigureOut">
               <a:rPr lang="en-US" smtClean="0"/>
-              <a:t>4/9/21</a:t>
+              <a:t>4/14/21</a:t>
             </a:fld>
             <a:endParaRPr lang="en-US"/>
           </a:p>
@@ -5368,7 +5368,7 @@
           <a:p>
             <a:fld id="{8A203ACE-83CD-F240-9C8A-18BD96ECD72F}" type="datetimeFigureOut">
               <a:rPr lang="en-US" smtClean="0"/>
-              <a:t>4/9/21</a:t>
+              <a:t>4/14/21</a:t>
             </a:fld>
             <a:endParaRPr lang="en-US"/>
           </a:p>
@@ -5611,7 +5611,7 @@
           <a:p>
             <a:fld id="{8A203ACE-83CD-F240-9C8A-18BD96ECD72F}" type="datetimeFigureOut">
               <a:rPr lang="en-US" smtClean="0"/>
-              <a:t>4/9/21</a:t>
+              <a:t>4/14/21</a:t>
             </a:fld>
             <a:endParaRPr lang="en-US"/>
           </a:p>
@@ -8690,86 +8690,425 @@
       </mc:AlternateContent>
       <p:grpSp>
         <p:nvGrpSpPr>
-          <p:cNvPr id="18" name="Group 17">
+          <p:cNvPr id="63" name="Group 62">
             <a:extLst>
               <a:ext uri="{FF2B5EF4-FFF2-40B4-BE49-F238E27FC236}">
-                <a16:creationId xmlns:a16="http://schemas.microsoft.com/office/drawing/2014/main" id="{17B50A95-A2F5-584F-BC6A-483A1C76A8A0}"/>
+                <a16:creationId xmlns:a16="http://schemas.microsoft.com/office/drawing/2014/main" id="{F7A22E6A-7C35-7C41-A013-8CF81F18D43A}"/>
               </a:ext>
             </a:extLst>
           </p:cNvPr>
-          <p:cNvGrpSpPr/>
+          <p:cNvGrpSpPr>
+            <a:grpSpLocks/>
+          </p:cNvGrpSpPr>
           <p:nvPr/>
         </p:nvGrpSpPr>
         <p:grpSpPr>
           <a:xfrm>
-            <a:off x="-60620" y="0"/>
-            <a:ext cx="12248936" cy="6858000"/>
-            <a:chOff x="-60620" y="0"/>
-            <a:chExt cx="12248936" cy="6858000"/>
+            <a:off x="3338041" y="1238089"/>
+            <a:ext cx="7912100" cy="4102775"/>
+            <a:chOff x="2062480" y="1224280"/>
+            <a:chExt cx="8331199" cy="4273925"/>
           </a:xfrm>
         </p:grpSpPr>
-        <p:sp>
-          <p:nvSpPr>
-            <p:cNvPr id="7" name="Rectangle 6">
+        <p:pic>
+          <p:nvPicPr>
+            <p:cNvPr id="5" name="Picture 4">
               <a:extLst>
                 <a:ext uri="{FF2B5EF4-FFF2-40B4-BE49-F238E27FC236}">
-                  <a16:creationId xmlns:a16="http://schemas.microsoft.com/office/drawing/2014/main" id="{31089230-E836-304E-B5FD-D99D71A55592}"/>
+                  <a16:creationId xmlns:a16="http://schemas.microsoft.com/office/drawing/2014/main" id="{5249664C-794F-3146-BAE5-B614B1DFBC36}"/>
                 </a:ext>
               </a:extLst>
             </p:cNvPr>
-            <p:cNvSpPr/>
+            <p:cNvPicPr>
+              <a:picLocks noChangeAspect="1"/>
+            </p:cNvPicPr>
             <p:nvPr/>
-          </p:nvSpPr>
+          </p:nvPicPr>
+          <p:blipFill rotWithShape="1">
+            <a:blip r:embed="rId5">
+              <a:extLst>
+                <a:ext uri="{BEBA8EAE-BF5A-486C-A8C5-ECC9F3942E4B}">
+                  <a14:imgProps xmlns:a14="http://schemas.microsoft.com/office/drawing/2010/main">
+                    <a14:imgLayer r:embed="rId6">
+                      <a14:imgEffect>
+                        <a14:backgroundRemoval t="9810" b="90776" l="9473" r="90723">
+                          <a14:foregroundMark x1="9473" y1="70425" x2="9473" y2="70425"/>
+                          <a14:foregroundMark x1="10059" y1="88580" x2="10059" y2="88580"/>
+                          <a14:foregroundMark x1="12598" y1="90922" x2="12598" y2="90922"/>
+                          <a14:foregroundMark x1="12695" y1="68082" x2="12695" y2="68082"/>
+                          <a14:foregroundMark x1="15918" y1="43924" x2="15918" y2="43924"/>
+                          <a14:foregroundMark x1="17188" y1="45827" x2="17188" y2="44656"/>
+                          <a14:foregroundMark x1="16797" y1="45242" x2="15625" y2="41581"/>
+                          <a14:foregroundMark x1="45508" y1="44070" x2="45508" y2="44070"/>
+                          <a14:foregroundMark x1="54102" y1="44217" x2="54102" y2="44217"/>
+                          <a14:foregroundMark x1="59180" y1="56369" x2="59180" y2="56369"/>
+                          <a14:foregroundMark x1="63477" y1="44363" x2="63477" y2="44363"/>
+                          <a14:foregroundMark x1="66602" y1="55783" x2="66602" y2="55783"/>
+                          <a14:foregroundMark x1="69336" y1="44949" x2="69336" y2="44949"/>
+                          <a14:foregroundMark x1="74902" y1="47438" x2="74902" y2="47438"/>
+                          <a14:foregroundMark x1="79492" y1="46852" x2="79492" y2="46852"/>
+                          <a14:foregroundMark x1="85352" y1="44217" x2="85352" y2="44217"/>
+                          <a14:foregroundMark x1="89453" y1="52416" x2="89453" y2="52416"/>
+                          <a14:foregroundMark x1="89746" y1="53148" x2="89746" y2="53148"/>
+                          <a14:foregroundMark x1="90234" y1="68814" x2="90234" y2="68814"/>
+                          <a14:foregroundMark x1="90625" y1="69253" x2="90625" y2="69253"/>
+                          <a14:foregroundMark x1="90723" y1="70571" x2="90723" y2="70571"/>
+                          <a14:foregroundMark x1="90332" y1="58565" x2="90332" y2="58565"/>
+                          <a14:foregroundMark x1="83301" y1="33382" x2="83301" y2="33382"/>
+                          <a14:foregroundMark x1="83301" y1="31040" x2="83301" y2="31040"/>
+                          <a14:foregroundMark x1="84082" y1="34114" x2="84082" y2="34114"/>
+                          <a14:foregroundMark x1="77930" y1="37189" x2="77930" y2="37189"/>
+                          <a14:foregroundMark x1="77539" y1="36310" x2="77539" y2="36310"/>
+                          <a14:foregroundMark x1="77051" y1="38214" x2="77051" y2="38214"/>
+                          <a14:foregroundMark x1="68652" y1="36457" x2="69629" y2="34846"/>
+                          <a14:foregroundMark x1="67578" y1="37775" x2="67578" y2="37775"/>
+                          <a14:foregroundMark x1="70313" y1="35139" x2="70313" y2="35139"/>
+                          <a14:foregroundMark x1="70313" y1="35139" x2="69727" y2="37482"/>
+                          <a14:foregroundMark x1="66895" y1="38067" x2="70117" y2="37921"/>
+                          <a14:foregroundMark x1="62109" y1="30747" x2="62109" y2="30747"/>
+                          <a14:foregroundMark x1="61621" y1="32064" x2="61621" y2="32064"/>
+                          <a14:foregroundMark x1="61621" y1="34553" x2="61621" y2="34553"/>
+                          <a14:foregroundMark x1="60938" y1="35578" x2="60938" y2="35578"/>
+                          <a14:foregroundMark x1="54492" y1="32650" x2="54492" y2="32650"/>
+                          <a14:foregroundMark x1="55469" y1="31040" x2="55469" y2="31040"/>
+                          <a14:foregroundMark x1="55176" y1="31332" x2="55176" y2="31332"/>
+                          <a14:foregroundMark x1="54688" y1="31772" x2="55078" y2="32064"/>
+                          <a14:foregroundMark x1="54980" y1="33236" x2="55273" y2="33236"/>
+                          <a14:foregroundMark x1="55078" y1="34700" x2="55176" y2="34700"/>
+                          <a14:foregroundMark x1="53711" y1="31040" x2="56250" y2="30454"/>
+                          <a14:foregroundMark x1="55176" y1="30893" x2="55176" y2="30893"/>
+                          <a14:foregroundMark x1="54785" y1="29722" x2="54785" y2="29722"/>
+                          <a14:foregroundMark x1="54980" y1="29868" x2="54980" y2="29868"/>
+                          <a14:foregroundMark x1="56250" y1="29868" x2="56250" y2="29868"/>
+                          <a14:foregroundMark x1="55859" y1="30015" x2="55859" y2="30015"/>
+                          <a14:foregroundMark x1="55859" y1="30015" x2="55859" y2="30015"/>
+                          <a14:foregroundMark x1="53516" y1="32650" x2="53516" y2="32650"/>
+                          <a14:foregroundMark x1="53516" y1="32650" x2="53516" y2="32650"/>
+                          <a14:foregroundMark x1="56934" y1="32357" x2="56934" y2="32357"/>
+                          <a14:foregroundMark x1="56934" y1="32357" x2="56934" y2="32357"/>
+                          <a14:foregroundMark x1="47656" y1="36603" x2="47949" y2="36750"/>
+                          <a14:foregroundMark x1="48145" y1="36457" x2="48145" y2="36457"/>
+                          <a14:foregroundMark x1="49316" y1="31040" x2="49316" y2="31040"/>
+                          <a14:foregroundMark x1="49316" y1="31040" x2="49316" y2="31040"/>
+                          <a14:foregroundMark x1="48340" y1="31040" x2="48340" y2="31040"/>
+                          <a14:foregroundMark x1="48438" y1="31040" x2="48438" y2="31040"/>
+                          <a14:foregroundMark x1="47754" y1="32211" x2="47754" y2="32211"/>
+                          <a14:foregroundMark x1="47754" y1="32211" x2="47754" y2="32211"/>
+                          <a14:foregroundMark x1="49902" y1="31772" x2="49902" y2="31772"/>
+                          <a14:foregroundMark x1="49805" y1="31772" x2="49805" y2="31772"/>
+                          <a14:foregroundMark x1="50098" y1="31772" x2="50098" y2="31772"/>
+                          <a14:foregroundMark x1="50098" y1="31772" x2="50098" y2="31772"/>
+                          <a14:foregroundMark x1="43164" y1="30893" x2="43164" y2="30893"/>
+                          <a14:foregroundMark x1="43164" y1="30893" x2="43164" y2="30893"/>
+                          <a14:foregroundMark x1="42969" y1="31040" x2="42969" y2="31040"/>
+                          <a14:foregroundMark x1="43066" y1="31040" x2="43066" y2="31040"/>
+                          <a14:foregroundMark x1="43164" y1="32504" x2="43164" y2="32504"/>
+                          <a14:foregroundMark x1="43164" y1="32504" x2="43164" y2="32504"/>
+                          <a14:foregroundMark x1="42676" y1="33675" x2="42676" y2="33675"/>
+                          <a14:foregroundMark x1="42676" y1="33675" x2="42676" y2="33675"/>
+                          <a14:foregroundMark x1="42383" y1="29868" x2="42383" y2="29868"/>
+                          <a14:foregroundMark x1="42383" y1="29868" x2="42383" y2="29868"/>
+                          <a14:foregroundMark x1="43164" y1="30161" x2="43164" y2="30161"/>
+                          <a14:foregroundMark x1="43164" y1="30161" x2="43164" y2="30161"/>
+                          <a14:foregroundMark x1="43164" y1="29722" x2="43164" y2="29722"/>
+                          <a14:foregroundMark x1="43164" y1="29722" x2="43164" y2="29722"/>
+                          <a14:foregroundMark x1="42285" y1="29722" x2="42285" y2="29722"/>
+                          <a14:foregroundMark x1="42285" y1="29722" x2="42285" y2="29722"/>
+                          <a14:foregroundMark x1="43066" y1="29429" x2="43066" y2="29429"/>
+                          <a14:foregroundMark x1="43066" y1="29429" x2="43066" y2="29429"/>
+                          <a14:foregroundMark x1="43457" y1="29575" x2="43457" y2="29575"/>
+                          <a14:foregroundMark x1="43457" y1="29575" x2="43457" y2="29575"/>
+                          <a14:foregroundMark x1="29102" y1="34993" x2="29102" y2="34993"/>
+                          <a14:foregroundMark x1="29102" y1="34993" x2="29102" y2="34993"/>
+                          <a14:foregroundMark x1="30273" y1="44949" x2="30469" y2="44949"/>
+                          <a14:foregroundMark x1="30371" y1="44949" x2="30371" y2="44949"/>
+                          <a14:foregroundMark x1="34766" y1="50220" x2="34766" y2="50220"/>
+                          <a14:foregroundMark x1="34766" y1="50220" x2="34766" y2="50220"/>
+                          <a14:foregroundMark x1="67871" y1="33968" x2="67871" y2="33968"/>
+                          <a14:foregroundMark x1="67871" y1="33968" x2="67871" y2="33968"/>
+                          <a14:foregroundMark x1="68262" y1="33089" x2="68262" y2="33089"/>
+                          <a14:foregroundMark x1="68262" y1="33089" x2="68262" y2="33089"/>
+                          <a14:foregroundMark x1="70410" y1="33529" x2="70410" y2="33529"/>
+                          <a14:foregroundMark x1="70410" y1="33529" x2="70410" y2="33529"/>
+                          <a14:foregroundMark x1="70703" y1="37042" x2="70703" y2="37042"/>
+                          <a14:foregroundMark x1="70703" y1="37042" x2="70703" y2="37042"/>
+                          <a14:foregroundMark x1="70996" y1="38799" x2="70996" y2="38799"/>
+                          <a14:foregroundMark x1="70996" y1="38799" x2="70996" y2="38799"/>
+                          <a14:foregroundMark x1="71289" y1="39092" x2="71289" y2="39092"/>
+                          <a14:foregroundMark x1="71289" y1="39092" x2="71289" y2="39092"/>
+                          <a14:foregroundMark x1="69824" y1="32211" x2="69824" y2="32211"/>
+                          <a14:foregroundMark x1="69824" y1="32211" x2="69824" y2="32211"/>
+                          <a14:foregroundMark x1="68359" y1="32064" x2="68359" y2="32064"/>
+                          <a14:foregroundMark x1="68359" y1="32064" x2="68359" y2="32064"/>
+                          <a14:foregroundMark x1="62109" y1="29283" x2="62109" y2="29283"/>
+                          <a14:foregroundMark x1="62109" y1="29283" x2="62109" y2="29283"/>
+                          <a14:foregroundMark x1="62598" y1="29722" x2="62598" y2="29722"/>
+                          <a14:foregroundMark x1="62598" y1="29722" x2="62598" y2="29722"/>
+                          <a14:foregroundMark x1="63086" y1="30307" x2="63086" y2="30307"/>
+                          <a14:foregroundMark x1="63086" y1="30307" x2="63086" y2="30307"/>
+                          <a14:foregroundMark x1="60938" y1="29722" x2="60938" y2="29722"/>
+                          <a14:foregroundMark x1="60938" y1="29722" x2="60938" y2="29722"/>
+                          <a14:foregroundMark x1="61816" y1="28843" x2="61816" y2="28843"/>
+                          <a14:foregroundMark x1="61816" y1="28843" x2="61816" y2="28843"/>
+                          <a14:foregroundMark x1="62598" y1="28990" x2="62598" y2="28990"/>
+                          <a14:foregroundMark x1="62598" y1="28990" x2="62598" y2="28990"/>
+                          <a14:foregroundMark x1="60742" y1="30015" x2="60742" y2="30015"/>
+                          <a14:foregroundMark x1="60742" y1="30015" x2="60742" y2="30015"/>
+                          <a14:foregroundMark x1="63184" y1="29722" x2="63184" y2="29722"/>
+                          <a14:foregroundMark x1="63184" y1="29722" x2="63184" y2="29722"/>
+                          <a14:foregroundMark x1="15918" y1="39824" x2="15918" y2="39824"/>
+                          <a14:foregroundMark x1="15918" y1="39824" x2="15918" y2="39824"/>
+                          <a14:foregroundMark x1="17188" y1="40849" x2="17188" y2="40849"/>
+                          <a14:foregroundMark x1="17188" y1="40849" x2="17188" y2="40849"/>
+                          <a14:foregroundMark x1="77441" y1="39239" x2="77441" y2="39239"/>
+                          <a14:foregroundMark x1="78809" y1="38360" x2="78809" y2="38360"/>
+                          <a14:foregroundMark x1="60547" y1="31040" x2="60547" y2="31040"/>
+                          <a14:foregroundMark x1="60547" y1="31040" x2="60547" y2="31040"/>
+                          <a14:foregroundMark x1="63184" y1="30893" x2="63184" y2="30893"/>
+                          <a14:foregroundMark x1="63184" y1="30893" x2="63184" y2="30893"/>
+                          <a14:foregroundMark x1="89258" y1="47438" x2="89258" y2="47438"/>
+                          <a14:foregroundMark x1="89258" y1="47438" x2="89258" y2="47438"/>
+                          <a14:foregroundMark x1="28125" y1="33821" x2="28125" y2="33821"/>
+                          <a14:foregroundMark x1="28125" y1="33821" x2="28125" y2="33821"/>
+                          <a14:foregroundMark x1="28809" y1="34407" x2="28809" y2="34407"/>
+                          <a14:foregroundMark x1="28809" y1="34407" x2="28809" y2="34407"/>
+                          <a14:foregroundMark x1="28711" y1="32064" x2="28711" y2="32064"/>
+                          <a14:foregroundMark x1="28711" y1="32064" x2="28711" y2="32064"/>
+                          <a14:foregroundMark x1="32813" y1="38507" x2="32813" y2="38507"/>
+                          <a14:foregroundMark x1="32813" y1="38507" x2="32813" y2="38507"/>
+                          <a14:foregroundMark x1="27930" y1="30893" x2="27930" y2="30893"/>
+                          <a14:foregroundMark x1="27930" y1="30893" x2="27930" y2="30893"/>
+                          <a14:foregroundMark x1="55957" y1="30015" x2="55957" y2="30015"/>
+                          <a14:foregroundMark x1="55957" y1="30015" x2="55957" y2="30015"/>
+                          <a14:foregroundMark x1="55469" y1="29722" x2="55469" y2="29722"/>
+                          <a14:foregroundMark x1="55469" y1="29722" x2="55469" y2="29722"/>
+                          <a14:foregroundMark x1="55566" y1="29283" x2="55566" y2="29283"/>
+                          <a14:foregroundMark x1="55566" y1="29283" x2="55566" y2="29283"/>
+                          <a14:foregroundMark x1="54980" y1="29283" x2="54980" y2="29283"/>
+                          <a14:foregroundMark x1="54980" y1="29283" x2="54980" y2="29283"/>
+                          <a14:foregroundMark x1="54004" y1="30015" x2="54004" y2="30015"/>
+                          <a14:foregroundMark x1="54004" y1="30015" x2="54004" y2="30015"/>
+                          <a14:foregroundMark x1="56543" y1="29575" x2="56543" y2="29575"/>
+                          <a14:foregroundMark x1="56543" y1="29575" x2="56543" y2="29575"/>
+                          <a14:foregroundMark x1="57227" y1="31479" x2="57227" y2="31479"/>
+                          <a14:foregroundMark x1="57227" y1="31332" x2="57227" y2="31332"/>
+                          <a14:foregroundMark x1="57129" y1="32357" x2="57129" y2="32357"/>
+                          <a14:foregroundMark x1="57129" y1="32357" x2="57129" y2="32357"/>
+                          <a14:foregroundMark x1="53809" y1="31772" x2="53809" y2="31772"/>
+                          <a14:backgroundMark x1="52148" y1="31625" x2="52148" y2="31625"/>
+                          <a14:backgroundMark x1="57910" y1="32650" x2="57910" y2="32650"/>
+                          <a14:backgroundMark x1="52441" y1="33675" x2="52441" y2="33675"/>
+                          <a14:backgroundMark x1="66406" y1="32504" x2="66406" y2="32504"/>
+                          <a14:backgroundMark x1="65234" y1="34114" x2="65234" y2="34114"/>
+                          <a14:backgroundMark x1="65723" y1="36310" x2="65723" y2="36310"/>
+                          <a14:backgroundMark x1="71484" y1="38653" x2="71484" y2="38653"/>
+                          <a14:backgroundMark x1="66016" y1="38067" x2="66016" y2="38067"/>
+                          <a14:backgroundMark x1="65918" y1="39824" x2="65918" y2="39824"/>
+                          <a14:backgroundMark x1="79785" y1="38653" x2="79785" y2="38653"/>
+                          <a14:backgroundMark x1="31641" y1="28111" x2="31641" y2="28111"/>
+                          <a14:backgroundMark x1="29883" y1="27379" x2="29883" y2="27379"/>
+                          <a14:backgroundMark x1="29980" y1="27379" x2="29980" y2="27379"/>
+                          <a14:backgroundMark x1="24316" y1="27965" x2="30957" y2="25183"/>
+                          <a14:backgroundMark x1="17480" y1="38360" x2="17480" y2="38360"/>
+                          <a14:backgroundMark x1="17480" y1="38360" x2="17480" y2="38360"/>
+                          <a14:backgroundMark x1="32227" y1="34846" x2="32227" y2="34846"/>
+                          <a14:backgroundMark x1="32227" y1="34846" x2="32227" y2="34846"/>
+                          <a14:backgroundMark x1="30664" y1="38653" x2="30664" y2="38653"/>
+                          <a14:backgroundMark x1="30664" y1="38653" x2="30664" y2="38653"/>
+                          <a14:backgroundMark x1="74316" y1="39971" x2="74316" y2="39971"/>
+                          <a14:backgroundMark x1="74316" y1="39971" x2="74316" y2="39971"/>
+                          <a14:backgroundMark x1="89063" y1="40996" x2="89063" y2="40996"/>
+                          <a14:backgroundMark x1="89063" y1="40996" x2="89063" y2="40996"/>
+                          <a14:backgroundMark x1="42090" y1="28551" x2="42090" y2="28551"/>
+                          <a14:backgroundMark x1="41016" y1="30747" x2="41016" y2="30747"/>
+                          <a14:backgroundMark x1="41113" y1="31625" x2="41113" y2="31625"/>
+                          <a14:backgroundMark x1="53711" y1="30600" x2="53711" y2="30600"/>
+                          <a14:backgroundMark x1="53711" y1="30600" x2="53711" y2="30600"/>
+                          <a14:backgroundMark x1="53906" y1="30161" x2="53906" y2="30161"/>
+                          <a14:backgroundMark x1="54004" y1="29868" x2="54004" y2="29868"/>
+                          <a14:backgroundMark x1="53418" y1="32650" x2="53418" y2="32650"/>
+                        </a14:backgroundRemoval>
+                      </a14:imgEffect>
+                      <a14:imgEffect>
+                        <a14:brightnessContrast contrast="2000"/>
+                      </a14:imgEffect>
+                    </a14:imgLayer>
+                  </a14:imgProps>
+                </a:ext>
+              </a:extLst>
+            </a:blip>
+            <a:srcRect l="8063" t="26686" r="8340" b="9018"/>
+            <a:stretch/>
+          </p:blipFill>
           <p:spPr>
             <a:xfrm>
-              <a:off x="-3684" y="0"/>
-              <a:ext cx="12192000" cy="6858000"/>
+              <a:off x="2062480" y="1224280"/>
+              <a:ext cx="8331199" cy="4273925"/>
             </a:xfrm>
             <a:prstGeom prst="rect">
               <a:avLst/>
             </a:prstGeom>
-            <a:solidFill>
-              <a:schemeClr val="bg1"/>
-            </a:solidFill>
-            <a:ln>
-              <a:solidFill>
-                <a:schemeClr val="bg1">
-                  <a:lumMod val="95000"/>
-                </a:schemeClr>
-              </a:solidFill>
-            </a:ln>
           </p:spPr>
-          <p:style>
-            <a:lnRef idx="2">
-              <a:schemeClr val="accent1">
-                <a:shade val="50000"/>
-              </a:schemeClr>
-            </a:lnRef>
-            <a:fillRef idx="1">
-              <a:schemeClr val="accent1"/>
-            </a:fillRef>
-            <a:effectRef idx="0">
-              <a:schemeClr val="accent1"/>
-            </a:effectRef>
-            <a:fontRef idx="minor">
-              <a:schemeClr val="lt1"/>
-            </a:fontRef>
-          </p:style>
-          <p:txBody>
-            <a:bodyPr rtlCol="0" anchor="ctr"/>
-            <a:lstStyle/>
-            <a:p>
-              <a:pPr algn="ctr"/>
-              <a:endParaRPr lang="en-US"/>
-            </a:p>
-          </p:txBody>
-        </p:sp>
+        </p:pic>
+        <mc:AlternateContent xmlns:mc="http://schemas.openxmlformats.org/markup-compatibility/2006" xmlns:p14="http://schemas.microsoft.com/office/powerpoint/2010/main">
+          <mc:Choice Requires="p14">
+            <p:contentPart p14:bwMode="auto" r:id="rId7">
+              <p14:nvContentPartPr>
+                <p14:cNvPr id="39" name="Ink 38">
+                  <a:extLst>
+                    <a:ext uri="{FF2B5EF4-FFF2-40B4-BE49-F238E27FC236}">
+                      <a16:creationId xmlns:a16="http://schemas.microsoft.com/office/drawing/2014/main" id="{ECFCE014-B0EE-6A43-B411-76D2ABA095C2}"/>
+                    </a:ext>
+                  </a:extLst>
+                </p14:cNvPr>
+                <p14:cNvContentPartPr/>
+                <p14:nvPr/>
+              </p14:nvContentPartPr>
+              <p14:xfrm>
+                <a:off x="7298005" y="1359685"/>
+                <a:ext cx="259560" cy="155160"/>
+              </p14:xfrm>
+            </p:contentPart>
+          </mc:Choice>
+          <mc:Fallback xmlns="">
+            <p:pic>
+              <p:nvPicPr>
+                <p:cNvPr id="39" name="Ink 38">
+                  <a:extLst>
+                    <a:ext uri="{FF2B5EF4-FFF2-40B4-BE49-F238E27FC236}">
+                      <a16:creationId xmlns:a16="http://schemas.microsoft.com/office/drawing/2014/main" id="{ECFCE014-B0EE-6A43-B411-76D2ABA095C2}"/>
+                    </a:ext>
+                  </a:extLst>
+                </p:cNvPr>
+                <p:cNvPicPr/>
+                <p:nvPr/>
+              </p:nvPicPr>
+              <p:blipFill>
+                <a:blip r:embed="rId8"/>
+                <a:stretch>
+                  <a:fillRect/>
+                </a:stretch>
+              </p:blipFill>
+              <p:spPr>
+                <a:xfrm>
+                  <a:off x="7288532" y="1350315"/>
+                  <a:ext cx="278127" cy="173524"/>
+                </a:xfrm>
+                <a:prstGeom prst="rect">
+                  <a:avLst/>
+                </a:prstGeom>
+              </p:spPr>
+            </p:pic>
+          </mc:Fallback>
+        </mc:AlternateContent>
+        <mc:AlternateContent xmlns:mc="http://schemas.openxmlformats.org/markup-compatibility/2006" xmlns:p14="http://schemas.microsoft.com/office/powerpoint/2010/main">
+          <mc:Choice Requires="p14">
+            <p:contentPart p14:bwMode="auto" r:id="rId9">
+              <p14:nvContentPartPr>
+                <p14:cNvPr id="41" name="Ink 40">
+                  <a:extLst>
+                    <a:ext uri="{FF2B5EF4-FFF2-40B4-BE49-F238E27FC236}">
+                      <a16:creationId xmlns:a16="http://schemas.microsoft.com/office/drawing/2014/main" id="{ED553366-A384-824A-B55B-FD077FD9FAD3}"/>
+                    </a:ext>
+                  </a:extLst>
+                </p14:cNvPr>
+                <p14:cNvContentPartPr/>
+                <p14:nvPr/>
+              </p14:nvContentPartPr>
+              <p14:xfrm>
+                <a:off x="6624805" y="1429525"/>
+                <a:ext cx="327960" cy="179640"/>
+              </p14:xfrm>
+            </p:contentPart>
+          </mc:Choice>
+          <mc:Fallback xmlns="">
+            <p:pic>
+              <p:nvPicPr>
+                <p:cNvPr id="41" name="Ink 40">
+                  <a:extLst>
+                    <a:ext uri="{FF2B5EF4-FFF2-40B4-BE49-F238E27FC236}">
+                      <a16:creationId xmlns:a16="http://schemas.microsoft.com/office/drawing/2014/main" id="{ED553366-A384-824A-B55B-FD077FD9FAD3}"/>
+                    </a:ext>
+                  </a:extLst>
+                </p:cNvPr>
+                <p:cNvPicPr/>
+                <p:nvPr/>
+              </p:nvPicPr>
+              <p:blipFill>
+                <a:blip r:embed="rId10"/>
+                <a:stretch>
+                  <a:fillRect/>
+                </a:stretch>
+              </p:blipFill>
+              <p:spPr>
+                <a:xfrm>
+                  <a:off x="6615326" y="1420149"/>
+                  <a:ext cx="346538" cy="198017"/>
+                </a:xfrm>
+                <a:prstGeom prst="rect">
+                  <a:avLst/>
+                </a:prstGeom>
+              </p:spPr>
+            </p:pic>
+          </mc:Fallback>
+        </mc:AlternateContent>
+        <mc:AlternateContent xmlns:mc="http://schemas.openxmlformats.org/markup-compatibility/2006" xmlns:p14="http://schemas.microsoft.com/office/powerpoint/2010/main">
+          <mc:Choice Requires="p14">
+            <p:contentPart p14:bwMode="auto" r:id="rId11">
+              <p14:nvContentPartPr>
+                <p14:cNvPr id="43" name="Ink 42">
+                  <a:extLst>
+                    <a:ext uri="{FF2B5EF4-FFF2-40B4-BE49-F238E27FC236}">
+                      <a16:creationId xmlns:a16="http://schemas.microsoft.com/office/drawing/2014/main" id="{4E8662B9-E436-E24C-B061-B04169000060}"/>
+                    </a:ext>
+                  </a:extLst>
+                </p14:cNvPr>
+                <p14:cNvContentPartPr/>
+                <p14:nvPr/>
+              </p14:nvContentPartPr>
+              <p14:xfrm>
+                <a:off x="7447291" y="1365662"/>
+                <a:ext cx="360" cy="360"/>
+              </p14:xfrm>
+            </p:contentPart>
+          </mc:Choice>
+          <mc:Fallback xmlns="">
+            <p:pic>
+              <p:nvPicPr>
+                <p:cNvPr id="43" name="Ink 42">
+                  <a:extLst>
+                    <a:ext uri="{FF2B5EF4-FFF2-40B4-BE49-F238E27FC236}">
+                      <a16:creationId xmlns:a16="http://schemas.microsoft.com/office/drawing/2014/main" id="{4E8662B9-E436-E24C-B061-B04169000060}"/>
+                    </a:ext>
+                  </a:extLst>
+                </p:cNvPr>
+                <p:cNvPicPr/>
+                <p:nvPr/>
+              </p:nvPicPr>
+              <p:blipFill>
+                <a:blip r:embed="rId12"/>
+                <a:stretch>
+                  <a:fillRect/>
+                </a:stretch>
+              </p:blipFill>
+              <p:spPr>
+                <a:xfrm>
+                  <a:off x="7438291" y="1356662"/>
+                  <a:ext cx="18000" cy="18000"/>
+                </a:xfrm>
+                <a:prstGeom prst="rect">
+                  <a:avLst/>
+                </a:prstGeom>
+              </p:spPr>
+            </p:pic>
+          </mc:Fallback>
+        </mc:AlternateContent>
         <p:grpSp>
           <p:nvGrpSpPr>
-            <p:cNvPr id="6" name="Group 5">
+            <p:cNvPr id="46" name="Group 45">
               <a:extLst>
                 <a:ext uri="{FF2B5EF4-FFF2-40B4-BE49-F238E27FC236}">
-                  <a16:creationId xmlns:a16="http://schemas.microsoft.com/office/drawing/2014/main" id="{81C31B4B-EAD9-4445-8031-A208BD9F6625}"/>
+                  <a16:creationId xmlns:a16="http://schemas.microsoft.com/office/drawing/2014/main" id="{3529038F-5112-BE4D-8755-324489803FB8}"/>
                 </a:ext>
               </a:extLst>
             </p:cNvPr>
@@ -8778,2292 +9117,1855 @@
           </p:nvGrpSpPr>
           <p:grpSpPr>
             <a:xfrm>
-              <a:off x="-60620" y="1270001"/>
-              <a:ext cx="11693820" cy="4317998"/>
-              <a:chOff x="-60620" y="1270001"/>
-              <a:chExt cx="11693820" cy="4317998"/>
+              <a:off x="7288531" y="1366022"/>
+              <a:ext cx="281384" cy="147960"/>
+              <a:chOff x="7288531" y="1366022"/>
+              <a:chExt cx="281384" cy="147960"/>
             </a:xfrm>
           </p:grpSpPr>
-          <p:grpSp>
-            <p:nvGrpSpPr>
-              <p:cNvPr id="63" name="Group 62">
-                <a:extLst>
-                  <a:ext uri="{FF2B5EF4-FFF2-40B4-BE49-F238E27FC236}">
-                    <a16:creationId xmlns:a16="http://schemas.microsoft.com/office/drawing/2014/main" id="{F7A22E6A-7C35-7C41-A013-8CF81F18D43A}"/>
-                  </a:ext>
-                </a:extLst>
-              </p:cNvPr>
-              <p:cNvGrpSpPr>
-                <a:grpSpLocks/>
-              </p:cNvGrpSpPr>
-              <p:nvPr/>
-            </p:nvGrpSpPr>
-            <p:grpSpPr>
-              <a:xfrm>
-                <a:off x="3721100" y="1485224"/>
-                <a:ext cx="7912100" cy="4102775"/>
-                <a:chOff x="2062480" y="1224280"/>
-                <a:chExt cx="8331199" cy="4273925"/>
-              </a:xfrm>
-            </p:grpSpPr>
+          <mc:AlternateContent xmlns:mc="http://schemas.openxmlformats.org/markup-compatibility/2006" xmlns:p14="http://schemas.microsoft.com/office/powerpoint/2010/main">
+            <mc:Choice Requires="p14">
+              <p:contentPart p14:bwMode="auto" r:id="rId13">
+                <p14:nvContentPartPr>
+                  <p14:cNvPr id="21" name="Ink 20">
+                    <a:extLst>
+                      <a:ext uri="{FF2B5EF4-FFF2-40B4-BE49-F238E27FC236}">
+                        <a16:creationId xmlns:a16="http://schemas.microsoft.com/office/drawing/2014/main" id="{844BC4AE-1964-5047-8833-2AABE4C8C330}"/>
+                      </a:ext>
+                    </a:extLst>
+                  </p14:cNvPr>
+                  <p14:cNvContentPartPr/>
+                  <p14:nvPr/>
+                </p14:nvContentPartPr>
+                <p14:xfrm>
+                  <a:off x="7297755" y="1492095"/>
+                  <a:ext cx="360" cy="360"/>
+                </p14:xfrm>
+              </p:contentPart>
+            </mc:Choice>
+            <mc:Fallback xmlns="">
+              <p:pic>
+                <p:nvPicPr>
+                  <p:cNvPr id="21" name="Ink 20">
+                    <a:extLst>
+                      <a:ext uri="{FF2B5EF4-FFF2-40B4-BE49-F238E27FC236}">
+                        <a16:creationId xmlns:a16="http://schemas.microsoft.com/office/drawing/2014/main" id="{844BC4AE-1964-5047-8833-2AABE4C8C330}"/>
+                      </a:ext>
+                    </a:extLst>
+                  </p:cNvPr>
+                  <p:cNvPicPr/>
+                  <p:nvPr/>
+                </p:nvPicPr>
+                <p:blipFill>
+                  <a:blip r:embed="rId12"/>
+                  <a:stretch>
+                    <a:fillRect/>
+                  </a:stretch>
+                </p:blipFill>
+                <p:spPr>
+                  <a:xfrm>
+                    <a:off x="7288755" y="1483095"/>
+                    <a:ext cx="18000" cy="18000"/>
+                  </a:xfrm>
+                  <a:prstGeom prst="rect">
+                    <a:avLst/>
+                  </a:prstGeom>
+                </p:spPr>
+              </p:pic>
+            </mc:Fallback>
+          </mc:AlternateContent>
+          <mc:AlternateContent xmlns:mc="http://schemas.openxmlformats.org/markup-compatibility/2006" xmlns:p14="http://schemas.microsoft.com/office/powerpoint/2010/main">
+            <mc:Choice Requires="p14">
+              <p:contentPart p14:bwMode="auto" r:id="rId14">
+                <p14:nvContentPartPr>
+                  <p14:cNvPr id="22" name="Ink 21">
+                    <a:extLst>
+                      <a:ext uri="{FF2B5EF4-FFF2-40B4-BE49-F238E27FC236}">
+                        <a16:creationId xmlns:a16="http://schemas.microsoft.com/office/drawing/2014/main" id="{FC8A7728-348C-DF40-96A5-CCFAAA3A1232}"/>
+                      </a:ext>
+                    </a:extLst>
+                  </p14:cNvPr>
+                  <p14:cNvContentPartPr/>
+                  <p14:nvPr/>
+                </p14:nvContentPartPr>
+                <p14:xfrm>
+                  <a:off x="7301355" y="1471575"/>
+                  <a:ext cx="360" cy="360"/>
+                </p14:xfrm>
+              </p:contentPart>
+            </mc:Choice>
+            <mc:Fallback xmlns="">
+              <p:pic>
+                <p:nvPicPr>
+                  <p:cNvPr id="22" name="Ink 21">
+                    <a:extLst>
+                      <a:ext uri="{FF2B5EF4-FFF2-40B4-BE49-F238E27FC236}">
+                        <a16:creationId xmlns:a16="http://schemas.microsoft.com/office/drawing/2014/main" id="{FC8A7728-348C-DF40-96A5-CCFAAA3A1232}"/>
+                      </a:ext>
+                    </a:extLst>
+                  </p:cNvPr>
+                  <p:cNvPicPr/>
+                  <p:nvPr/>
+                </p:nvPicPr>
+                <p:blipFill>
+                  <a:blip r:embed="rId12"/>
+                  <a:stretch>
+                    <a:fillRect/>
+                  </a:stretch>
+                </p:blipFill>
+                <p:spPr>
+                  <a:xfrm>
+                    <a:off x="7292355" y="1462575"/>
+                    <a:ext cx="18000" cy="18000"/>
+                  </a:xfrm>
+                  <a:prstGeom prst="rect">
+                    <a:avLst/>
+                  </a:prstGeom>
+                </p:spPr>
+              </p:pic>
+            </mc:Fallback>
+          </mc:AlternateContent>
+          <mc:AlternateContent xmlns:mc="http://schemas.openxmlformats.org/markup-compatibility/2006" xmlns:p14="http://schemas.microsoft.com/office/powerpoint/2010/main">
+            <mc:Choice Requires="p14">
+              <p:contentPart p14:bwMode="auto" r:id="rId15">
+                <p14:nvContentPartPr>
+                  <p14:cNvPr id="32" name="Ink 31">
+                    <a:extLst>
+                      <a:ext uri="{FF2B5EF4-FFF2-40B4-BE49-F238E27FC236}">
+                        <a16:creationId xmlns:a16="http://schemas.microsoft.com/office/drawing/2014/main" id="{5EA731C0-9D09-F845-9A87-A37AE56C25A9}"/>
+                      </a:ext>
+                    </a:extLst>
+                  </p14:cNvPr>
+                  <p14:cNvContentPartPr/>
+                  <p14:nvPr/>
+                </p14:nvContentPartPr>
+                <p14:xfrm>
+                  <a:off x="7564155" y="1443855"/>
+                  <a:ext cx="360" cy="2160"/>
+                </p14:xfrm>
+              </p:contentPart>
+            </mc:Choice>
+            <mc:Fallback xmlns="">
+              <p:pic>
+                <p:nvPicPr>
+                  <p:cNvPr id="32" name="Ink 31">
+                    <a:extLst>
+                      <a:ext uri="{FF2B5EF4-FFF2-40B4-BE49-F238E27FC236}">
+                        <a16:creationId xmlns:a16="http://schemas.microsoft.com/office/drawing/2014/main" id="{5EA731C0-9D09-F845-9A87-A37AE56C25A9}"/>
+                      </a:ext>
+                    </a:extLst>
+                  </p:cNvPr>
+                  <p:cNvPicPr/>
+                  <p:nvPr/>
+                </p:nvPicPr>
+                <p:blipFill>
+                  <a:blip r:embed="rId12"/>
+                  <a:stretch>
+                    <a:fillRect/>
+                  </a:stretch>
+                </p:blipFill>
+                <p:spPr>
+                  <a:xfrm>
+                    <a:off x="7555155" y="1434855"/>
+                    <a:ext cx="18000" cy="19800"/>
+                  </a:xfrm>
+                  <a:prstGeom prst="rect">
+                    <a:avLst/>
+                  </a:prstGeom>
+                </p:spPr>
+              </p:pic>
+            </mc:Fallback>
+          </mc:AlternateContent>
+          <mc:AlternateContent xmlns:mc="http://schemas.openxmlformats.org/markup-compatibility/2006" xmlns:p14="http://schemas.microsoft.com/office/powerpoint/2010/main">
+            <mc:Choice Requires="p14">
+              <p:contentPart p14:bwMode="auto" r:id="rId16">
+                <p14:nvContentPartPr>
+                  <p14:cNvPr id="33" name="Ink 32">
+                    <a:extLst>
+                      <a:ext uri="{FF2B5EF4-FFF2-40B4-BE49-F238E27FC236}">
+                        <a16:creationId xmlns:a16="http://schemas.microsoft.com/office/drawing/2014/main" id="{D25C6DC1-F77E-6848-B7AC-D7877819C7AA}"/>
+                      </a:ext>
+                    </a:extLst>
+                  </p14:cNvPr>
+                  <p14:cNvContentPartPr/>
+                  <p14:nvPr/>
+                </p14:nvContentPartPr>
+                <p14:xfrm>
+                  <a:off x="7568475" y="1464375"/>
+                  <a:ext cx="720" cy="3240"/>
+                </p14:xfrm>
+              </p:contentPart>
+            </mc:Choice>
+            <mc:Fallback xmlns="">
+              <p:pic>
+                <p:nvPicPr>
+                  <p:cNvPr id="33" name="Ink 32">
+                    <a:extLst>
+                      <a:ext uri="{FF2B5EF4-FFF2-40B4-BE49-F238E27FC236}">
+                        <a16:creationId xmlns:a16="http://schemas.microsoft.com/office/drawing/2014/main" id="{D25C6DC1-F77E-6848-B7AC-D7877819C7AA}"/>
+                      </a:ext>
+                    </a:extLst>
+                  </p:cNvPr>
+                  <p:cNvPicPr/>
+                  <p:nvPr/>
+                </p:nvPicPr>
+                <p:blipFill>
+                  <a:blip r:embed="rId12"/>
+                  <a:stretch>
+                    <a:fillRect/>
+                  </a:stretch>
+                </p:blipFill>
+                <p:spPr>
+                  <a:xfrm>
+                    <a:off x="7559475" y="1454250"/>
+                    <a:ext cx="18360" cy="23085"/>
+                  </a:xfrm>
+                  <a:prstGeom prst="rect">
+                    <a:avLst/>
+                  </a:prstGeom>
+                </p:spPr>
+              </p:pic>
+            </mc:Fallback>
+          </mc:AlternateContent>
+          <mc:AlternateContent xmlns:mc="http://schemas.openxmlformats.org/markup-compatibility/2006" xmlns:p14="http://schemas.microsoft.com/office/powerpoint/2010/main">
+            <mc:Choice Requires="p14">
+              <p:contentPart p14:bwMode="auto" r:id="rId17">
+                <p14:nvContentPartPr>
+                  <p14:cNvPr id="34" name="Ink 33">
+                    <a:extLst>
+                      <a:ext uri="{FF2B5EF4-FFF2-40B4-BE49-F238E27FC236}">
+                        <a16:creationId xmlns:a16="http://schemas.microsoft.com/office/drawing/2014/main" id="{0F5D4B2D-7DCB-9344-A911-527EF7498B80}"/>
+                      </a:ext>
+                    </a:extLst>
+                  </p14:cNvPr>
+                  <p14:cNvContentPartPr/>
+                  <p14:nvPr/>
+                </p14:nvContentPartPr>
+                <p14:xfrm>
+                  <a:off x="7569555" y="1480575"/>
+                  <a:ext cx="360" cy="360"/>
+                </p14:xfrm>
+              </p:contentPart>
+            </mc:Choice>
+            <mc:Fallback xmlns="">
+              <p:pic>
+                <p:nvPicPr>
+                  <p:cNvPr id="34" name="Ink 33">
+                    <a:extLst>
+                      <a:ext uri="{FF2B5EF4-FFF2-40B4-BE49-F238E27FC236}">
+                        <a16:creationId xmlns:a16="http://schemas.microsoft.com/office/drawing/2014/main" id="{0F5D4B2D-7DCB-9344-A911-527EF7498B80}"/>
+                      </a:ext>
+                    </a:extLst>
+                  </p:cNvPr>
+                  <p:cNvPicPr/>
+                  <p:nvPr/>
+                </p:nvPicPr>
+                <p:blipFill>
+                  <a:blip r:embed="rId12"/>
+                  <a:stretch>
+                    <a:fillRect/>
+                  </a:stretch>
+                </p:blipFill>
+                <p:spPr>
+                  <a:xfrm>
+                    <a:off x="7560555" y="1471575"/>
+                    <a:ext cx="18000" cy="18000"/>
+                  </a:xfrm>
+                  <a:prstGeom prst="rect">
+                    <a:avLst/>
+                  </a:prstGeom>
+                </p:spPr>
+              </p:pic>
+            </mc:Fallback>
+          </mc:AlternateContent>
+          <mc:AlternateContent xmlns:mc="http://schemas.openxmlformats.org/markup-compatibility/2006" xmlns:p14="http://schemas.microsoft.com/office/powerpoint/2010/main">
+            <mc:Choice Requires="p14">
+              <p:contentPart p14:bwMode="auto" r:id="rId18">
+                <p14:nvContentPartPr>
+                  <p14:cNvPr id="37" name="Ink 36">
+                    <a:extLst>
+                      <a:ext uri="{FF2B5EF4-FFF2-40B4-BE49-F238E27FC236}">
+                        <a16:creationId xmlns:a16="http://schemas.microsoft.com/office/drawing/2014/main" id="{C6ECA5D0-18A1-F44F-B8D8-2EBBFEB98AB3}"/>
+                      </a:ext>
+                    </a:extLst>
+                  </p14:cNvPr>
+                  <p14:cNvContentPartPr/>
+                  <p14:nvPr/>
+                </p14:nvContentPartPr>
+                <p14:xfrm>
+                  <a:off x="7415115" y="1368255"/>
+                  <a:ext cx="360" cy="360"/>
+                </p14:xfrm>
+              </p:contentPart>
+            </mc:Choice>
+            <mc:Fallback xmlns="">
+              <p:pic>
+                <p:nvPicPr>
+                  <p:cNvPr id="37" name="Ink 36">
+                    <a:extLst>
+                      <a:ext uri="{FF2B5EF4-FFF2-40B4-BE49-F238E27FC236}">
+                        <a16:creationId xmlns:a16="http://schemas.microsoft.com/office/drawing/2014/main" id="{C6ECA5D0-18A1-F44F-B8D8-2EBBFEB98AB3}"/>
+                      </a:ext>
+                    </a:extLst>
+                  </p:cNvPr>
+                  <p:cNvPicPr/>
+                  <p:nvPr/>
+                </p:nvPicPr>
+                <p:blipFill>
+                  <a:blip r:embed="rId12"/>
+                  <a:stretch>
+                    <a:fillRect/>
+                  </a:stretch>
+                </p:blipFill>
+                <p:spPr>
+                  <a:xfrm>
+                    <a:off x="7406115" y="1359255"/>
+                    <a:ext cx="18000" cy="18000"/>
+                  </a:xfrm>
+                  <a:prstGeom prst="rect">
+                    <a:avLst/>
+                  </a:prstGeom>
+                </p:spPr>
+              </p:pic>
+            </mc:Fallback>
+          </mc:AlternateContent>
+          <mc:AlternateContent xmlns:mc="http://schemas.openxmlformats.org/markup-compatibility/2006" xmlns:p14="http://schemas.microsoft.com/office/powerpoint/2010/main">
+            <mc:Choice Requires="p14">
+              <p:contentPart p14:bwMode="auto" r:id="rId19">
+                <p14:nvContentPartPr>
+                  <p14:cNvPr id="24" name="Ink 23">
+                    <a:extLst>
+                      <a:ext uri="{FF2B5EF4-FFF2-40B4-BE49-F238E27FC236}">
+                        <a16:creationId xmlns:a16="http://schemas.microsoft.com/office/drawing/2014/main" id="{1EB6B631-B946-EB45-B344-EBF5C0B167F6}"/>
+                      </a:ext>
+                    </a:extLst>
+                  </p14:cNvPr>
+                  <p14:cNvContentPartPr/>
+                  <p14:nvPr/>
+                </p14:nvContentPartPr>
+                <p14:xfrm>
+                  <a:off x="7451475" y="1373655"/>
+                  <a:ext cx="360" cy="360"/>
+                </p14:xfrm>
+              </p:contentPart>
+            </mc:Choice>
+            <mc:Fallback xmlns="">
+              <p:pic>
+                <p:nvPicPr>
+                  <p:cNvPr id="24" name="Ink 23">
+                    <a:extLst>
+                      <a:ext uri="{FF2B5EF4-FFF2-40B4-BE49-F238E27FC236}">
+                        <a16:creationId xmlns:a16="http://schemas.microsoft.com/office/drawing/2014/main" id="{1EB6B631-B946-EB45-B344-EBF5C0B167F6}"/>
+                      </a:ext>
+                    </a:extLst>
+                  </p:cNvPr>
+                  <p:cNvPicPr/>
+                  <p:nvPr/>
+                </p:nvPicPr>
+                <p:blipFill>
+                  <a:blip r:embed="rId12"/>
+                  <a:stretch>
+                    <a:fillRect/>
+                  </a:stretch>
+                </p:blipFill>
+                <p:spPr>
+                  <a:xfrm>
+                    <a:off x="7442475" y="1364655"/>
+                    <a:ext cx="18000" cy="18000"/>
+                  </a:xfrm>
+                  <a:prstGeom prst="rect">
+                    <a:avLst/>
+                  </a:prstGeom>
+                </p:spPr>
+              </p:pic>
+            </mc:Fallback>
+          </mc:AlternateContent>
+          <mc:AlternateContent xmlns:mc="http://schemas.openxmlformats.org/markup-compatibility/2006" xmlns:p14="http://schemas.microsoft.com/office/powerpoint/2010/main">
+            <mc:Choice Requires="p14">
+              <p:contentPart p14:bwMode="auto" r:id="rId20">
+                <p14:nvContentPartPr>
+                  <p14:cNvPr id="25" name="Ink 24">
+                    <a:extLst>
+                      <a:ext uri="{FF2B5EF4-FFF2-40B4-BE49-F238E27FC236}">
+                        <a16:creationId xmlns:a16="http://schemas.microsoft.com/office/drawing/2014/main" id="{F0D0BDD7-B9AA-EA4D-BA0B-563D7A63612A}"/>
+                      </a:ext>
+                    </a:extLst>
+                  </p14:cNvPr>
+                  <p14:cNvContentPartPr/>
+                  <p14:nvPr/>
+                </p14:nvContentPartPr>
+                <p14:xfrm>
+                  <a:off x="7434195" y="1366815"/>
+                  <a:ext cx="360" cy="360"/>
+                </p14:xfrm>
+              </p:contentPart>
+            </mc:Choice>
+            <mc:Fallback xmlns="">
+              <p:pic>
+                <p:nvPicPr>
+                  <p:cNvPr id="25" name="Ink 24">
+                    <a:extLst>
+                      <a:ext uri="{FF2B5EF4-FFF2-40B4-BE49-F238E27FC236}">
+                        <a16:creationId xmlns:a16="http://schemas.microsoft.com/office/drawing/2014/main" id="{F0D0BDD7-B9AA-EA4D-BA0B-563D7A63612A}"/>
+                      </a:ext>
+                    </a:extLst>
+                  </p:cNvPr>
+                  <p:cNvPicPr/>
+                  <p:nvPr/>
+                </p:nvPicPr>
+                <p:blipFill>
+                  <a:blip r:embed="rId12"/>
+                  <a:stretch>
+                    <a:fillRect/>
+                  </a:stretch>
+                </p:blipFill>
+                <p:spPr>
+                  <a:xfrm>
+                    <a:off x="7425195" y="1357815"/>
+                    <a:ext cx="18000" cy="18000"/>
+                  </a:xfrm>
+                  <a:prstGeom prst="rect">
+                    <a:avLst/>
+                  </a:prstGeom>
+                </p:spPr>
+              </p:pic>
+            </mc:Fallback>
+          </mc:AlternateContent>
+          <mc:AlternateContent xmlns:mc="http://schemas.openxmlformats.org/markup-compatibility/2006" xmlns:p14="http://schemas.microsoft.com/office/powerpoint/2010/main">
+            <mc:Choice Requires="p14">
+              <p:contentPart p14:bwMode="auto" r:id="rId21">
+                <p14:nvContentPartPr>
+                  <p14:cNvPr id="26" name="Ink 25">
+                    <a:extLst>
+                      <a:ext uri="{FF2B5EF4-FFF2-40B4-BE49-F238E27FC236}">
+                        <a16:creationId xmlns:a16="http://schemas.microsoft.com/office/drawing/2014/main" id="{5C1D9E91-116B-964B-965E-7A9782B4DC9E}"/>
+                      </a:ext>
+                    </a:extLst>
+                  </p14:cNvPr>
+                  <p14:cNvContentPartPr/>
+                  <p14:nvPr/>
+                </p14:nvContentPartPr>
+                <p14:xfrm>
+                  <a:off x="7465515" y="1374735"/>
+                  <a:ext cx="360" cy="360"/>
+                </p14:xfrm>
+              </p:contentPart>
+            </mc:Choice>
+            <mc:Fallback xmlns="">
+              <p:pic>
+                <p:nvPicPr>
+                  <p:cNvPr id="26" name="Ink 25">
+                    <a:extLst>
+                      <a:ext uri="{FF2B5EF4-FFF2-40B4-BE49-F238E27FC236}">
+                        <a16:creationId xmlns:a16="http://schemas.microsoft.com/office/drawing/2014/main" id="{5C1D9E91-116B-964B-965E-7A9782B4DC9E}"/>
+                      </a:ext>
+                    </a:extLst>
+                  </p:cNvPr>
+                  <p:cNvPicPr/>
+                  <p:nvPr/>
+                </p:nvPicPr>
+                <p:blipFill>
+                  <a:blip r:embed="rId12"/>
+                  <a:stretch>
+                    <a:fillRect/>
+                  </a:stretch>
+                </p:blipFill>
+                <p:spPr>
+                  <a:xfrm>
+                    <a:off x="7456515" y="1365735"/>
+                    <a:ext cx="18000" cy="18000"/>
+                  </a:xfrm>
+                  <a:prstGeom prst="rect">
+                    <a:avLst/>
+                  </a:prstGeom>
+                </p:spPr>
+              </p:pic>
+            </mc:Fallback>
+          </mc:AlternateContent>
+          <mc:AlternateContent xmlns:mc="http://schemas.openxmlformats.org/markup-compatibility/2006" xmlns:p14="http://schemas.microsoft.com/office/powerpoint/2010/main">
+            <mc:Choice Requires="p14">
+              <p:contentPart p14:bwMode="auto" r:id="rId22">
+                <p14:nvContentPartPr>
+                  <p14:cNvPr id="28" name="Ink 27">
+                    <a:extLst>
+                      <a:ext uri="{FF2B5EF4-FFF2-40B4-BE49-F238E27FC236}">
+                        <a16:creationId xmlns:a16="http://schemas.microsoft.com/office/drawing/2014/main" id="{9E3DE7B4-2E9E-964C-8E4A-275C9F018257}"/>
+                      </a:ext>
+                    </a:extLst>
+                  </p14:cNvPr>
+                  <p14:cNvContentPartPr/>
+                  <p14:nvPr/>
+                </p14:nvContentPartPr>
+                <p14:xfrm>
+                  <a:off x="7479555" y="1380135"/>
+                  <a:ext cx="360" cy="360"/>
+                </p14:xfrm>
+              </p:contentPart>
+            </mc:Choice>
+            <mc:Fallback xmlns="">
+              <p:pic>
+                <p:nvPicPr>
+                  <p:cNvPr id="28" name="Ink 27">
+                    <a:extLst>
+                      <a:ext uri="{FF2B5EF4-FFF2-40B4-BE49-F238E27FC236}">
+                        <a16:creationId xmlns:a16="http://schemas.microsoft.com/office/drawing/2014/main" id="{9E3DE7B4-2E9E-964C-8E4A-275C9F018257}"/>
+                      </a:ext>
+                    </a:extLst>
+                  </p:cNvPr>
+                  <p:cNvPicPr/>
+                  <p:nvPr/>
+                </p:nvPicPr>
+                <p:blipFill>
+                  <a:blip r:embed="rId12"/>
+                  <a:stretch>
+                    <a:fillRect/>
+                  </a:stretch>
+                </p:blipFill>
+                <p:spPr>
+                  <a:xfrm>
+                    <a:off x="7470555" y="1371135"/>
+                    <a:ext cx="18000" cy="18000"/>
+                  </a:xfrm>
+                  <a:prstGeom prst="rect">
+                    <a:avLst/>
+                  </a:prstGeom>
+                </p:spPr>
+              </p:pic>
+            </mc:Fallback>
+          </mc:AlternateContent>
+          <mc:AlternateContent xmlns:mc="http://schemas.openxmlformats.org/markup-compatibility/2006" xmlns:p14="http://schemas.microsoft.com/office/powerpoint/2010/main">
+            <mc:Choice Requires="p14">
+              <p:contentPart p14:bwMode="auto" r:id="rId23">
+                <p14:nvContentPartPr>
+                  <p14:cNvPr id="30" name="Ink 29">
+                    <a:extLst>
+                      <a:ext uri="{FF2B5EF4-FFF2-40B4-BE49-F238E27FC236}">
+                        <a16:creationId xmlns:a16="http://schemas.microsoft.com/office/drawing/2014/main" id="{96193C79-9377-DA45-8107-CC5D36B2185F}"/>
+                      </a:ext>
+                    </a:extLst>
+                  </p14:cNvPr>
+                  <p14:cNvContentPartPr/>
+                  <p14:nvPr/>
+                </p14:nvContentPartPr>
+                <p14:xfrm>
+                  <a:off x="7524195" y="1396695"/>
+                  <a:ext cx="360" cy="360"/>
+                </p14:xfrm>
+              </p:contentPart>
+            </mc:Choice>
+            <mc:Fallback xmlns="">
+              <p:pic>
+                <p:nvPicPr>
+                  <p:cNvPr id="30" name="Ink 29">
+                    <a:extLst>
+                      <a:ext uri="{FF2B5EF4-FFF2-40B4-BE49-F238E27FC236}">
+                        <a16:creationId xmlns:a16="http://schemas.microsoft.com/office/drawing/2014/main" id="{96193C79-9377-DA45-8107-CC5D36B2185F}"/>
+                      </a:ext>
+                    </a:extLst>
+                  </p:cNvPr>
+                  <p:cNvPicPr/>
+                  <p:nvPr/>
+                </p:nvPicPr>
+                <p:blipFill>
+                  <a:blip r:embed="rId12"/>
+                  <a:stretch>
+                    <a:fillRect/>
+                  </a:stretch>
+                </p:blipFill>
+                <p:spPr>
+                  <a:xfrm>
+                    <a:off x="7515195" y="1387695"/>
+                    <a:ext cx="18000" cy="18000"/>
+                  </a:xfrm>
+                  <a:prstGeom prst="rect">
+                    <a:avLst/>
+                  </a:prstGeom>
+                </p:spPr>
+              </p:pic>
+            </mc:Fallback>
+          </mc:AlternateContent>
+          <mc:AlternateContent xmlns:mc="http://schemas.openxmlformats.org/markup-compatibility/2006" xmlns:p14="http://schemas.microsoft.com/office/powerpoint/2010/main">
+            <mc:Choice Requires="p14">
+              <p:contentPart p14:bwMode="auto" r:id="rId24">
+                <p14:nvContentPartPr>
+                  <p14:cNvPr id="31" name="Ink 30">
+                    <a:extLst>
+                      <a:ext uri="{FF2B5EF4-FFF2-40B4-BE49-F238E27FC236}">
+                        <a16:creationId xmlns:a16="http://schemas.microsoft.com/office/drawing/2014/main" id="{5FC1A8AA-B6BA-484D-8FA1-C106033EC46D}"/>
+                      </a:ext>
+                    </a:extLst>
+                  </p14:cNvPr>
+                  <p14:cNvContentPartPr/>
+                  <p14:nvPr/>
+                </p14:nvContentPartPr>
+                <p14:xfrm>
+                  <a:off x="7537155" y="1403535"/>
+                  <a:ext cx="10440" cy="4320"/>
+                </p14:xfrm>
+              </p:contentPart>
+            </mc:Choice>
+            <mc:Fallback xmlns="">
+              <p:pic>
+                <p:nvPicPr>
+                  <p:cNvPr id="31" name="Ink 30">
+                    <a:extLst>
+                      <a:ext uri="{FF2B5EF4-FFF2-40B4-BE49-F238E27FC236}">
+                        <a16:creationId xmlns:a16="http://schemas.microsoft.com/office/drawing/2014/main" id="{5FC1A8AA-B6BA-484D-8FA1-C106033EC46D}"/>
+                      </a:ext>
+                    </a:extLst>
+                  </p:cNvPr>
+                  <p:cNvPicPr/>
+                  <p:nvPr/>
+                </p:nvPicPr>
+                <p:blipFill>
+                  <a:blip r:embed="rId25"/>
+                  <a:stretch>
+                    <a:fillRect/>
+                  </a:stretch>
+                </p:blipFill>
+                <p:spPr>
+                  <a:xfrm>
+                    <a:off x="7527834" y="1394535"/>
+                    <a:ext cx="28710" cy="21960"/>
+                  </a:xfrm>
+                  <a:prstGeom prst="rect">
+                    <a:avLst/>
+                  </a:prstGeom>
+                </p:spPr>
+              </p:pic>
+            </mc:Fallback>
+          </mc:AlternateContent>
+          <mc:AlternateContent xmlns:mc="http://schemas.openxmlformats.org/markup-compatibility/2006" xmlns:p14="http://schemas.microsoft.com/office/powerpoint/2010/main">
+            <mc:Choice Requires="p14">
+              <p:contentPart p14:bwMode="auto" r:id="rId26">
+                <p14:nvContentPartPr>
+                  <p14:cNvPr id="45" name="Ink 44">
+                    <a:extLst>
+                      <a:ext uri="{FF2B5EF4-FFF2-40B4-BE49-F238E27FC236}">
+                        <a16:creationId xmlns:a16="http://schemas.microsoft.com/office/drawing/2014/main" id="{DB532112-736B-D742-83E3-3A48BAC575A5}"/>
+                      </a:ext>
+                    </a:extLst>
+                  </p14:cNvPr>
+                  <p14:cNvContentPartPr/>
+                  <p14:nvPr/>
+                </p14:nvContentPartPr>
+                <p14:xfrm>
+                  <a:off x="7288531" y="1366022"/>
+                  <a:ext cx="177120" cy="147960"/>
+                </p14:xfrm>
+              </p:contentPart>
+            </mc:Choice>
+            <mc:Fallback xmlns="">
+              <p:pic>
+                <p:nvPicPr>
+                  <p:cNvPr id="45" name="Ink 44">
+                    <a:extLst>
+                      <a:ext uri="{FF2B5EF4-FFF2-40B4-BE49-F238E27FC236}">
+                        <a16:creationId xmlns:a16="http://schemas.microsoft.com/office/drawing/2014/main" id="{DB532112-736B-D742-83E3-3A48BAC575A5}"/>
+                      </a:ext>
+                    </a:extLst>
+                  </p:cNvPr>
+                  <p:cNvPicPr/>
+                  <p:nvPr/>
+                </p:nvPicPr>
+                <p:blipFill>
+                  <a:blip r:embed="rId27"/>
+                  <a:stretch>
+                    <a:fillRect/>
+                  </a:stretch>
+                </p:blipFill>
+                <p:spPr>
+                  <a:xfrm>
+                    <a:off x="7279069" y="1356657"/>
+                    <a:ext cx="195665" cy="166315"/>
+                  </a:xfrm>
+                  <a:prstGeom prst="rect">
+                    <a:avLst/>
+                  </a:prstGeom>
+                </p:spPr>
+              </p:pic>
+            </mc:Fallback>
+          </mc:AlternateContent>
+        </p:grpSp>
+        <mc:AlternateContent xmlns:mc="http://schemas.openxmlformats.org/markup-compatibility/2006" xmlns:p14="http://schemas.microsoft.com/office/powerpoint/2010/main">
+          <mc:Choice Requires="p14">
+            <p:contentPart p14:bwMode="auto" r:id="rId28">
+              <p14:nvContentPartPr>
+                <p14:cNvPr id="13" name="Ink 12">
+                  <a:extLst>
+                    <a:ext uri="{FF2B5EF4-FFF2-40B4-BE49-F238E27FC236}">
+                      <a16:creationId xmlns:a16="http://schemas.microsoft.com/office/drawing/2014/main" id="{540A925A-EC20-AE49-9CC1-ED2FC2EC37D9}"/>
+                    </a:ext>
+                  </a:extLst>
+                </p14:cNvPr>
+                <p14:cNvContentPartPr/>
+                <p14:nvPr/>
+              </p14:nvContentPartPr>
+              <p14:xfrm>
+                <a:off x="6613035" y="1389855"/>
+                <a:ext cx="363240" cy="165600"/>
+              </p14:xfrm>
+            </p:contentPart>
+          </mc:Choice>
+          <mc:Fallback xmlns="">
             <p:pic>
               <p:nvPicPr>
-                <p:cNvPr id="5" name="Picture 4">
+                <p:cNvPr id="13" name="Ink 12">
                   <a:extLst>
                     <a:ext uri="{FF2B5EF4-FFF2-40B4-BE49-F238E27FC236}">
-                      <a16:creationId xmlns:a16="http://schemas.microsoft.com/office/drawing/2014/main" id="{5249664C-794F-3146-BAE5-B614B1DFBC36}"/>
+                      <a16:creationId xmlns:a16="http://schemas.microsoft.com/office/drawing/2014/main" id="{540A925A-EC20-AE49-9CC1-ED2FC2EC37D9}"/>
                     </a:ext>
                   </a:extLst>
                 </p:cNvPr>
-                <p:cNvPicPr>
-                  <a:picLocks noChangeAspect="1"/>
-                </p:cNvPicPr>
+                <p:cNvPicPr/>
                 <p:nvPr/>
               </p:nvPicPr>
-              <p:blipFill rotWithShape="1">
-                <a:blip r:embed="rId5">
-                  <a:extLst>
-                    <a:ext uri="{BEBA8EAE-BF5A-486C-A8C5-ECC9F3942E4B}">
-                      <a14:imgProps xmlns:a14="http://schemas.microsoft.com/office/drawing/2010/main">
-                        <a14:imgLayer r:embed="rId6">
-                          <a14:imgEffect>
-                            <a14:backgroundRemoval t="9810" b="90776" l="9473" r="90723">
-                              <a14:foregroundMark x1="9473" y1="70425" x2="9473" y2="70425"/>
-                              <a14:foregroundMark x1="10059" y1="88580" x2="10059" y2="88580"/>
-                              <a14:foregroundMark x1="12598" y1="90922" x2="12598" y2="90922"/>
-                              <a14:foregroundMark x1="12695" y1="68082" x2="12695" y2="68082"/>
-                              <a14:foregroundMark x1="15918" y1="43924" x2="15918" y2="43924"/>
-                              <a14:foregroundMark x1="17188" y1="45827" x2="17188" y2="44656"/>
-                              <a14:foregroundMark x1="16797" y1="45242" x2="15625" y2="41581"/>
-                              <a14:foregroundMark x1="45508" y1="44070" x2="45508" y2="44070"/>
-                              <a14:foregroundMark x1="54102" y1="44217" x2="54102" y2="44217"/>
-                              <a14:foregroundMark x1="59180" y1="56369" x2="59180" y2="56369"/>
-                              <a14:foregroundMark x1="63477" y1="44363" x2="63477" y2="44363"/>
-                              <a14:foregroundMark x1="66602" y1="55783" x2="66602" y2="55783"/>
-                              <a14:foregroundMark x1="69336" y1="44949" x2="69336" y2="44949"/>
-                              <a14:foregroundMark x1="74902" y1="47438" x2="74902" y2="47438"/>
-                              <a14:foregroundMark x1="79492" y1="46852" x2="79492" y2="46852"/>
-                              <a14:foregroundMark x1="85352" y1="44217" x2="85352" y2="44217"/>
-                              <a14:foregroundMark x1="89453" y1="52416" x2="89453" y2="52416"/>
-                              <a14:foregroundMark x1="89746" y1="53148" x2="89746" y2="53148"/>
-                              <a14:foregroundMark x1="90234" y1="68814" x2="90234" y2="68814"/>
-                              <a14:foregroundMark x1="90625" y1="69253" x2="90625" y2="69253"/>
-                              <a14:foregroundMark x1="90723" y1="70571" x2="90723" y2="70571"/>
-                              <a14:foregroundMark x1="90332" y1="58565" x2="90332" y2="58565"/>
-                              <a14:foregroundMark x1="83301" y1="33382" x2="83301" y2="33382"/>
-                              <a14:foregroundMark x1="83301" y1="31040" x2="83301" y2="31040"/>
-                              <a14:foregroundMark x1="84082" y1="34114" x2="84082" y2="34114"/>
-                              <a14:foregroundMark x1="77930" y1="37189" x2="77930" y2="37189"/>
-                              <a14:foregroundMark x1="77539" y1="36310" x2="77539" y2="36310"/>
-                              <a14:foregroundMark x1="77051" y1="38214" x2="77051" y2="38214"/>
-                              <a14:foregroundMark x1="68652" y1="36457" x2="69629" y2="34846"/>
-                              <a14:foregroundMark x1="67578" y1="37775" x2="67578" y2="37775"/>
-                              <a14:foregroundMark x1="70313" y1="35139" x2="70313" y2="35139"/>
-                              <a14:foregroundMark x1="70313" y1="35139" x2="69727" y2="37482"/>
-                              <a14:foregroundMark x1="66895" y1="38067" x2="70117" y2="37921"/>
-                              <a14:foregroundMark x1="62109" y1="30747" x2="62109" y2="30747"/>
-                              <a14:foregroundMark x1="61621" y1="32064" x2="61621" y2="32064"/>
-                              <a14:foregroundMark x1="61621" y1="34553" x2="61621" y2="34553"/>
-                              <a14:foregroundMark x1="60938" y1="35578" x2="60938" y2="35578"/>
-                              <a14:foregroundMark x1="54492" y1="32650" x2="54492" y2="32650"/>
-                              <a14:foregroundMark x1="55469" y1="31040" x2="55469" y2="31040"/>
-                              <a14:foregroundMark x1="55176" y1="31332" x2="55176" y2="31332"/>
-                              <a14:foregroundMark x1="54688" y1="31772" x2="55078" y2="32064"/>
-                              <a14:foregroundMark x1="54980" y1="33236" x2="55273" y2="33236"/>
-                              <a14:foregroundMark x1="55078" y1="34700" x2="55176" y2="34700"/>
-                              <a14:foregroundMark x1="53711" y1="31040" x2="56250" y2="30454"/>
-                              <a14:foregroundMark x1="55176" y1="30893" x2="55176" y2="30893"/>
-                              <a14:foregroundMark x1="54785" y1="29722" x2="54785" y2="29722"/>
-                              <a14:foregroundMark x1="54980" y1="29868" x2="54980" y2="29868"/>
-                              <a14:foregroundMark x1="56250" y1="29868" x2="56250" y2="29868"/>
-                              <a14:foregroundMark x1="55859" y1="30015" x2="55859" y2="30015"/>
-                              <a14:foregroundMark x1="55859" y1="30015" x2="55859" y2="30015"/>
-                              <a14:foregroundMark x1="53516" y1="32650" x2="53516" y2="32650"/>
-                              <a14:foregroundMark x1="53516" y1="32650" x2="53516" y2="32650"/>
-                              <a14:foregroundMark x1="56934" y1="32357" x2="56934" y2="32357"/>
-                              <a14:foregroundMark x1="56934" y1="32357" x2="56934" y2="32357"/>
-                              <a14:foregroundMark x1="47656" y1="36603" x2="47949" y2="36750"/>
-                              <a14:foregroundMark x1="48145" y1="36457" x2="48145" y2="36457"/>
-                              <a14:foregroundMark x1="49316" y1="31040" x2="49316" y2="31040"/>
-                              <a14:foregroundMark x1="49316" y1="31040" x2="49316" y2="31040"/>
-                              <a14:foregroundMark x1="48340" y1="31040" x2="48340" y2="31040"/>
-                              <a14:foregroundMark x1="48438" y1="31040" x2="48438" y2="31040"/>
-                              <a14:foregroundMark x1="47754" y1="32211" x2="47754" y2="32211"/>
-                              <a14:foregroundMark x1="47754" y1="32211" x2="47754" y2="32211"/>
-                              <a14:foregroundMark x1="49902" y1="31772" x2="49902" y2="31772"/>
-                              <a14:foregroundMark x1="49805" y1="31772" x2="49805" y2="31772"/>
-                              <a14:foregroundMark x1="50098" y1="31772" x2="50098" y2="31772"/>
-                              <a14:foregroundMark x1="50098" y1="31772" x2="50098" y2="31772"/>
-                              <a14:foregroundMark x1="43164" y1="30893" x2="43164" y2="30893"/>
-                              <a14:foregroundMark x1="43164" y1="30893" x2="43164" y2="30893"/>
-                              <a14:foregroundMark x1="42969" y1="31040" x2="42969" y2="31040"/>
-                              <a14:foregroundMark x1="43066" y1="31040" x2="43066" y2="31040"/>
-                              <a14:foregroundMark x1="43164" y1="32504" x2="43164" y2="32504"/>
-                              <a14:foregroundMark x1="43164" y1="32504" x2="43164" y2="32504"/>
-                              <a14:foregroundMark x1="42676" y1="33675" x2="42676" y2="33675"/>
-                              <a14:foregroundMark x1="42676" y1="33675" x2="42676" y2="33675"/>
-                              <a14:foregroundMark x1="42383" y1="29868" x2="42383" y2="29868"/>
-                              <a14:foregroundMark x1="42383" y1="29868" x2="42383" y2="29868"/>
-                              <a14:foregroundMark x1="43164" y1="30161" x2="43164" y2="30161"/>
-                              <a14:foregroundMark x1="43164" y1="30161" x2="43164" y2="30161"/>
-                              <a14:foregroundMark x1="43164" y1="29722" x2="43164" y2="29722"/>
-                              <a14:foregroundMark x1="43164" y1="29722" x2="43164" y2="29722"/>
-                              <a14:foregroundMark x1="42285" y1="29722" x2="42285" y2="29722"/>
-                              <a14:foregroundMark x1="42285" y1="29722" x2="42285" y2="29722"/>
-                              <a14:foregroundMark x1="43066" y1="29429" x2="43066" y2="29429"/>
-                              <a14:foregroundMark x1="43066" y1="29429" x2="43066" y2="29429"/>
-                              <a14:foregroundMark x1="43457" y1="29575" x2="43457" y2="29575"/>
-                              <a14:foregroundMark x1="43457" y1="29575" x2="43457" y2="29575"/>
-                              <a14:foregroundMark x1="29102" y1="34993" x2="29102" y2="34993"/>
-                              <a14:foregroundMark x1="29102" y1="34993" x2="29102" y2="34993"/>
-                              <a14:foregroundMark x1="30273" y1="44949" x2="30469" y2="44949"/>
-                              <a14:foregroundMark x1="30371" y1="44949" x2="30371" y2="44949"/>
-                              <a14:foregroundMark x1="34766" y1="50220" x2="34766" y2="50220"/>
-                              <a14:foregroundMark x1="34766" y1="50220" x2="34766" y2="50220"/>
-                              <a14:foregroundMark x1="67871" y1="33968" x2="67871" y2="33968"/>
-                              <a14:foregroundMark x1="67871" y1="33968" x2="67871" y2="33968"/>
-                              <a14:foregroundMark x1="68262" y1="33089" x2="68262" y2="33089"/>
-                              <a14:foregroundMark x1="68262" y1="33089" x2="68262" y2="33089"/>
-                              <a14:foregroundMark x1="70410" y1="33529" x2="70410" y2="33529"/>
-                              <a14:foregroundMark x1="70410" y1="33529" x2="70410" y2="33529"/>
-                              <a14:foregroundMark x1="70703" y1="37042" x2="70703" y2="37042"/>
-                              <a14:foregroundMark x1="70703" y1="37042" x2="70703" y2="37042"/>
-                              <a14:foregroundMark x1="70996" y1="38799" x2="70996" y2="38799"/>
-                              <a14:foregroundMark x1="70996" y1="38799" x2="70996" y2="38799"/>
-                              <a14:foregroundMark x1="71289" y1="39092" x2="71289" y2="39092"/>
-                              <a14:foregroundMark x1="71289" y1="39092" x2="71289" y2="39092"/>
-                              <a14:foregroundMark x1="69824" y1="32211" x2="69824" y2="32211"/>
-                              <a14:foregroundMark x1="69824" y1="32211" x2="69824" y2="32211"/>
-                              <a14:foregroundMark x1="68359" y1="32064" x2="68359" y2="32064"/>
-                              <a14:foregroundMark x1="68359" y1="32064" x2="68359" y2="32064"/>
-                              <a14:foregroundMark x1="62109" y1="29283" x2="62109" y2="29283"/>
-                              <a14:foregroundMark x1="62109" y1="29283" x2="62109" y2="29283"/>
-                              <a14:foregroundMark x1="62598" y1="29722" x2="62598" y2="29722"/>
-                              <a14:foregroundMark x1="62598" y1="29722" x2="62598" y2="29722"/>
-                              <a14:foregroundMark x1="63086" y1="30307" x2="63086" y2="30307"/>
-                              <a14:foregroundMark x1="63086" y1="30307" x2="63086" y2="30307"/>
-                              <a14:foregroundMark x1="60938" y1="29722" x2="60938" y2="29722"/>
-                              <a14:foregroundMark x1="60938" y1="29722" x2="60938" y2="29722"/>
-                              <a14:foregroundMark x1="61816" y1="28843" x2="61816" y2="28843"/>
-                              <a14:foregroundMark x1="61816" y1="28843" x2="61816" y2="28843"/>
-                              <a14:foregroundMark x1="62598" y1="28990" x2="62598" y2="28990"/>
-                              <a14:foregroundMark x1="62598" y1="28990" x2="62598" y2="28990"/>
-                              <a14:foregroundMark x1="60742" y1="30015" x2="60742" y2="30015"/>
-                              <a14:foregroundMark x1="60742" y1="30015" x2="60742" y2="30015"/>
-                              <a14:foregroundMark x1="63184" y1="29722" x2="63184" y2="29722"/>
-                              <a14:foregroundMark x1="63184" y1="29722" x2="63184" y2="29722"/>
-                              <a14:foregroundMark x1="15918" y1="39824" x2="15918" y2="39824"/>
-                              <a14:foregroundMark x1="15918" y1="39824" x2="15918" y2="39824"/>
-                              <a14:foregroundMark x1="17188" y1="40849" x2="17188" y2="40849"/>
-                              <a14:foregroundMark x1="17188" y1="40849" x2="17188" y2="40849"/>
-                              <a14:foregroundMark x1="77441" y1="39239" x2="77441" y2="39239"/>
-                              <a14:foregroundMark x1="78809" y1="38360" x2="78809" y2="38360"/>
-                              <a14:foregroundMark x1="60547" y1="31040" x2="60547" y2="31040"/>
-                              <a14:foregroundMark x1="60547" y1="31040" x2="60547" y2="31040"/>
-                              <a14:foregroundMark x1="63184" y1="30893" x2="63184" y2="30893"/>
-                              <a14:foregroundMark x1="63184" y1="30893" x2="63184" y2="30893"/>
-                              <a14:foregroundMark x1="89258" y1="47438" x2="89258" y2="47438"/>
-                              <a14:foregroundMark x1="89258" y1="47438" x2="89258" y2="47438"/>
-                              <a14:foregroundMark x1="28125" y1="33821" x2="28125" y2="33821"/>
-                              <a14:foregroundMark x1="28125" y1="33821" x2="28125" y2="33821"/>
-                              <a14:foregroundMark x1="28809" y1="34407" x2="28809" y2="34407"/>
-                              <a14:foregroundMark x1="28809" y1="34407" x2="28809" y2="34407"/>
-                              <a14:foregroundMark x1="28711" y1="32064" x2="28711" y2="32064"/>
-                              <a14:foregroundMark x1="28711" y1="32064" x2="28711" y2="32064"/>
-                              <a14:foregroundMark x1="32813" y1="38507" x2="32813" y2="38507"/>
-                              <a14:foregroundMark x1="32813" y1="38507" x2="32813" y2="38507"/>
-                              <a14:foregroundMark x1="27930" y1="30893" x2="27930" y2="30893"/>
-                              <a14:foregroundMark x1="27930" y1="30893" x2="27930" y2="30893"/>
-                              <a14:foregroundMark x1="55957" y1="30015" x2="55957" y2="30015"/>
-                              <a14:foregroundMark x1="55957" y1="30015" x2="55957" y2="30015"/>
-                              <a14:foregroundMark x1="55469" y1="29722" x2="55469" y2="29722"/>
-                              <a14:foregroundMark x1="55469" y1="29722" x2="55469" y2="29722"/>
-                              <a14:foregroundMark x1="55566" y1="29283" x2="55566" y2="29283"/>
-                              <a14:foregroundMark x1="55566" y1="29283" x2="55566" y2="29283"/>
-                              <a14:foregroundMark x1="54980" y1="29283" x2="54980" y2="29283"/>
-                              <a14:foregroundMark x1="54980" y1="29283" x2="54980" y2="29283"/>
-                              <a14:foregroundMark x1="54004" y1="30015" x2="54004" y2="30015"/>
-                              <a14:foregroundMark x1="54004" y1="30015" x2="54004" y2="30015"/>
-                              <a14:foregroundMark x1="56543" y1="29575" x2="56543" y2="29575"/>
-                              <a14:foregroundMark x1="56543" y1="29575" x2="56543" y2="29575"/>
-                              <a14:foregroundMark x1="57227" y1="31479" x2="57227" y2="31479"/>
-                              <a14:foregroundMark x1="57227" y1="31332" x2="57227" y2="31332"/>
-                              <a14:foregroundMark x1="57129" y1="32357" x2="57129" y2="32357"/>
-                              <a14:foregroundMark x1="57129" y1="32357" x2="57129" y2="32357"/>
-                              <a14:foregroundMark x1="53809" y1="31772" x2="53809" y2="31772"/>
-                              <a14:backgroundMark x1="52148" y1="31625" x2="52148" y2="31625"/>
-                              <a14:backgroundMark x1="57910" y1="32650" x2="57910" y2="32650"/>
-                              <a14:backgroundMark x1="52441" y1="33675" x2="52441" y2="33675"/>
-                              <a14:backgroundMark x1="66406" y1="32504" x2="66406" y2="32504"/>
-                              <a14:backgroundMark x1="65234" y1="34114" x2="65234" y2="34114"/>
-                              <a14:backgroundMark x1="65723" y1="36310" x2="65723" y2="36310"/>
-                              <a14:backgroundMark x1="71484" y1="38653" x2="71484" y2="38653"/>
-                              <a14:backgroundMark x1="66016" y1="38067" x2="66016" y2="38067"/>
-                              <a14:backgroundMark x1="65918" y1="39824" x2="65918" y2="39824"/>
-                              <a14:backgroundMark x1="79785" y1="38653" x2="79785" y2="38653"/>
-                              <a14:backgroundMark x1="31641" y1="28111" x2="31641" y2="28111"/>
-                              <a14:backgroundMark x1="29883" y1="27379" x2="29883" y2="27379"/>
-                              <a14:backgroundMark x1="29980" y1="27379" x2="29980" y2="27379"/>
-                              <a14:backgroundMark x1="24316" y1="27965" x2="30957" y2="25183"/>
-                              <a14:backgroundMark x1="17480" y1="38360" x2="17480" y2="38360"/>
-                              <a14:backgroundMark x1="17480" y1="38360" x2="17480" y2="38360"/>
-                              <a14:backgroundMark x1="32227" y1="34846" x2="32227" y2="34846"/>
-                              <a14:backgroundMark x1="32227" y1="34846" x2="32227" y2="34846"/>
-                              <a14:backgroundMark x1="30664" y1="38653" x2="30664" y2="38653"/>
-                              <a14:backgroundMark x1="30664" y1="38653" x2="30664" y2="38653"/>
-                              <a14:backgroundMark x1="74316" y1="39971" x2="74316" y2="39971"/>
-                              <a14:backgroundMark x1="74316" y1="39971" x2="74316" y2="39971"/>
-                              <a14:backgroundMark x1="89063" y1="40996" x2="89063" y2="40996"/>
-                              <a14:backgroundMark x1="89063" y1="40996" x2="89063" y2="40996"/>
-                              <a14:backgroundMark x1="42090" y1="28551" x2="42090" y2="28551"/>
-                              <a14:backgroundMark x1="41016" y1="30747" x2="41016" y2="30747"/>
-                              <a14:backgroundMark x1="41113" y1="31625" x2="41113" y2="31625"/>
-                              <a14:backgroundMark x1="53711" y1="30600" x2="53711" y2="30600"/>
-                              <a14:backgroundMark x1="53711" y1="30600" x2="53711" y2="30600"/>
-                              <a14:backgroundMark x1="53906" y1="30161" x2="53906" y2="30161"/>
-                              <a14:backgroundMark x1="54004" y1="29868" x2="54004" y2="29868"/>
-                              <a14:backgroundMark x1="53418" y1="32650" x2="53418" y2="32650"/>
-                            </a14:backgroundRemoval>
-                          </a14:imgEffect>
-                          <a14:imgEffect>
-                            <a14:brightnessContrast contrast="2000"/>
-                          </a14:imgEffect>
-                        </a14:imgLayer>
-                      </a14:imgProps>
-                    </a:ext>
-                  </a:extLst>
-                </a:blip>
-                <a:srcRect l="8063" t="26686" r="8340" b="9018"/>
-                <a:stretch/>
+              <p:blipFill>
+                <a:blip r:embed="rId29"/>
+                <a:stretch>
+                  <a:fillRect/>
+                </a:stretch>
               </p:blipFill>
               <p:spPr>
                 <a:xfrm>
-                  <a:off x="2062480" y="1224280"/>
-                  <a:ext cx="8331199" cy="4273925"/>
+                  <a:off x="6603556" y="1380467"/>
+                  <a:ext cx="381819" cy="184000"/>
                 </a:xfrm>
                 <a:prstGeom prst="rect">
                   <a:avLst/>
                 </a:prstGeom>
               </p:spPr>
             </p:pic>
-            <mc:AlternateContent xmlns:mc="http://schemas.openxmlformats.org/markup-compatibility/2006" xmlns:p14="http://schemas.microsoft.com/office/powerpoint/2010/main">
-              <mc:Choice Requires="p14">
-                <p:contentPart p14:bwMode="auto" r:id="rId7">
-                  <p14:nvContentPartPr>
-                    <p14:cNvPr id="39" name="Ink 38">
-                      <a:extLst>
-                        <a:ext uri="{FF2B5EF4-FFF2-40B4-BE49-F238E27FC236}">
-                          <a16:creationId xmlns:a16="http://schemas.microsoft.com/office/drawing/2014/main" id="{ECFCE014-B0EE-6A43-B411-76D2ABA095C2}"/>
-                        </a:ext>
-                      </a:extLst>
-                    </p14:cNvPr>
-                    <p14:cNvContentPartPr/>
-                    <p14:nvPr/>
-                  </p14:nvContentPartPr>
-                  <p14:xfrm>
-                    <a:off x="7298005" y="1359685"/>
-                    <a:ext cx="259560" cy="155160"/>
-                  </p14:xfrm>
-                </p:contentPart>
-              </mc:Choice>
-              <mc:Fallback xmlns="">
-                <p:pic>
-                  <p:nvPicPr>
-                    <p:cNvPr id="39" name="Ink 38">
-                      <a:extLst>
-                        <a:ext uri="{FF2B5EF4-FFF2-40B4-BE49-F238E27FC236}">
-                          <a16:creationId xmlns:a16="http://schemas.microsoft.com/office/drawing/2014/main" id="{ECFCE014-B0EE-6A43-B411-76D2ABA095C2}"/>
-                        </a:ext>
-                      </a:extLst>
-                    </p:cNvPr>
-                    <p:cNvPicPr/>
-                    <p:nvPr/>
-                  </p:nvPicPr>
-                  <p:blipFill>
-                    <a:blip r:embed="rId8"/>
-                    <a:stretch>
-                      <a:fillRect/>
-                    </a:stretch>
-                  </p:blipFill>
-                  <p:spPr>
-                    <a:xfrm>
-                      <a:off x="7288532" y="1350315"/>
-                      <a:ext cx="278127" cy="173524"/>
-                    </a:xfrm>
-                    <a:prstGeom prst="rect">
-                      <a:avLst/>
-                    </a:prstGeom>
-                  </p:spPr>
-                </p:pic>
-              </mc:Fallback>
-            </mc:AlternateContent>
-            <mc:AlternateContent xmlns:mc="http://schemas.openxmlformats.org/markup-compatibility/2006" xmlns:p14="http://schemas.microsoft.com/office/powerpoint/2010/main">
-              <mc:Choice Requires="p14">
-                <p:contentPart p14:bwMode="auto" r:id="rId9">
-                  <p14:nvContentPartPr>
-                    <p14:cNvPr id="41" name="Ink 40">
-                      <a:extLst>
-                        <a:ext uri="{FF2B5EF4-FFF2-40B4-BE49-F238E27FC236}">
-                          <a16:creationId xmlns:a16="http://schemas.microsoft.com/office/drawing/2014/main" id="{ED553366-A384-824A-B55B-FD077FD9FAD3}"/>
-                        </a:ext>
-                      </a:extLst>
-                    </p14:cNvPr>
-                    <p14:cNvContentPartPr/>
-                    <p14:nvPr/>
-                  </p14:nvContentPartPr>
-                  <p14:xfrm>
-                    <a:off x="6624805" y="1429525"/>
-                    <a:ext cx="327960" cy="179640"/>
-                  </p14:xfrm>
-                </p:contentPart>
-              </mc:Choice>
-              <mc:Fallback xmlns="">
-                <p:pic>
-                  <p:nvPicPr>
-                    <p:cNvPr id="41" name="Ink 40">
-                      <a:extLst>
-                        <a:ext uri="{FF2B5EF4-FFF2-40B4-BE49-F238E27FC236}">
-                          <a16:creationId xmlns:a16="http://schemas.microsoft.com/office/drawing/2014/main" id="{ED553366-A384-824A-B55B-FD077FD9FAD3}"/>
-                        </a:ext>
-                      </a:extLst>
-                    </p:cNvPr>
-                    <p:cNvPicPr/>
-                    <p:nvPr/>
-                  </p:nvPicPr>
-                  <p:blipFill>
-                    <a:blip r:embed="rId10"/>
-                    <a:stretch>
-                      <a:fillRect/>
-                    </a:stretch>
-                  </p:blipFill>
-                  <p:spPr>
-                    <a:xfrm>
-                      <a:off x="6615326" y="1420149"/>
-                      <a:ext cx="346538" cy="198017"/>
-                    </a:xfrm>
-                    <a:prstGeom prst="rect">
-                      <a:avLst/>
-                    </a:prstGeom>
-                  </p:spPr>
-                </p:pic>
-              </mc:Fallback>
-            </mc:AlternateContent>
-            <mc:AlternateContent xmlns:mc="http://schemas.openxmlformats.org/markup-compatibility/2006" xmlns:p14="http://schemas.microsoft.com/office/powerpoint/2010/main">
-              <mc:Choice Requires="p14">
-                <p:contentPart p14:bwMode="auto" r:id="rId11">
-                  <p14:nvContentPartPr>
-                    <p14:cNvPr id="43" name="Ink 42">
-                      <a:extLst>
-                        <a:ext uri="{FF2B5EF4-FFF2-40B4-BE49-F238E27FC236}">
-                          <a16:creationId xmlns:a16="http://schemas.microsoft.com/office/drawing/2014/main" id="{4E8662B9-E436-E24C-B061-B04169000060}"/>
-                        </a:ext>
-                      </a:extLst>
-                    </p14:cNvPr>
-                    <p14:cNvContentPartPr/>
-                    <p14:nvPr/>
-                  </p14:nvContentPartPr>
-                  <p14:xfrm>
-                    <a:off x="7447291" y="1365662"/>
-                    <a:ext cx="360" cy="360"/>
-                  </p14:xfrm>
-                </p:contentPart>
-              </mc:Choice>
-              <mc:Fallback xmlns="">
-                <p:pic>
-                  <p:nvPicPr>
-                    <p:cNvPr id="43" name="Ink 42">
-                      <a:extLst>
-                        <a:ext uri="{FF2B5EF4-FFF2-40B4-BE49-F238E27FC236}">
-                          <a16:creationId xmlns:a16="http://schemas.microsoft.com/office/drawing/2014/main" id="{4E8662B9-E436-E24C-B061-B04169000060}"/>
-                        </a:ext>
-                      </a:extLst>
-                    </p:cNvPr>
-                    <p:cNvPicPr/>
-                    <p:nvPr/>
-                  </p:nvPicPr>
-                  <p:blipFill>
-                    <a:blip r:embed="rId12"/>
-                    <a:stretch>
-                      <a:fillRect/>
-                    </a:stretch>
-                  </p:blipFill>
-                  <p:spPr>
-                    <a:xfrm>
-                      <a:off x="7438291" y="1356662"/>
-                      <a:ext cx="18000" cy="18000"/>
-                    </a:xfrm>
-                    <a:prstGeom prst="rect">
-                      <a:avLst/>
-                    </a:prstGeom>
-                  </p:spPr>
-                </p:pic>
-              </mc:Fallback>
-            </mc:AlternateContent>
-            <p:grpSp>
-              <p:nvGrpSpPr>
-                <p:cNvPr id="46" name="Group 45">
+          </mc:Fallback>
+        </mc:AlternateContent>
+        <mc:AlternateContent xmlns:mc="http://schemas.openxmlformats.org/markup-compatibility/2006" xmlns:p14="http://schemas.microsoft.com/office/powerpoint/2010/main">
+          <mc:Choice Requires="p14">
+            <p:contentPart p14:bwMode="auto" r:id="rId30">
+              <p14:nvContentPartPr>
+                <p14:cNvPr id="14" name="Ink 13">
                   <a:extLst>
                     <a:ext uri="{FF2B5EF4-FFF2-40B4-BE49-F238E27FC236}">
-                      <a16:creationId xmlns:a16="http://schemas.microsoft.com/office/drawing/2014/main" id="{3529038F-5112-BE4D-8755-324489803FB8}"/>
+                      <a16:creationId xmlns:a16="http://schemas.microsoft.com/office/drawing/2014/main" id="{D14B073E-C5C5-A249-A313-56B7F8DC72BC}"/>
+                    </a:ext>
+                  </a:extLst>
+                </p14:cNvPr>
+                <p14:cNvContentPartPr/>
+                <p14:nvPr/>
+              </p14:nvContentPartPr>
+              <p14:xfrm>
+                <a:off x="6911475" y="1436295"/>
+                <a:ext cx="33840" cy="76680"/>
+              </p14:xfrm>
+            </p:contentPart>
+          </mc:Choice>
+          <mc:Fallback xmlns="">
+            <p:pic>
+              <p:nvPicPr>
+                <p:cNvPr id="14" name="Ink 13">
+                  <a:extLst>
+                    <a:ext uri="{FF2B5EF4-FFF2-40B4-BE49-F238E27FC236}">
+                      <a16:creationId xmlns:a16="http://schemas.microsoft.com/office/drawing/2014/main" id="{D14B073E-C5C5-A249-A313-56B7F8DC72BC}"/>
                     </a:ext>
                   </a:extLst>
                 </p:cNvPr>
-                <p:cNvGrpSpPr/>
+                <p:cNvPicPr/>
                 <p:nvPr/>
-              </p:nvGrpSpPr>
-              <p:grpSpPr>
+              </p:nvPicPr>
+              <p:blipFill>
+                <a:blip r:embed="rId31"/>
+                <a:stretch>
+                  <a:fillRect/>
+                </a:stretch>
+              </p:blipFill>
+              <p:spPr>
                 <a:xfrm>
-                  <a:off x="7288531" y="1366022"/>
-                  <a:ext cx="281384" cy="147960"/>
-                  <a:chOff x="7288531" y="1366022"/>
-                  <a:chExt cx="281384" cy="147960"/>
+                  <a:off x="6901969" y="1426898"/>
+                  <a:ext cx="52471" cy="95098"/>
                 </a:xfrm>
-              </p:grpSpPr>
-              <mc:AlternateContent xmlns:mc="http://schemas.openxmlformats.org/markup-compatibility/2006" xmlns:p14="http://schemas.microsoft.com/office/powerpoint/2010/main">
-                <mc:Choice Requires="p14">
-                  <p:contentPart p14:bwMode="auto" r:id="rId13">
-                    <p14:nvContentPartPr>
-                      <p14:cNvPr id="21" name="Ink 20">
-                        <a:extLst>
-                          <a:ext uri="{FF2B5EF4-FFF2-40B4-BE49-F238E27FC236}">
-                            <a16:creationId xmlns:a16="http://schemas.microsoft.com/office/drawing/2014/main" id="{844BC4AE-1964-5047-8833-2AABE4C8C330}"/>
-                          </a:ext>
-                        </a:extLst>
-                      </p14:cNvPr>
-                      <p14:cNvContentPartPr/>
-                      <p14:nvPr/>
-                    </p14:nvContentPartPr>
-                    <p14:xfrm>
-                      <a:off x="7297755" y="1492095"/>
-                      <a:ext cx="360" cy="360"/>
-                    </p14:xfrm>
-                  </p:contentPart>
-                </mc:Choice>
-                <mc:Fallback xmlns="">
-                  <p:pic>
-                    <p:nvPicPr>
-                      <p:cNvPr id="21" name="Ink 20">
-                        <a:extLst>
-                          <a:ext uri="{FF2B5EF4-FFF2-40B4-BE49-F238E27FC236}">
-                            <a16:creationId xmlns:a16="http://schemas.microsoft.com/office/drawing/2014/main" id="{844BC4AE-1964-5047-8833-2AABE4C8C330}"/>
-                          </a:ext>
-                        </a:extLst>
-                      </p:cNvPr>
-                      <p:cNvPicPr/>
-                      <p:nvPr/>
-                    </p:nvPicPr>
-                    <p:blipFill>
-                      <a:blip r:embed="rId12"/>
-                      <a:stretch>
-                        <a:fillRect/>
-                      </a:stretch>
-                    </p:blipFill>
-                    <p:spPr>
-                      <a:xfrm>
-                        <a:off x="7288755" y="1483095"/>
-                        <a:ext cx="18000" cy="18000"/>
-                      </a:xfrm>
-                      <a:prstGeom prst="rect">
-                        <a:avLst/>
-                      </a:prstGeom>
-                    </p:spPr>
-                  </p:pic>
-                </mc:Fallback>
-              </mc:AlternateContent>
-              <mc:AlternateContent xmlns:mc="http://schemas.openxmlformats.org/markup-compatibility/2006" xmlns:p14="http://schemas.microsoft.com/office/powerpoint/2010/main">
-                <mc:Choice Requires="p14">
-                  <p:contentPart p14:bwMode="auto" r:id="rId14">
-                    <p14:nvContentPartPr>
-                      <p14:cNvPr id="22" name="Ink 21">
-                        <a:extLst>
-                          <a:ext uri="{FF2B5EF4-FFF2-40B4-BE49-F238E27FC236}">
-                            <a16:creationId xmlns:a16="http://schemas.microsoft.com/office/drawing/2014/main" id="{FC8A7728-348C-DF40-96A5-CCFAAA3A1232}"/>
-                          </a:ext>
-                        </a:extLst>
-                      </p14:cNvPr>
-                      <p14:cNvContentPartPr/>
-                      <p14:nvPr/>
-                    </p14:nvContentPartPr>
-                    <p14:xfrm>
-                      <a:off x="7301355" y="1471575"/>
-                      <a:ext cx="360" cy="360"/>
-                    </p14:xfrm>
-                  </p:contentPart>
-                </mc:Choice>
-                <mc:Fallback xmlns="">
-                  <p:pic>
-                    <p:nvPicPr>
-                      <p:cNvPr id="22" name="Ink 21">
-                        <a:extLst>
-                          <a:ext uri="{FF2B5EF4-FFF2-40B4-BE49-F238E27FC236}">
-                            <a16:creationId xmlns:a16="http://schemas.microsoft.com/office/drawing/2014/main" id="{FC8A7728-348C-DF40-96A5-CCFAAA3A1232}"/>
-                          </a:ext>
-                        </a:extLst>
-                      </p:cNvPr>
-                      <p:cNvPicPr/>
-                      <p:nvPr/>
-                    </p:nvPicPr>
-                    <p:blipFill>
-                      <a:blip r:embed="rId12"/>
-                      <a:stretch>
-                        <a:fillRect/>
-                      </a:stretch>
-                    </p:blipFill>
-                    <p:spPr>
-                      <a:xfrm>
-                        <a:off x="7292355" y="1462575"/>
-                        <a:ext cx="18000" cy="18000"/>
-                      </a:xfrm>
-                      <a:prstGeom prst="rect">
-                        <a:avLst/>
-                      </a:prstGeom>
-                    </p:spPr>
-                  </p:pic>
-                </mc:Fallback>
-              </mc:AlternateContent>
-              <mc:AlternateContent xmlns:mc="http://schemas.openxmlformats.org/markup-compatibility/2006" xmlns:p14="http://schemas.microsoft.com/office/powerpoint/2010/main">
-                <mc:Choice Requires="p14">
-                  <p:contentPart p14:bwMode="auto" r:id="rId15">
-                    <p14:nvContentPartPr>
-                      <p14:cNvPr id="32" name="Ink 31">
-                        <a:extLst>
-                          <a:ext uri="{FF2B5EF4-FFF2-40B4-BE49-F238E27FC236}">
-                            <a16:creationId xmlns:a16="http://schemas.microsoft.com/office/drawing/2014/main" id="{5EA731C0-9D09-F845-9A87-A37AE56C25A9}"/>
-                          </a:ext>
-                        </a:extLst>
-                      </p14:cNvPr>
-                      <p14:cNvContentPartPr/>
-                      <p14:nvPr/>
-                    </p14:nvContentPartPr>
-                    <p14:xfrm>
-                      <a:off x="7564155" y="1443855"/>
-                      <a:ext cx="360" cy="2160"/>
-                    </p14:xfrm>
-                  </p:contentPart>
-                </mc:Choice>
-                <mc:Fallback xmlns="">
-                  <p:pic>
-                    <p:nvPicPr>
-                      <p:cNvPr id="32" name="Ink 31">
-                        <a:extLst>
-                          <a:ext uri="{FF2B5EF4-FFF2-40B4-BE49-F238E27FC236}">
-                            <a16:creationId xmlns:a16="http://schemas.microsoft.com/office/drawing/2014/main" id="{5EA731C0-9D09-F845-9A87-A37AE56C25A9}"/>
-                          </a:ext>
-                        </a:extLst>
-                      </p:cNvPr>
-                      <p:cNvPicPr/>
-                      <p:nvPr/>
-                    </p:nvPicPr>
-                    <p:blipFill>
-                      <a:blip r:embed="rId12"/>
-                      <a:stretch>
-                        <a:fillRect/>
-                      </a:stretch>
-                    </p:blipFill>
-                    <p:spPr>
-                      <a:xfrm>
-                        <a:off x="7555155" y="1434855"/>
-                        <a:ext cx="18000" cy="19800"/>
-                      </a:xfrm>
-                      <a:prstGeom prst="rect">
-                        <a:avLst/>
-                      </a:prstGeom>
-                    </p:spPr>
-                  </p:pic>
-                </mc:Fallback>
-              </mc:AlternateContent>
-              <mc:AlternateContent xmlns:mc="http://schemas.openxmlformats.org/markup-compatibility/2006" xmlns:p14="http://schemas.microsoft.com/office/powerpoint/2010/main">
-                <mc:Choice Requires="p14">
-                  <p:contentPart p14:bwMode="auto" r:id="rId16">
-                    <p14:nvContentPartPr>
-                      <p14:cNvPr id="33" name="Ink 32">
-                        <a:extLst>
-                          <a:ext uri="{FF2B5EF4-FFF2-40B4-BE49-F238E27FC236}">
-                            <a16:creationId xmlns:a16="http://schemas.microsoft.com/office/drawing/2014/main" id="{D25C6DC1-F77E-6848-B7AC-D7877819C7AA}"/>
-                          </a:ext>
-                        </a:extLst>
-                      </p14:cNvPr>
-                      <p14:cNvContentPartPr/>
-                      <p14:nvPr/>
-                    </p14:nvContentPartPr>
-                    <p14:xfrm>
-                      <a:off x="7568475" y="1464375"/>
-                      <a:ext cx="720" cy="3240"/>
-                    </p14:xfrm>
-                  </p:contentPart>
-                </mc:Choice>
-                <mc:Fallback xmlns="">
-                  <p:pic>
-                    <p:nvPicPr>
-                      <p:cNvPr id="33" name="Ink 32">
-                        <a:extLst>
-                          <a:ext uri="{FF2B5EF4-FFF2-40B4-BE49-F238E27FC236}">
-                            <a16:creationId xmlns:a16="http://schemas.microsoft.com/office/drawing/2014/main" id="{D25C6DC1-F77E-6848-B7AC-D7877819C7AA}"/>
-                          </a:ext>
-                        </a:extLst>
-                      </p:cNvPr>
-                      <p:cNvPicPr/>
-                      <p:nvPr/>
-                    </p:nvPicPr>
-                    <p:blipFill>
-                      <a:blip r:embed="rId12"/>
-                      <a:stretch>
-                        <a:fillRect/>
-                      </a:stretch>
-                    </p:blipFill>
-                    <p:spPr>
-                      <a:xfrm>
-                        <a:off x="7559475" y="1454250"/>
-                        <a:ext cx="18360" cy="23085"/>
-                      </a:xfrm>
-                      <a:prstGeom prst="rect">
-                        <a:avLst/>
-                      </a:prstGeom>
-                    </p:spPr>
-                  </p:pic>
-                </mc:Fallback>
-              </mc:AlternateContent>
-              <mc:AlternateContent xmlns:mc="http://schemas.openxmlformats.org/markup-compatibility/2006" xmlns:p14="http://schemas.microsoft.com/office/powerpoint/2010/main">
-                <mc:Choice Requires="p14">
-                  <p:contentPart p14:bwMode="auto" r:id="rId17">
-                    <p14:nvContentPartPr>
-                      <p14:cNvPr id="34" name="Ink 33">
-                        <a:extLst>
-                          <a:ext uri="{FF2B5EF4-FFF2-40B4-BE49-F238E27FC236}">
-                            <a16:creationId xmlns:a16="http://schemas.microsoft.com/office/drawing/2014/main" id="{0F5D4B2D-7DCB-9344-A911-527EF7498B80}"/>
-                          </a:ext>
-                        </a:extLst>
-                      </p14:cNvPr>
-                      <p14:cNvContentPartPr/>
-                      <p14:nvPr/>
-                    </p14:nvContentPartPr>
-                    <p14:xfrm>
-                      <a:off x="7569555" y="1480575"/>
-                      <a:ext cx="360" cy="360"/>
-                    </p14:xfrm>
-                  </p:contentPart>
-                </mc:Choice>
-                <mc:Fallback xmlns="">
-                  <p:pic>
-                    <p:nvPicPr>
-                      <p:cNvPr id="34" name="Ink 33">
-                        <a:extLst>
-                          <a:ext uri="{FF2B5EF4-FFF2-40B4-BE49-F238E27FC236}">
-                            <a16:creationId xmlns:a16="http://schemas.microsoft.com/office/drawing/2014/main" id="{0F5D4B2D-7DCB-9344-A911-527EF7498B80}"/>
-                          </a:ext>
-                        </a:extLst>
-                      </p:cNvPr>
-                      <p:cNvPicPr/>
-                      <p:nvPr/>
-                    </p:nvPicPr>
-                    <p:blipFill>
-                      <a:blip r:embed="rId12"/>
-                      <a:stretch>
-                        <a:fillRect/>
-                      </a:stretch>
-                    </p:blipFill>
-                    <p:spPr>
-                      <a:xfrm>
-                        <a:off x="7560555" y="1471575"/>
-                        <a:ext cx="18000" cy="18000"/>
-                      </a:xfrm>
-                      <a:prstGeom prst="rect">
-                        <a:avLst/>
-                      </a:prstGeom>
-                    </p:spPr>
-                  </p:pic>
-                </mc:Fallback>
-              </mc:AlternateContent>
-              <mc:AlternateContent xmlns:mc="http://schemas.openxmlformats.org/markup-compatibility/2006" xmlns:p14="http://schemas.microsoft.com/office/powerpoint/2010/main">
-                <mc:Choice Requires="p14">
-                  <p:contentPart p14:bwMode="auto" r:id="rId18">
-                    <p14:nvContentPartPr>
-                      <p14:cNvPr id="37" name="Ink 36">
-                        <a:extLst>
-                          <a:ext uri="{FF2B5EF4-FFF2-40B4-BE49-F238E27FC236}">
-                            <a16:creationId xmlns:a16="http://schemas.microsoft.com/office/drawing/2014/main" id="{C6ECA5D0-18A1-F44F-B8D8-2EBBFEB98AB3}"/>
-                          </a:ext>
-                        </a:extLst>
-                      </p14:cNvPr>
-                      <p14:cNvContentPartPr/>
-                      <p14:nvPr/>
-                    </p14:nvContentPartPr>
-                    <p14:xfrm>
-                      <a:off x="7415115" y="1368255"/>
-                      <a:ext cx="360" cy="360"/>
-                    </p14:xfrm>
-                  </p:contentPart>
-                </mc:Choice>
-                <mc:Fallback xmlns="">
-                  <p:pic>
-                    <p:nvPicPr>
-                      <p:cNvPr id="37" name="Ink 36">
-                        <a:extLst>
-                          <a:ext uri="{FF2B5EF4-FFF2-40B4-BE49-F238E27FC236}">
-                            <a16:creationId xmlns:a16="http://schemas.microsoft.com/office/drawing/2014/main" id="{C6ECA5D0-18A1-F44F-B8D8-2EBBFEB98AB3}"/>
-                          </a:ext>
-                        </a:extLst>
-                      </p:cNvPr>
-                      <p:cNvPicPr/>
-                      <p:nvPr/>
-                    </p:nvPicPr>
-                    <p:blipFill>
-                      <a:blip r:embed="rId12"/>
-                      <a:stretch>
-                        <a:fillRect/>
-                      </a:stretch>
-                    </p:blipFill>
-                    <p:spPr>
-                      <a:xfrm>
-                        <a:off x="7406115" y="1359255"/>
-                        <a:ext cx="18000" cy="18000"/>
-                      </a:xfrm>
-                      <a:prstGeom prst="rect">
-                        <a:avLst/>
-                      </a:prstGeom>
-                    </p:spPr>
-                  </p:pic>
-                </mc:Fallback>
-              </mc:AlternateContent>
-              <mc:AlternateContent xmlns:mc="http://schemas.openxmlformats.org/markup-compatibility/2006" xmlns:p14="http://schemas.microsoft.com/office/powerpoint/2010/main">
-                <mc:Choice Requires="p14">
-                  <p:contentPart p14:bwMode="auto" r:id="rId19">
-                    <p14:nvContentPartPr>
-                      <p14:cNvPr id="24" name="Ink 23">
-                        <a:extLst>
-                          <a:ext uri="{FF2B5EF4-FFF2-40B4-BE49-F238E27FC236}">
-                            <a16:creationId xmlns:a16="http://schemas.microsoft.com/office/drawing/2014/main" id="{1EB6B631-B946-EB45-B344-EBF5C0B167F6}"/>
-                          </a:ext>
-                        </a:extLst>
-                      </p14:cNvPr>
-                      <p14:cNvContentPartPr/>
-                      <p14:nvPr/>
-                    </p14:nvContentPartPr>
-                    <p14:xfrm>
-                      <a:off x="7451475" y="1373655"/>
-                      <a:ext cx="360" cy="360"/>
-                    </p14:xfrm>
-                  </p:contentPart>
-                </mc:Choice>
-                <mc:Fallback xmlns="">
-                  <p:pic>
-                    <p:nvPicPr>
-                      <p:cNvPr id="24" name="Ink 23">
-                        <a:extLst>
-                          <a:ext uri="{FF2B5EF4-FFF2-40B4-BE49-F238E27FC236}">
-                            <a16:creationId xmlns:a16="http://schemas.microsoft.com/office/drawing/2014/main" id="{1EB6B631-B946-EB45-B344-EBF5C0B167F6}"/>
-                          </a:ext>
-                        </a:extLst>
-                      </p:cNvPr>
-                      <p:cNvPicPr/>
-                      <p:nvPr/>
-                    </p:nvPicPr>
-                    <p:blipFill>
-                      <a:blip r:embed="rId12"/>
-                      <a:stretch>
-                        <a:fillRect/>
-                      </a:stretch>
-                    </p:blipFill>
-                    <p:spPr>
-                      <a:xfrm>
-                        <a:off x="7442475" y="1364655"/>
-                        <a:ext cx="18000" cy="18000"/>
-                      </a:xfrm>
-                      <a:prstGeom prst="rect">
-                        <a:avLst/>
-                      </a:prstGeom>
-                    </p:spPr>
-                  </p:pic>
-                </mc:Fallback>
-              </mc:AlternateContent>
-              <mc:AlternateContent xmlns:mc="http://schemas.openxmlformats.org/markup-compatibility/2006" xmlns:p14="http://schemas.microsoft.com/office/powerpoint/2010/main">
-                <mc:Choice Requires="p14">
-                  <p:contentPart p14:bwMode="auto" r:id="rId20">
-                    <p14:nvContentPartPr>
-                      <p14:cNvPr id="25" name="Ink 24">
-                        <a:extLst>
-                          <a:ext uri="{FF2B5EF4-FFF2-40B4-BE49-F238E27FC236}">
-                            <a16:creationId xmlns:a16="http://schemas.microsoft.com/office/drawing/2014/main" id="{F0D0BDD7-B9AA-EA4D-BA0B-563D7A63612A}"/>
-                          </a:ext>
-                        </a:extLst>
-                      </p14:cNvPr>
-                      <p14:cNvContentPartPr/>
-                      <p14:nvPr/>
-                    </p14:nvContentPartPr>
-                    <p14:xfrm>
-                      <a:off x="7434195" y="1366815"/>
-                      <a:ext cx="360" cy="360"/>
-                    </p14:xfrm>
-                  </p:contentPart>
-                </mc:Choice>
-                <mc:Fallback xmlns="">
-                  <p:pic>
-                    <p:nvPicPr>
-                      <p:cNvPr id="25" name="Ink 24">
-                        <a:extLst>
-                          <a:ext uri="{FF2B5EF4-FFF2-40B4-BE49-F238E27FC236}">
-                            <a16:creationId xmlns:a16="http://schemas.microsoft.com/office/drawing/2014/main" id="{F0D0BDD7-B9AA-EA4D-BA0B-563D7A63612A}"/>
-                          </a:ext>
-                        </a:extLst>
-                      </p:cNvPr>
-                      <p:cNvPicPr/>
-                      <p:nvPr/>
-                    </p:nvPicPr>
-                    <p:blipFill>
-                      <a:blip r:embed="rId12"/>
-                      <a:stretch>
-                        <a:fillRect/>
-                      </a:stretch>
-                    </p:blipFill>
-                    <p:spPr>
-                      <a:xfrm>
-                        <a:off x="7425195" y="1357815"/>
-                        <a:ext cx="18000" cy="18000"/>
-                      </a:xfrm>
-                      <a:prstGeom prst="rect">
-                        <a:avLst/>
-                      </a:prstGeom>
-                    </p:spPr>
-                  </p:pic>
-                </mc:Fallback>
-              </mc:AlternateContent>
-              <mc:AlternateContent xmlns:mc="http://schemas.openxmlformats.org/markup-compatibility/2006" xmlns:p14="http://schemas.microsoft.com/office/powerpoint/2010/main">
-                <mc:Choice Requires="p14">
-                  <p:contentPart p14:bwMode="auto" r:id="rId21">
-                    <p14:nvContentPartPr>
-                      <p14:cNvPr id="26" name="Ink 25">
-                        <a:extLst>
-                          <a:ext uri="{FF2B5EF4-FFF2-40B4-BE49-F238E27FC236}">
-                            <a16:creationId xmlns:a16="http://schemas.microsoft.com/office/drawing/2014/main" id="{5C1D9E91-116B-964B-965E-7A9782B4DC9E}"/>
-                          </a:ext>
-                        </a:extLst>
-                      </p14:cNvPr>
-                      <p14:cNvContentPartPr/>
-                      <p14:nvPr/>
-                    </p14:nvContentPartPr>
-                    <p14:xfrm>
-                      <a:off x="7465515" y="1374735"/>
-                      <a:ext cx="360" cy="360"/>
-                    </p14:xfrm>
-                  </p:contentPart>
-                </mc:Choice>
-                <mc:Fallback xmlns="">
-                  <p:pic>
-                    <p:nvPicPr>
-                      <p:cNvPr id="26" name="Ink 25">
-                        <a:extLst>
-                          <a:ext uri="{FF2B5EF4-FFF2-40B4-BE49-F238E27FC236}">
-                            <a16:creationId xmlns:a16="http://schemas.microsoft.com/office/drawing/2014/main" id="{5C1D9E91-116B-964B-965E-7A9782B4DC9E}"/>
-                          </a:ext>
-                        </a:extLst>
-                      </p:cNvPr>
-                      <p:cNvPicPr/>
-                      <p:nvPr/>
-                    </p:nvPicPr>
-                    <p:blipFill>
-                      <a:blip r:embed="rId12"/>
-                      <a:stretch>
-                        <a:fillRect/>
-                      </a:stretch>
-                    </p:blipFill>
-                    <p:spPr>
-                      <a:xfrm>
-                        <a:off x="7456515" y="1365735"/>
-                        <a:ext cx="18000" cy="18000"/>
-                      </a:xfrm>
-                      <a:prstGeom prst="rect">
-                        <a:avLst/>
-                      </a:prstGeom>
-                    </p:spPr>
-                  </p:pic>
-                </mc:Fallback>
-              </mc:AlternateContent>
-              <mc:AlternateContent xmlns:mc="http://schemas.openxmlformats.org/markup-compatibility/2006" xmlns:p14="http://schemas.microsoft.com/office/powerpoint/2010/main">
-                <mc:Choice Requires="p14">
-                  <p:contentPart p14:bwMode="auto" r:id="rId22">
-                    <p14:nvContentPartPr>
-                      <p14:cNvPr id="28" name="Ink 27">
-                        <a:extLst>
-                          <a:ext uri="{FF2B5EF4-FFF2-40B4-BE49-F238E27FC236}">
-                            <a16:creationId xmlns:a16="http://schemas.microsoft.com/office/drawing/2014/main" id="{9E3DE7B4-2E9E-964C-8E4A-275C9F018257}"/>
-                          </a:ext>
-                        </a:extLst>
-                      </p14:cNvPr>
-                      <p14:cNvContentPartPr/>
-                      <p14:nvPr/>
-                    </p14:nvContentPartPr>
-                    <p14:xfrm>
-                      <a:off x="7479555" y="1380135"/>
-                      <a:ext cx="360" cy="360"/>
-                    </p14:xfrm>
-                  </p:contentPart>
-                </mc:Choice>
-                <mc:Fallback xmlns="">
-                  <p:pic>
-                    <p:nvPicPr>
-                      <p:cNvPr id="28" name="Ink 27">
-                        <a:extLst>
-                          <a:ext uri="{FF2B5EF4-FFF2-40B4-BE49-F238E27FC236}">
-                            <a16:creationId xmlns:a16="http://schemas.microsoft.com/office/drawing/2014/main" id="{9E3DE7B4-2E9E-964C-8E4A-275C9F018257}"/>
-                          </a:ext>
-                        </a:extLst>
-                      </p:cNvPr>
-                      <p:cNvPicPr/>
-                      <p:nvPr/>
-                    </p:nvPicPr>
-                    <p:blipFill>
-                      <a:blip r:embed="rId12"/>
-                      <a:stretch>
-                        <a:fillRect/>
-                      </a:stretch>
-                    </p:blipFill>
-                    <p:spPr>
-                      <a:xfrm>
-                        <a:off x="7470555" y="1371135"/>
-                        <a:ext cx="18000" cy="18000"/>
-                      </a:xfrm>
-                      <a:prstGeom prst="rect">
-                        <a:avLst/>
-                      </a:prstGeom>
-                    </p:spPr>
-                  </p:pic>
-                </mc:Fallback>
-              </mc:AlternateContent>
-              <mc:AlternateContent xmlns:mc="http://schemas.openxmlformats.org/markup-compatibility/2006" xmlns:p14="http://schemas.microsoft.com/office/powerpoint/2010/main">
-                <mc:Choice Requires="p14">
-                  <p:contentPart p14:bwMode="auto" r:id="rId23">
-                    <p14:nvContentPartPr>
-                      <p14:cNvPr id="30" name="Ink 29">
-                        <a:extLst>
-                          <a:ext uri="{FF2B5EF4-FFF2-40B4-BE49-F238E27FC236}">
-                            <a16:creationId xmlns:a16="http://schemas.microsoft.com/office/drawing/2014/main" id="{96193C79-9377-DA45-8107-CC5D36B2185F}"/>
-                          </a:ext>
-                        </a:extLst>
-                      </p14:cNvPr>
-                      <p14:cNvContentPartPr/>
-                      <p14:nvPr/>
-                    </p14:nvContentPartPr>
-                    <p14:xfrm>
-                      <a:off x="7524195" y="1396695"/>
-                      <a:ext cx="360" cy="360"/>
-                    </p14:xfrm>
-                  </p:contentPart>
-                </mc:Choice>
-                <mc:Fallback xmlns="">
-                  <p:pic>
-                    <p:nvPicPr>
-                      <p:cNvPr id="30" name="Ink 29">
-                        <a:extLst>
-                          <a:ext uri="{FF2B5EF4-FFF2-40B4-BE49-F238E27FC236}">
-                            <a16:creationId xmlns:a16="http://schemas.microsoft.com/office/drawing/2014/main" id="{96193C79-9377-DA45-8107-CC5D36B2185F}"/>
-                          </a:ext>
-                        </a:extLst>
-                      </p:cNvPr>
-                      <p:cNvPicPr/>
-                      <p:nvPr/>
-                    </p:nvPicPr>
-                    <p:blipFill>
-                      <a:blip r:embed="rId12"/>
-                      <a:stretch>
-                        <a:fillRect/>
-                      </a:stretch>
-                    </p:blipFill>
-                    <p:spPr>
-                      <a:xfrm>
-                        <a:off x="7515195" y="1387695"/>
-                        <a:ext cx="18000" cy="18000"/>
-                      </a:xfrm>
-                      <a:prstGeom prst="rect">
-                        <a:avLst/>
-                      </a:prstGeom>
-                    </p:spPr>
-                  </p:pic>
-                </mc:Fallback>
-              </mc:AlternateContent>
-              <mc:AlternateContent xmlns:mc="http://schemas.openxmlformats.org/markup-compatibility/2006" xmlns:p14="http://schemas.microsoft.com/office/powerpoint/2010/main">
-                <mc:Choice Requires="p14">
-                  <p:contentPart p14:bwMode="auto" r:id="rId24">
-                    <p14:nvContentPartPr>
-                      <p14:cNvPr id="31" name="Ink 30">
-                        <a:extLst>
-                          <a:ext uri="{FF2B5EF4-FFF2-40B4-BE49-F238E27FC236}">
-                            <a16:creationId xmlns:a16="http://schemas.microsoft.com/office/drawing/2014/main" id="{5FC1A8AA-B6BA-484D-8FA1-C106033EC46D}"/>
-                          </a:ext>
-                        </a:extLst>
-                      </p14:cNvPr>
-                      <p14:cNvContentPartPr/>
-                      <p14:nvPr/>
-                    </p14:nvContentPartPr>
-                    <p14:xfrm>
-                      <a:off x="7537155" y="1403535"/>
-                      <a:ext cx="10440" cy="4320"/>
-                    </p14:xfrm>
-                  </p:contentPart>
-                </mc:Choice>
-                <mc:Fallback xmlns="">
-                  <p:pic>
-                    <p:nvPicPr>
-                      <p:cNvPr id="31" name="Ink 30">
-                        <a:extLst>
-                          <a:ext uri="{FF2B5EF4-FFF2-40B4-BE49-F238E27FC236}">
-                            <a16:creationId xmlns:a16="http://schemas.microsoft.com/office/drawing/2014/main" id="{5FC1A8AA-B6BA-484D-8FA1-C106033EC46D}"/>
-                          </a:ext>
-                        </a:extLst>
-                      </p:cNvPr>
-                      <p:cNvPicPr/>
-                      <p:nvPr/>
-                    </p:nvPicPr>
-                    <p:blipFill>
-                      <a:blip r:embed="rId25"/>
-                      <a:stretch>
-                        <a:fillRect/>
-                      </a:stretch>
-                    </p:blipFill>
-                    <p:spPr>
-                      <a:xfrm>
-                        <a:off x="7527834" y="1394535"/>
-                        <a:ext cx="28710" cy="21960"/>
-                      </a:xfrm>
-                      <a:prstGeom prst="rect">
-                        <a:avLst/>
-                      </a:prstGeom>
-                    </p:spPr>
-                  </p:pic>
-                </mc:Fallback>
-              </mc:AlternateContent>
-              <mc:AlternateContent xmlns:mc="http://schemas.openxmlformats.org/markup-compatibility/2006" xmlns:p14="http://schemas.microsoft.com/office/powerpoint/2010/main">
-                <mc:Choice Requires="p14">
-                  <p:contentPart p14:bwMode="auto" r:id="rId26">
-                    <p14:nvContentPartPr>
-                      <p14:cNvPr id="45" name="Ink 44">
-                        <a:extLst>
-                          <a:ext uri="{FF2B5EF4-FFF2-40B4-BE49-F238E27FC236}">
-                            <a16:creationId xmlns:a16="http://schemas.microsoft.com/office/drawing/2014/main" id="{DB532112-736B-D742-83E3-3A48BAC575A5}"/>
-                          </a:ext>
-                        </a:extLst>
-                      </p14:cNvPr>
-                      <p14:cNvContentPartPr/>
-                      <p14:nvPr/>
-                    </p14:nvContentPartPr>
-                    <p14:xfrm>
-                      <a:off x="7288531" y="1366022"/>
-                      <a:ext cx="177120" cy="147960"/>
-                    </p14:xfrm>
-                  </p:contentPart>
-                </mc:Choice>
-                <mc:Fallback xmlns="">
-                  <p:pic>
-                    <p:nvPicPr>
-                      <p:cNvPr id="45" name="Ink 44">
-                        <a:extLst>
-                          <a:ext uri="{FF2B5EF4-FFF2-40B4-BE49-F238E27FC236}">
-                            <a16:creationId xmlns:a16="http://schemas.microsoft.com/office/drawing/2014/main" id="{DB532112-736B-D742-83E3-3A48BAC575A5}"/>
-                          </a:ext>
-                        </a:extLst>
-                      </p:cNvPr>
-                      <p:cNvPicPr/>
-                      <p:nvPr/>
-                    </p:nvPicPr>
-                    <p:blipFill>
-                      <a:blip r:embed="rId27"/>
-                      <a:stretch>
-                        <a:fillRect/>
-                      </a:stretch>
-                    </p:blipFill>
-                    <p:spPr>
-                      <a:xfrm>
-                        <a:off x="7279069" y="1356657"/>
-                        <a:ext cx="195665" cy="166315"/>
-                      </a:xfrm>
-                      <a:prstGeom prst="rect">
-                        <a:avLst/>
-                      </a:prstGeom>
-                    </p:spPr>
-                  </p:pic>
-                </mc:Fallback>
-              </mc:AlternateContent>
-            </p:grpSp>
-            <mc:AlternateContent xmlns:mc="http://schemas.openxmlformats.org/markup-compatibility/2006" xmlns:p14="http://schemas.microsoft.com/office/powerpoint/2010/main">
-              <mc:Choice Requires="p14">
-                <p:contentPart p14:bwMode="auto" r:id="rId28">
-                  <p14:nvContentPartPr>
-                    <p14:cNvPr id="13" name="Ink 12">
-                      <a:extLst>
-                        <a:ext uri="{FF2B5EF4-FFF2-40B4-BE49-F238E27FC236}">
-                          <a16:creationId xmlns:a16="http://schemas.microsoft.com/office/drawing/2014/main" id="{540A925A-EC20-AE49-9CC1-ED2FC2EC37D9}"/>
-                        </a:ext>
-                      </a:extLst>
-                    </p14:cNvPr>
-                    <p14:cNvContentPartPr/>
-                    <p14:nvPr/>
-                  </p14:nvContentPartPr>
-                  <p14:xfrm>
-                    <a:off x="6613035" y="1389855"/>
-                    <a:ext cx="363240" cy="165600"/>
-                  </p14:xfrm>
-                </p:contentPart>
-              </mc:Choice>
-              <mc:Fallback xmlns="">
-                <p:pic>
-                  <p:nvPicPr>
-                    <p:cNvPr id="13" name="Ink 12">
-                      <a:extLst>
-                        <a:ext uri="{FF2B5EF4-FFF2-40B4-BE49-F238E27FC236}">
-                          <a16:creationId xmlns:a16="http://schemas.microsoft.com/office/drawing/2014/main" id="{540A925A-EC20-AE49-9CC1-ED2FC2EC37D9}"/>
-                        </a:ext>
-                      </a:extLst>
-                    </p:cNvPr>
-                    <p:cNvPicPr/>
-                    <p:nvPr/>
-                  </p:nvPicPr>
-                  <p:blipFill>
-                    <a:blip r:embed="rId29"/>
-                    <a:stretch>
-                      <a:fillRect/>
-                    </a:stretch>
-                  </p:blipFill>
-                  <p:spPr>
-                    <a:xfrm>
-                      <a:off x="6603556" y="1380467"/>
-                      <a:ext cx="381819" cy="184000"/>
-                    </a:xfrm>
-                    <a:prstGeom prst="rect">
-                      <a:avLst/>
-                    </a:prstGeom>
-                  </p:spPr>
-                </p:pic>
-              </mc:Fallback>
-            </mc:AlternateContent>
-            <mc:AlternateContent xmlns:mc="http://schemas.openxmlformats.org/markup-compatibility/2006" xmlns:p14="http://schemas.microsoft.com/office/powerpoint/2010/main">
-              <mc:Choice Requires="p14">
-                <p:contentPart p14:bwMode="auto" r:id="rId30">
-                  <p14:nvContentPartPr>
-                    <p14:cNvPr id="14" name="Ink 13">
-                      <a:extLst>
-                        <a:ext uri="{FF2B5EF4-FFF2-40B4-BE49-F238E27FC236}">
-                          <a16:creationId xmlns:a16="http://schemas.microsoft.com/office/drawing/2014/main" id="{D14B073E-C5C5-A249-A313-56B7F8DC72BC}"/>
-                        </a:ext>
-                      </a:extLst>
-                    </p14:cNvPr>
-                    <p14:cNvContentPartPr/>
-                    <p14:nvPr/>
-                  </p14:nvContentPartPr>
-                  <p14:xfrm>
-                    <a:off x="6911475" y="1436295"/>
-                    <a:ext cx="33840" cy="76680"/>
-                  </p14:xfrm>
-                </p:contentPart>
-              </mc:Choice>
-              <mc:Fallback xmlns="">
-                <p:pic>
-                  <p:nvPicPr>
-                    <p:cNvPr id="14" name="Ink 13">
-                      <a:extLst>
-                        <a:ext uri="{FF2B5EF4-FFF2-40B4-BE49-F238E27FC236}">
-                          <a16:creationId xmlns:a16="http://schemas.microsoft.com/office/drawing/2014/main" id="{D14B073E-C5C5-A249-A313-56B7F8DC72BC}"/>
-                        </a:ext>
-                      </a:extLst>
-                    </p:cNvPr>
-                    <p:cNvPicPr/>
-                    <p:nvPr/>
-                  </p:nvPicPr>
-                  <p:blipFill>
-                    <a:blip r:embed="rId31"/>
-                    <a:stretch>
-                      <a:fillRect/>
-                    </a:stretch>
-                  </p:blipFill>
-                  <p:spPr>
-                    <a:xfrm>
-                      <a:off x="6901969" y="1426898"/>
-                      <a:ext cx="52471" cy="95098"/>
-                    </a:xfrm>
-                    <a:prstGeom prst="rect">
-                      <a:avLst/>
-                    </a:prstGeom>
-                  </p:spPr>
-                </p:pic>
-              </mc:Fallback>
-            </mc:AlternateContent>
-            <mc:AlternateContent xmlns:mc="http://schemas.openxmlformats.org/markup-compatibility/2006" xmlns:p14="http://schemas.microsoft.com/office/powerpoint/2010/main">
-              <mc:Choice Requires="p14">
-                <p:contentPart p14:bwMode="auto" r:id="rId32">
-                  <p14:nvContentPartPr>
-                    <p14:cNvPr id="15" name="Ink 14">
-                      <a:extLst>
-                        <a:ext uri="{FF2B5EF4-FFF2-40B4-BE49-F238E27FC236}">
-                          <a16:creationId xmlns:a16="http://schemas.microsoft.com/office/drawing/2014/main" id="{6A20914A-0DB5-9443-8D57-DFD49E540714}"/>
-                        </a:ext>
-                      </a:extLst>
-                    </p14:cNvPr>
-                    <p14:cNvContentPartPr/>
-                    <p14:nvPr/>
-                  </p14:nvContentPartPr>
-                  <p14:xfrm>
-                    <a:off x="6960075" y="1562655"/>
-                    <a:ext cx="1440" cy="3240"/>
-                  </p14:xfrm>
-                </p:contentPart>
-              </mc:Choice>
-              <mc:Fallback xmlns="">
-                <p:pic>
-                  <p:nvPicPr>
-                    <p:cNvPr id="15" name="Ink 14">
-                      <a:extLst>
-                        <a:ext uri="{FF2B5EF4-FFF2-40B4-BE49-F238E27FC236}">
-                          <a16:creationId xmlns:a16="http://schemas.microsoft.com/office/drawing/2014/main" id="{6A20914A-0DB5-9443-8D57-DFD49E540714}"/>
-                        </a:ext>
-                      </a:extLst>
-                    </p:cNvPr>
-                    <p:cNvPicPr/>
-                    <p:nvPr/>
-                  </p:nvPicPr>
-                  <p:blipFill>
-                    <a:blip r:embed="rId12"/>
-                    <a:stretch>
-                      <a:fillRect/>
-                    </a:stretch>
-                  </p:blipFill>
-                  <p:spPr>
-                    <a:xfrm>
-                      <a:off x="6951075" y="1553655"/>
-                      <a:ext cx="19080" cy="20880"/>
-                    </a:xfrm>
-                    <a:prstGeom prst="rect">
-                      <a:avLst/>
-                    </a:prstGeom>
-                  </p:spPr>
-                </p:pic>
-              </mc:Fallback>
-            </mc:AlternateContent>
-            <mc:AlternateContent xmlns:mc="http://schemas.openxmlformats.org/markup-compatibility/2006" xmlns:p14="http://schemas.microsoft.com/office/powerpoint/2010/main">
-              <mc:Choice Requires="p14">
-                <p:contentPart p14:bwMode="auto" r:id="rId33">
-                  <p14:nvContentPartPr>
-                    <p14:cNvPr id="16" name="Ink 15">
-                      <a:extLst>
-                        <a:ext uri="{FF2B5EF4-FFF2-40B4-BE49-F238E27FC236}">
-                          <a16:creationId xmlns:a16="http://schemas.microsoft.com/office/drawing/2014/main" id="{202C6B7F-6C27-1B41-B8D4-B06D125126BB}"/>
-                        </a:ext>
-                      </a:extLst>
-                    </p14:cNvPr>
-                    <p14:cNvContentPartPr/>
-                    <p14:nvPr/>
-                  </p14:nvContentPartPr>
-                  <p14:xfrm>
-                    <a:off x="6964755" y="1580655"/>
-                    <a:ext cx="360" cy="360"/>
-                  </p14:xfrm>
-                </p:contentPart>
-              </mc:Choice>
-              <mc:Fallback xmlns="">
-                <p:pic>
-                  <p:nvPicPr>
-                    <p:cNvPr id="16" name="Ink 15">
-                      <a:extLst>
-                        <a:ext uri="{FF2B5EF4-FFF2-40B4-BE49-F238E27FC236}">
-                          <a16:creationId xmlns:a16="http://schemas.microsoft.com/office/drawing/2014/main" id="{202C6B7F-6C27-1B41-B8D4-B06D125126BB}"/>
-                        </a:ext>
-                      </a:extLst>
-                    </p:cNvPr>
-                    <p:cNvPicPr/>
-                    <p:nvPr/>
-                  </p:nvPicPr>
-                  <p:blipFill>
-                    <a:blip r:embed="rId12"/>
-                    <a:stretch>
-                      <a:fillRect/>
-                    </a:stretch>
-                  </p:blipFill>
-                  <p:spPr>
-                    <a:xfrm>
-                      <a:off x="6955755" y="1571655"/>
-                      <a:ext cx="18000" cy="18000"/>
-                    </a:xfrm>
-                    <a:prstGeom prst="rect">
-                      <a:avLst/>
-                    </a:prstGeom>
-                  </p:spPr>
-                </p:pic>
-              </mc:Fallback>
-            </mc:AlternateContent>
-            <mc:AlternateContent xmlns:mc="http://schemas.openxmlformats.org/markup-compatibility/2006" xmlns:p14="http://schemas.microsoft.com/office/powerpoint/2010/main">
-              <mc:Choice Requires="p14">
-                <p:contentPart p14:bwMode="auto" r:id="rId34">
-                  <p14:nvContentPartPr>
-                    <p14:cNvPr id="17" name="Ink 16">
-                      <a:extLst>
-                        <a:ext uri="{FF2B5EF4-FFF2-40B4-BE49-F238E27FC236}">
-                          <a16:creationId xmlns:a16="http://schemas.microsoft.com/office/drawing/2014/main" id="{2B20C8BF-3935-7B45-AF99-C5BF587845C0}"/>
-                        </a:ext>
-                      </a:extLst>
-                    </p14:cNvPr>
-                    <p14:cNvContentPartPr/>
-                    <p14:nvPr/>
-                  </p14:nvContentPartPr>
-                  <p14:xfrm>
-                    <a:off x="6967995" y="1564095"/>
-                    <a:ext cx="3240" cy="23040"/>
-                  </p14:xfrm>
-                </p:contentPart>
-              </mc:Choice>
-              <mc:Fallback xmlns="">
-                <p:pic>
-                  <p:nvPicPr>
-                    <p:cNvPr id="17" name="Ink 16">
-                      <a:extLst>
-                        <a:ext uri="{FF2B5EF4-FFF2-40B4-BE49-F238E27FC236}">
-                          <a16:creationId xmlns:a16="http://schemas.microsoft.com/office/drawing/2014/main" id="{2B20C8BF-3935-7B45-AF99-C5BF587845C0}"/>
-                        </a:ext>
-                      </a:extLst>
-                    </p:cNvPr>
-                    <p:cNvPicPr/>
-                    <p:nvPr/>
-                  </p:nvPicPr>
-                  <p:blipFill>
-                    <a:blip r:embed="rId35"/>
-                    <a:stretch>
-                      <a:fillRect/>
-                    </a:stretch>
-                  </p:blipFill>
-                  <p:spPr>
-                    <a:xfrm>
-                      <a:off x="6957870" y="1554652"/>
-                      <a:ext cx="23085" cy="41548"/>
-                    </a:xfrm>
-                    <a:prstGeom prst="rect">
-                      <a:avLst/>
-                    </a:prstGeom>
-                  </p:spPr>
-                </p:pic>
-              </mc:Fallback>
-            </mc:AlternateContent>
-            <mc:AlternateContent xmlns:mc="http://schemas.openxmlformats.org/markup-compatibility/2006" xmlns:p14="http://schemas.microsoft.com/office/powerpoint/2010/main">
-              <mc:Choice Requires="p14">
-                <p:contentPart p14:bwMode="auto" r:id="rId36">
-                  <p14:nvContentPartPr>
-                    <p14:cNvPr id="19" name="Ink 18">
-                      <a:extLst>
-                        <a:ext uri="{FF2B5EF4-FFF2-40B4-BE49-F238E27FC236}">
-                          <a16:creationId xmlns:a16="http://schemas.microsoft.com/office/drawing/2014/main" id="{3EB7472A-C92B-0349-9C3C-1CE1E9F96C3F}"/>
-                        </a:ext>
-                      </a:extLst>
-                    </p14:cNvPr>
-                    <p14:cNvContentPartPr/>
-                    <p14:nvPr/>
-                  </p14:nvContentPartPr>
-                  <p14:xfrm>
-                    <a:off x="6620235" y="1631055"/>
-                    <a:ext cx="25560" cy="720"/>
-                  </p14:xfrm>
-                </p:contentPart>
-              </mc:Choice>
-              <mc:Fallback xmlns="">
-                <p:pic>
-                  <p:nvPicPr>
-                    <p:cNvPr id="19" name="Ink 18">
-                      <a:extLst>
-                        <a:ext uri="{FF2B5EF4-FFF2-40B4-BE49-F238E27FC236}">
-                          <a16:creationId xmlns:a16="http://schemas.microsoft.com/office/drawing/2014/main" id="{3EB7472A-C92B-0349-9C3C-1CE1E9F96C3F}"/>
-                        </a:ext>
-                      </a:extLst>
-                    </p:cNvPr>
-                    <p:cNvPicPr/>
-                    <p:nvPr/>
-                  </p:nvPicPr>
-                  <p:blipFill>
-                    <a:blip r:embed="rId37"/>
-                    <a:stretch>
-                      <a:fillRect/>
-                    </a:stretch>
-                  </p:blipFill>
-                  <p:spPr>
-                    <a:xfrm>
-                      <a:off x="6610698" y="1625055"/>
-                      <a:ext cx="44253" cy="12480"/>
-                    </a:xfrm>
-                    <a:prstGeom prst="rect">
-                      <a:avLst/>
-                    </a:prstGeom>
-                  </p:spPr>
-                </p:pic>
-              </mc:Fallback>
-            </mc:AlternateContent>
-            <mc:AlternateContent xmlns:mc="http://schemas.openxmlformats.org/markup-compatibility/2006" xmlns:p14="http://schemas.microsoft.com/office/powerpoint/2010/main">
-              <mc:Choice Requires="p14">
-                <p:contentPart p14:bwMode="auto" r:id="rId38">
-                  <p14:nvContentPartPr>
-                    <p14:cNvPr id="48" name="Ink 47">
-                      <a:extLst>
-                        <a:ext uri="{FF2B5EF4-FFF2-40B4-BE49-F238E27FC236}">
-                          <a16:creationId xmlns:a16="http://schemas.microsoft.com/office/drawing/2014/main" id="{67A7FE40-2F18-FA40-9EBE-7A83967275FE}"/>
-                        </a:ext>
-                      </a:extLst>
-                    </p14:cNvPr>
-                    <p14:cNvContentPartPr/>
-                    <p14:nvPr/>
-                  </p14:nvContentPartPr>
-                  <p14:xfrm>
-                    <a:off x="6741331" y="1411742"/>
-                    <a:ext cx="203760" cy="53280"/>
-                  </p14:xfrm>
-                </p:contentPart>
-              </mc:Choice>
-              <mc:Fallback xmlns="">
-                <p:pic>
-                  <p:nvPicPr>
-                    <p:cNvPr id="48" name="Ink 47">
-                      <a:extLst>
-                        <a:ext uri="{FF2B5EF4-FFF2-40B4-BE49-F238E27FC236}">
-                          <a16:creationId xmlns:a16="http://schemas.microsoft.com/office/drawing/2014/main" id="{67A7FE40-2F18-FA40-9EBE-7A83967275FE}"/>
-                        </a:ext>
-                      </a:extLst>
-                    </p:cNvPr>
-                    <p:cNvPicPr/>
-                    <p:nvPr/>
-                  </p:nvPicPr>
-                  <p:blipFill>
-                    <a:blip r:embed="rId39"/>
-                    <a:stretch>
-                      <a:fillRect/>
-                    </a:stretch>
-                  </p:blipFill>
-                  <p:spPr>
-                    <a:xfrm>
-                      <a:off x="6731845" y="1402362"/>
-                      <a:ext cx="222353" cy="71665"/>
-                    </a:xfrm>
-                    <a:prstGeom prst="rect">
-                      <a:avLst/>
-                    </a:prstGeom>
-                  </p:spPr>
-                </p:pic>
-              </mc:Fallback>
-            </mc:AlternateContent>
-            <p:grpSp>
-              <p:nvGrpSpPr>
-                <p:cNvPr id="51" name="Group 50">
+                <a:prstGeom prst="rect">
+                  <a:avLst/>
+                </a:prstGeom>
+              </p:spPr>
+            </p:pic>
+          </mc:Fallback>
+        </mc:AlternateContent>
+        <mc:AlternateContent xmlns:mc="http://schemas.openxmlformats.org/markup-compatibility/2006" xmlns:p14="http://schemas.microsoft.com/office/powerpoint/2010/main">
+          <mc:Choice Requires="p14">
+            <p:contentPart p14:bwMode="auto" r:id="rId32">
+              <p14:nvContentPartPr>
+                <p14:cNvPr id="15" name="Ink 14">
                   <a:extLst>
                     <a:ext uri="{FF2B5EF4-FFF2-40B4-BE49-F238E27FC236}">
-                      <a16:creationId xmlns:a16="http://schemas.microsoft.com/office/drawing/2014/main" id="{8312FD05-CA09-6C4E-9667-E4AE17D73FEC}"/>
+                      <a16:creationId xmlns:a16="http://schemas.microsoft.com/office/drawing/2014/main" id="{6A20914A-0DB5-9443-8D57-DFD49E540714}"/>
+                    </a:ext>
+                  </a:extLst>
+                </p14:cNvPr>
+                <p14:cNvContentPartPr/>
+                <p14:nvPr/>
+              </p14:nvContentPartPr>
+              <p14:xfrm>
+                <a:off x="6960075" y="1562655"/>
+                <a:ext cx="1440" cy="3240"/>
+              </p14:xfrm>
+            </p:contentPart>
+          </mc:Choice>
+          <mc:Fallback xmlns="">
+            <p:pic>
+              <p:nvPicPr>
+                <p:cNvPr id="15" name="Ink 14">
+                  <a:extLst>
+                    <a:ext uri="{FF2B5EF4-FFF2-40B4-BE49-F238E27FC236}">
+                      <a16:creationId xmlns:a16="http://schemas.microsoft.com/office/drawing/2014/main" id="{6A20914A-0DB5-9443-8D57-DFD49E540714}"/>
                     </a:ext>
                   </a:extLst>
                 </p:cNvPr>
-                <p:cNvGrpSpPr/>
+                <p:cNvPicPr/>
                 <p:nvPr/>
-              </p:nvGrpSpPr>
-              <p:grpSpPr>
+              </p:nvPicPr>
+              <p:blipFill>
+                <a:blip r:embed="rId12"/>
+                <a:stretch>
+                  <a:fillRect/>
+                </a:stretch>
+              </p:blipFill>
+              <p:spPr>
                 <a:xfrm>
-                  <a:off x="6613395" y="1558335"/>
-                  <a:ext cx="26250" cy="65916"/>
-                  <a:chOff x="6613395" y="1558335"/>
-                  <a:chExt cx="26250" cy="65916"/>
+                  <a:off x="6951075" y="1553655"/>
+                  <a:ext cx="19080" cy="20880"/>
                 </a:xfrm>
-              </p:grpSpPr>
-              <mc:AlternateContent xmlns:mc="http://schemas.openxmlformats.org/markup-compatibility/2006" xmlns:p14="http://schemas.microsoft.com/office/powerpoint/2010/main">
-                <mc:Choice Requires="p14">
-                  <p:contentPart p14:bwMode="auto" r:id="rId40">
-                    <p14:nvContentPartPr>
-                      <p14:cNvPr id="8" name="Ink 7">
-                        <a:extLst>
-                          <a:ext uri="{FF2B5EF4-FFF2-40B4-BE49-F238E27FC236}">
-                            <a16:creationId xmlns:a16="http://schemas.microsoft.com/office/drawing/2014/main" id="{69ADDF28-6B4C-8C41-916C-DA163F4748A4}"/>
-                          </a:ext>
-                        </a:extLst>
-                      </p14:cNvPr>
-                      <p14:cNvContentPartPr/>
-                      <p14:nvPr/>
-                    </p14:nvContentPartPr>
-                    <p14:xfrm>
-                      <a:off x="6615195" y="1616655"/>
-                      <a:ext cx="360" cy="360"/>
-                    </p14:xfrm>
-                  </p:contentPart>
-                </mc:Choice>
-                <mc:Fallback xmlns="">
-                  <p:pic>
-                    <p:nvPicPr>
-                      <p:cNvPr id="8" name="Ink 7">
-                        <a:extLst>
-                          <a:ext uri="{FF2B5EF4-FFF2-40B4-BE49-F238E27FC236}">
-                            <a16:creationId xmlns:a16="http://schemas.microsoft.com/office/drawing/2014/main" id="{69ADDF28-6B4C-8C41-916C-DA163F4748A4}"/>
-                          </a:ext>
-                        </a:extLst>
-                      </p:cNvPr>
-                      <p:cNvPicPr/>
-                      <p:nvPr/>
-                    </p:nvPicPr>
-                    <p:blipFill>
-                      <a:blip r:embed="rId12"/>
-                      <a:stretch>
-                        <a:fillRect/>
-                      </a:stretch>
-                    </p:blipFill>
-                    <p:spPr>
-                      <a:xfrm>
-                        <a:off x="6606195" y="1607655"/>
-                        <a:ext cx="18000" cy="18000"/>
-                      </a:xfrm>
-                      <a:prstGeom prst="rect">
-                        <a:avLst/>
-                      </a:prstGeom>
-                    </p:spPr>
-                  </p:pic>
-                </mc:Fallback>
-              </mc:AlternateContent>
-              <mc:AlternateContent xmlns:mc="http://schemas.openxmlformats.org/markup-compatibility/2006" xmlns:p14="http://schemas.microsoft.com/office/powerpoint/2010/main">
-                <mc:Choice Requires="p14">
-                  <p:contentPart p14:bwMode="auto" r:id="rId41">
-                    <p14:nvContentPartPr>
-                      <p14:cNvPr id="9" name="Ink 8">
-                        <a:extLst>
-                          <a:ext uri="{FF2B5EF4-FFF2-40B4-BE49-F238E27FC236}">
-                            <a16:creationId xmlns:a16="http://schemas.microsoft.com/office/drawing/2014/main" id="{1D96A915-E05A-474A-828C-CB2744FC2843}"/>
-                          </a:ext>
-                        </a:extLst>
-                      </p14:cNvPr>
-                      <p14:cNvContentPartPr/>
-                      <p14:nvPr/>
-                    </p14:nvContentPartPr>
-                    <p14:xfrm>
-                      <a:off x="6613755" y="1608735"/>
-                      <a:ext cx="360" cy="360"/>
-                    </p14:xfrm>
-                  </p:contentPart>
-                </mc:Choice>
-                <mc:Fallback xmlns="">
-                  <p:pic>
-                    <p:nvPicPr>
-                      <p:cNvPr id="9" name="Ink 8">
-                        <a:extLst>
-                          <a:ext uri="{FF2B5EF4-FFF2-40B4-BE49-F238E27FC236}">
-                            <a16:creationId xmlns:a16="http://schemas.microsoft.com/office/drawing/2014/main" id="{1D96A915-E05A-474A-828C-CB2744FC2843}"/>
-                          </a:ext>
-                        </a:extLst>
-                      </p:cNvPr>
-                      <p:cNvPicPr/>
-                      <p:nvPr/>
-                    </p:nvPicPr>
-                    <p:blipFill>
-                      <a:blip r:embed="rId12"/>
-                      <a:stretch>
-                        <a:fillRect/>
-                      </a:stretch>
-                    </p:blipFill>
-                    <p:spPr>
-                      <a:xfrm>
-                        <a:off x="6604755" y="1599735"/>
-                        <a:ext cx="18000" cy="18000"/>
-                      </a:xfrm>
-                      <a:prstGeom prst="rect">
-                        <a:avLst/>
-                      </a:prstGeom>
-                    </p:spPr>
-                  </p:pic>
-                </mc:Fallback>
-              </mc:AlternateContent>
-              <mc:AlternateContent xmlns:mc="http://schemas.openxmlformats.org/markup-compatibility/2006" xmlns:p14="http://schemas.microsoft.com/office/powerpoint/2010/main">
-                <mc:Choice Requires="p14">
-                  <p:contentPart p14:bwMode="auto" r:id="rId42">
-                    <p14:nvContentPartPr>
-                      <p14:cNvPr id="10" name="Ink 9">
-                        <a:extLst>
-                          <a:ext uri="{FF2B5EF4-FFF2-40B4-BE49-F238E27FC236}">
-                            <a16:creationId xmlns:a16="http://schemas.microsoft.com/office/drawing/2014/main" id="{BC81E36F-6C0A-A648-A28E-20FDEEED9EE4}"/>
-                          </a:ext>
-                        </a:extLst>
-                      </p14:cNvPr>
-                      <p14:cNvContentPartPr/>
-                      <p14:nvPr/>
-                    </p14:nvContentPartPr>
-                    <p14:xfrm>
-                      <a:off x="6615195" y="1584255"/>
-                      <a:ext cx="360" cy="360"/>
-                    </p14:xfrm>
-                  </p:contentPart>
-                </mc:Choice>
-                <mc:Fallback xmlns="">
-                  <p:pic>
-                    <p:nvPicPr>
-                      <p:cNvPr id="10" name="Ink 9">
-                        <a:extLst>
-                          <a:ext uri="{FF2B5EF4-FFF2-40B4-BE49-F238E27FC236}">
-                            <a16:creationId xmlns:a16="http://schemas.microsoft.com/office/drawing/2014/main" id="{BC81E36F-6C0A-A648-A28E-20FDEEED9EE4}"/>
-                          </a:ext>
-                        </a:extLst>
-                      </p:cNvPr>
-                      <p:cNvPicPr/>
-                      <p:nvPr/>
-                    </p:nvPicPr>
-                    <p:blipFill>
-                      <a:blip r:embed="rId12"/>
-                      <a:stretch>
-                        <a:fillRect/>
-                      </a:stretch>
-                    </p:blipFill>
-                    <p:spPr>
-                      <a:xfrm>
-                        <a:off x="6606195" y="1575255"/>
-                        <a:ext cx="18000" cy="18000"/>
-                      </a:xfrm>
-                      <a:prstGeom prst="rect">
-                        <a:avLst/>
-                      </a:prstGeom>
-                    </p:spPr>
-                  </p:pic>
-                </mc:Fallback>
-              </mc:AlternateContent>
-              <mc:AlternateContent xmlns:mc="http://schemas.openxmlformats.org/markup-compatibility/2006" xmlns:p14="http://schemas.microsoft.com/office/powerpoint/2010/main">
-                <mc:Choice Requires="p14">
-                  <p:contentPart p14:bwMode="auto" r:id="rId43">
-                    <p14:nvContentPartPr>
-                      <p14:cNvPr id="11" name="Ink 10">
-                        <a:extLst>
-                          <a:ext uri="{FF2B5EF4-FFF2-40B4-BE49-F238E27FC236}">
-                            <a16:creationId xmlns:a16="http://schemas.microsoft.com/office/drawing/2014/main" id="{E0089451-02FD-874E-8CA4-05FB81DA46B6}"/>
-                          </a:ext>
-                        </a:extLst>
-                      </p14:cNvPr>
-                      <p14:cNvContentPartPr/>
-                      <p14:nvPr/>
-                    </p14:nvContentPartPr>
-                    <p14:xfrm>
-                      <a:off x="6614475" y="1570935"/>
-                      <a:ext cx="360" cy="360"/>
-                    </p14:xfrm>
-                  </p:contentPart>
-                </mc:Choice>
-                <mc:Fallback xmlns="">
-                  <p:pic>
-                    <p:nvPicPr>
-                      <p:cNvPr id="11" name="Ink 10">
-                        <a:extLst>
-                          <a:ext uri="{FF2B5EF4-FFF2-40B4-BE49-F238E27FC236}">
-                            <a16:creationId xmlns:a16="http://schemas.microsoft.com/office/drawing/2014/main" id="{E0089451-02FD-874E-8CA4-05FB81DA46B6}"/>
-                          </a:ext>
-                        </a:extLst>
-                      </p:cNvPr>
-                      <p:cNvPicPr/>
-                      <p:nvPr/>
-                    </p:nvPicPr>
-                    <p:blipFill>
-                      <a:blip r:embed="rId12"/>
-                      <a:stretch>
-                        <a:fillRect/>
-                      </a:stretch>
-                    </p:blipFill>
-                    <p:spPr>
-                      <a:xfrm>
-                        <a:off x="6605475" y="1561935"/>
-                        <a:ext cx="18000" cy="18000"/>
-                      </a:xfrm>
-                      <a:prstGeom prst="rect">
-                        <a:avLst/>
-                      </a:prstGeom>
-                    </p:spPr>
-                  </p:pic>
-                </mc:Fallback>
-              </mc:AlternateContent>
-              <mc:AlternateContent xmlns:mc="http://schemas.openxmlformats.org/markup-compatibility/2006" xmlns:p14="http://schemas.microsoft.com/office/powerpoint/2010/main">
-                <mc:Choice Requires="p14">
-                  <p:contentPart p14:bwMode="auto" r:id="rId44">
-                    <p14:nvContentPartPr>
-                      <p14:cNvPr id="12" name="Ink 11">
-                        <a:extLst>
-                          <a:ext uri="{FF2B5EF4-FFF2-40B4-BE49-F238E27FC236}">
-                            <a16:creationId xmlns:a16="http://schemas.microsoft.com/office/drawing/2014/main" id="{9CB9C1E1-FA7E-124B-A54C-60476FD4EFAA}"/>
-                          </a:ext>
-                        </a:extLst>
-                      </p14:cNvPr>
-                      <p14:cNvContentPartPr/>
-                      <p14:nvPr/>
-                    </p14:nvContentPartPr>
-                    <p14:xfrm>
-                      <a:off x="6613395" y="1558335"/>
-                      <a:ext cx="360" cy="360"/>
-                    </p14:xfrm>
-                  </p:contentPart>
-                </mc:Choice>
-                <mc:Fallback xmlns="">
-                  <p:pic>
-                    <p:nvPicPr>
-                      <p:cNvPr id="12" name="Ink 11">
-                        <a:extLst>
-                          <a:ext uri="{FF2B5EF4-FFF2-40B4-BE49-F238E27FC236}">
-                            <a16:creationId xmlns:a16="http://schemas.microsoft.com/office/drawing/2014/main" id="{9CB9C1E1-FA7E-124B-A54C-60476FD4EFAA}"/>
-                          </a:ext>
-                        </a:extLst>
-                      </p:cNvPr>
-                      <p:cNvPicPr/>
-                      <p:nvPr/>
-                    </p:nvPicPr>
-                    <p:blipFill>
-                      <a:blip r:embed="rId12"/>
-                      <a:stretch>
-                        <a:fillRect/>
-                      </a:stretch>
-                    </p:blipFill>
-                    <p:spPr>
-                      <a:xfrm>
-                        <a:off x="6604395" y="1549335"/>
-                        <a:ext cx="18000" cy="18000"/>
-                      </a:xfrm>
-                      <a:prstGeom prst="rect">
-                        <a:avLst/>
-                      </a:prstGeom>
-                    </p:spPr>
-                  </p:pic>
-                </mc:Fallback>
-              </mc:AlternateContent>
-              <mc:AlternateContent xmlns:mc="http://schemas.openxmlformats.org/markup-compatibility/2006" xmlns:p14="http://schemas.microsoft.com/office/powerpoint/2010/main">
-                <mc:Choice Requires="p14">
-                  <p:contentPart p14:bwMode="auto" r:id="rId45">
-                    <p14:nvContentPartPr>
-                      <p14:cNvPr id="50" name="Ink 49">
-                        <a:extLst>
-                          <a:ext uri="{FF2B5EF4-FFF2-40B4-BE49-F238E27FC236}">
-                            <a16:creationId xmlns:a16="http://schemas.microsoft.com/office/drawing/2014/main" id="{A02271DB-C5E1-374B-B67C-CBBE4241F3CE}"/>
-                          </a:ext>
-                        </a:extLst>
-                      </p14:cNvPr>
-                      <p14:cNvContentPartPr/>
-                      <p14:nvPr/>
-                    </p14:nvContentPartPr>
-                    <p14:xfrm>
-                      <a:off x="6639285" y="1623891"/>
-                      <a:ext cx="360" cy="360"/>
-                    </p14:xfrm>
-                  </p:contentPart>
-                </mc:Choice>
-                <mc:Fallback xmlns="">
-                  <p:pic>
-                    <p:nvPicPr>
-                      <p:cNvPr id="50" name="Ink 49">
-                        <a:extLst>
-                          <a:ext uri="{FF2B5EF4-FFF2-40B4-BE49-F238E27FC236}">
-                            <a16:creationId xmlns:a16="http://schemas.microsoft.com/office/drawing/2014/main" id="{A02271DB-C5E1-374B-B67C-CBBE4241F3CE}"/>
-                          </a:ext>
-                        </a:extLst>
-                      </p:cNvPr>
-                      <p:cNvPicPr/>
-                      <p:nvPr/>
-                    </p:nvPicPr>
-                    <p:blipFill>
-                      <a:blip r:embed="rId12"/>
-                      <a:stretch>
-                        <a:fillRect/>
-                      </a:stretch>
-                    </p:blipFill>
-                    <p:spPr>
-                      <a:xfrm>
-                        <a:off x="6630285" y="1614891"/>
-                        <a:ext cx="18000" cy="18000"/>
-                      </a:xfrm>
-                      <a:prstGeom prst="rect">
-                        <a:avLst/>
-                      </a:prstGeom>
-                    </p:spPr>
-                  </p:pic>
-                </mc:Fallback>
-              </mc:AlternateContent>
-            </p:grpSp>
-            <mc:AlternateContent xmlns:mc="http://schemas.openxmlformats.org/markup-compatibility/2006" xmlns:p14="http://schemas.microsoft.com/office/powerpoint/2010/main">
-              <mc:Choice Requires="p14">
-                <p:contentPart p14:bwMode="auto" r:id="rId46">
-                  <p14:nvContentPartPr>
-                    <p14:cNvPr id="55" name="Ink 54">
-                      <a:extLst>
-                        <a:ext uri="{FF2B5EF4-FFF2-40B4-BE49-F238E27FC236}">
-                          <a16:creationId xmlns:a16="http://schemas.microsoft.com/office/drawing/2014/main" id="{15B5ECF5-F54C-1D41-99F8-C66DBA88DF73}"/>
-                        </a:ext>
-                      </a:extLst>
-                    </p14:cNvPr>
-                    <p14:cNvContentPartPr/>
-                    <p14:nvPr/>
-                  </p14:nvContentPartPr>
-                  <p14:xfrm>
-                    <a:off x="5976885" y="1480251"/>
-                    <a:ext cx="67320" cy="74160"/>
-                  </p14:xfrm>
-                </p:contentPart>
-              </mc:Choice>
-              <mc:Fallback xmlns="">
-                <p:pic>
-                  <p:nvPicPr>
-                    <p:cNvPr id="55" name="Ink 54">
-                      <a:extLst>
-                        <a:ext uri="{FF2B5EF4-FFF2-40B4-BE49-F238E27FC236}">
-                          <a16:creationId xmlns:a16="http://schemas.microsoft.com/office/drawing/2014/main" id="{15B5ECF5-F54C-1D41-99F8-C66DBA88DF73}"/>
-                        </a:ext>
-                      </a:extLst>
-                    </p:cNvPr>
-                    <p:cNvPicPr/>
-                    <p:nvPr/>
-                  </p:nvPicPr>
-                  <p:blipFill>
-                    <a:blip r:embed="rId47"/>
-                    <a:stretch>
-                      <a:fillRect/>
-                    </a:stretch>
-                  </p:blipFill>
-                  <p:spPr>
-                    <a:xfrm>
-                      <a:off x="5967430" y="1470887"/>
-                      <a:ext cx="85852" cy="92513"/>
-                    </a:xfrm>
-                    <a:prstGeom prst="rect">
-                      <a:avLst/>
-                    </a:prstGeom>
-                  </p:spPr>
-                </p:pic>
-              </mc:Fallback>
-            </mc:AlternateContent>
-            <p:grpSp>
-              <p:nvGrpSpPr>
-                <p:cNvPr id="59" name="Group 58">
+                <a:prstGeom prst="rect">
+                  <a:avLst/>
+                </a:prstGeom>
+              </p:spPr>
+            </p:pic>
+          </mc:Fallback>
+        </mc:AlternateContent>
+        <mc:AlternateContent xmlns:mc="http://schemas.openxmlformats.org/markup-compatibility/2006" xmlns:p14="http://schemas.microsoft.com/office/powerpoint/2010/main">
+          <mc:Choice Requires="p14">
+            <p:contentPart p14:bwMode="auto" r:id="rId33">
+              <p14:nvContentPartPr>
+                <p14:cNvPr id="16" name="Ink 15">
                   <a:extLst>
                     <a:ext uri="{FF2B5EF4-FFF2-40B4-BE49-F238E27FC236}">
-                      <a16:creationId xmlns:a16="http://schemas.microsoft.com/office/drawing/2014/main" id="{7E2CE7F0-F773-954F-A194-9F4E07EBBE86}"/>
+                      <a16:creationId xmlns:a16="http://schemas.microsoft.com/office/drawing/2014/main" id="{202C6B7F-6C27-1B41-B8D4-B06D125126BB}"/>
+                    </a:ext>
+                  </a:extLst>
+                </p14:cNvPr>
+                <p14:cNvContentPartPr/>
+                <p14:nvPr/>
+              </p14:nvContentPartPr>
+              <p14:xfrm>
+                <a:off x="6964755" y="1580655"/>
+                <a:ext cx="360" cy="360"/>
+              </p14:xfrm>
+            </p:contentPart>
+          </mc:Choice>
+          <mc:Fallback xmlns="">
+            <p:pic>
+              <p:nvPicPr>
+                <p:cNvPr id="16" name="Ink 15">
+                  <a:extLst>
+                    <a:ext uri="{FF2B5EF4-FFF2-40B4-BE49-F238E27FC236}">
+                      <a16:creationId xmlns:a16="http://schemas.microsoft.com/office/drawing/2014/main" id="{202C6B7F-6C27-1B41-B8D4-B06D125126BB}"/>
                     </a:ext>
                   </a:extLst>
                 </p:cNvPr>
-                <p:cNvGrpSpPr/>
+                <p:cNvPicPr/>
                 <p:nvPr/>
-              </p:nvGrpSpPr>
-              <p:grpSpPr>
+              </p:nvPicPr>
+              <p:blipFill>
+                <a:blip r:embed="rId12"/>
+                <a:stretch>
+                  <a:fillRect/>
+                </a:stretch>
+              </p:blipFill>
+              <p:spPr>
                 <a:xfrm>
+                  <a:off x="6955755" y="1571655"/>
+                  <a:ext cx="18000" cy="18000"/>
+                </a:xfrm>
+                <a:prstGeom prst="rect">
+                  <a:avLst/>
+                </a:prstGeom>
+              </p:spPr>
+            </p:pic>
+          </mc:Fallback>
+        </mc:AlternateContent>
+        <mc:AlternateContent xmlns:mc="http://schemas.openxmlformats.org/markup-compatibility/2006" xmlns:p14="http://schemas.microsoft.com/office/powerpoint/2010/main">
+          <mc:Choice Requires="p14">
+            <p:contentPart p14:bwMode="auto" r:id="rId34">
+              <p14:nvContentPartPr>
+                <p14:cNvPr id="17" name="Ink 16">
+                  <a:extLst>
+                    <a:ext uri="{FF2B5EF4-FFF2-40B4-BE49-F238E27FC236}">
+                      <a16:creationId xmlns:a16="http://schemas.microsoft.com/office/drawing/2014/main" id="{2B20C8BF-3935-7B45-AF99-C5BF587845C0}"/>
+                    </a:ext>
+                  </a:extLst>
+                </p14:cNvPr>
+                <p14:cNvContentPartPr/>
+                <p14:nvPr/>
+              </p14:nvContentPartPr>
+              <p14:xfrm>
+                <a:off x="6967995" y="1564095"/>
+                <a:ext cx="3240" cy="23040"/>
+              </p14:xfrm>
+            </p:contentPart>
+          </mc:Choice>
+          <mc:Fallback xmlns="">
+            <p:pic>
+              <p:nvPicPr>
+                <p:cNvPr id="17" name="Ink 16">
+                  <a:extLst>
+                    <a:ext uri="{FF2B5EF4-FFF2-40B4-BE49-F238E27FC236}">
+                      <a16:creationId xmlns:a16="http://schemas.microsoft.com/office/drawing/2014/main" id="{2B20C8BF-3935-7B45-AF99-C5BF587845C0}"/>
+                    </a:ext>
+                  </a:extLst>
+                </p:cNvPr>
+                <p:cNvPicPr/>
+                <p:nvPr/>
+              </p:nvPicPr>
+              <p:blipFill>
+                <a:blip r:embed="rId35"/>
+                <a:stretch>
+                  <a:fillRect/>
+                </a:stretch>
+              </p:blipFill>
+              <p:spPr>
+                <a:xfrm>
+                  <a:off x="6957870" y="1554652"/>
+                  <a:ext cx="23085" cy="41548"/>
+                </a:xfrm>
+                <a:prstGeom prst="rect">
+                  <a:avLst/>
+                </a:prstGeom>
+              </p:spPr>
+            </p:pic>
+          </mc:Fallback>
+        </mc:AlternateContent>
+        <mc:AlternateContent xmlns:mc="http://schemas.openxmlformats.org/markup-compatibility/2006" xmlns:p14="http://schemas.microsoft.com/office/powerpoint/2010/main">
+          <mc:Choice Requires="p14">
+            <p:contentPart p14:bwMode="auto" r:id="rId36">
+              <p14:nvContentPartPr>
+                <p14:cNvPr id="19" name="Ink 18">
+                  <a:extLst>
+                    <a:ext uri="{FF2B5EF4-FFF2-40B4-BE49-F238E27FC236}">
+                      <a16:creationId xmlns:a16="http://schemas.microsoft.com/office/drawing/2014/main" id="{3EB7472A-C92B-0349-9C3C-1CE1E9F96C3F}"/>
+                    </a:ext>
+                  </a:extLst>
+                </p14:cNvPr>
+                <p14:cNvContentPartPr/>
+                <p14:nvPr/>
+              </p14:nvContentPartPr>
+              <p14:xfrm>
+                <a:off x="6620235" y="1631055"/>
+                <a:ext cx="25560" cy="720"/>
+              </p14:xfrm>
+            </p:contentPart>
+          </mc:Choice>
+          <mc:Fallback xmlns="">
+            <p:pic>
+              <p:nvPicPr>
+                <p:cNvPr id="19" name="Ink 18">
+                  <a:extLst>
+                    <a:ext uri="{FF2B5EF4-FFF2-40B4-BE49-F238E27FC236}">
+                      <a16:creationId xmlns:a16="http://schemas.microsoft.com/office/drawing/2014/main" id="{3EB7472A-C92B-0349-9C3C-1CE1E9F96C3F}"/>
+                    </a:ext>
+                  </a:extLst>
+                </p:cNvPr>
+                <p:cNvPicPr/>
+                <p:nvPr/>
+              </p:nvPicPr>
+              <p:blipFill>
+                <a:blip r:embed="rId37"/>
+                <a:stretch>
+                  <a:fillRect/>
+                </a:stretch>
+              </p:blipFill>
+              <p:spPr>
+                <a:xfrm>
+                  <a:off x="6610698" y="1625055"/>
+                  <a:ext cx="44253" cy="12480"/>
+                </a:xfrm>
+                <a:prstGeom prst="rect">
+                  <a:avLst/>
+                </a:prstGeom>
+              </p:spPr>
+            </p:pic>
+          </mc:Fallback>
+        </mc:AlternateContent>
+        <mc:AlternateContent xmlns:mc="http://schemas.openxmlformats.org/markup-compatibility/2006" xmlns:p14="http://schemas.microsoft.com/office/powerpoint/2010/main">
+          <mc:Choice Requires="p14">
+            <p:contentPart p14:bwMode="auto" r:id="rId38">
+              <p14:nvContentPartPr>
+                <p14:cNvPr id="48" name="Ink 47">
+                  <a:extLst>
+                    <a:ext uri="{FF2B5EF4-FFF2-40B4-BE49-F238E27FC236}">
+                      <a16:creationId xmlns:a16="http://schemas.microsoft.com/office/drawing/2014/main" id="{67A7FE40-2F18-FA40-9EBE-7A83967275FE}"/>
+                    </a:ext>
+                  </a:extLst>
+                </p14:cNvPr>
+                <p14:cNvContentPartPr/>
+                <p14:nvPr/>
+              </p14:nvContentPartPr>
+              <p14:xfrm>
+                <a:off x="6741331" y="1411742"/>
+                <a:ext cx="203760" cy="53280"/>
+              </p14:xfrm>
+            </p:contentPart>
+          </mc:Choice>
+          <mc:Fallback xmlns="">
+            <p:pic>
+              <p:nvPicPr>
+                <p:cNvPr id="48" name="Ink 47">
+                  <a:extLst>
+                    <a:ext uri="{FF2B5EF4-FFF2-40B4-BE49-F238E27FC236}">
+                      <a16:creationId xmlns:a16="http://schemas.microsoft.com/office/drawing/2014/main" id="{67A7FE40-2F18-FA40-9EBE-7A83967275FE}"/>
+                    </a:ext>
+                  </a:extLst>
+                </p:cNvPr>
+                <p:cNvPicPr/>
+                <p:nvPr/>
+              </p:nvPicPr>
+              <p:blipFill>
+                <a:blip r:embed="rId39"/>
+                <a:stretch>
+                  <a:fillRect/>
+                </a:stretch>
+              </p:blipFill>
+              <p:spPr>
+                <a:xfrm>
+                  <a:off x="6731845" y="1402362"/>
+                  <a:ext cx="222353" cy="71665"/>
+                </a:xfrm>
+                <a:prstGeom prst="rect">
+                  <a:avLst/>
+                </a:prstGeom>
+              </p:spPr>
+            </p:pic>
+          </mc:Fallback>
+        </mc:AlternateContent>
+        <p:grpSp>
+          <p:nvGrpSpPr>
+            <p:cNvPr id="51" name="Group 50">
+              <a:extLst>
+                <a:ext uri="{FF2B5EF4-FFF2-40B4-BE49-F238E27FC236}">
+                  <a16:creationId xmlns:a16="http://schemas.microsoft.com/office/drawing/2014/main" id="{8312FD05-CA09-6C4E-9667-E4AE17D73FEC}"/>
+                </a:ext>
+              </a:extLst>
+            </p:cNvPr>
+            <p:cNvGrpSpPr/>
+            <p:nvPr/>
+          </p:nvGrpSpPr>
+          <p:grpSpPr>
+            <a:xfrm>
+              <a:off x="6613395" y="1558335"/>
+              <a:ext cx="26250" cy="65916"/>
+              <a:chOff x="6613395" y="1558335"/>
+              <a:chExt cx="26250" cy="65916"/>
+            </a:xfrm>
+          </p:grpSpPr>
+          <mc:AlternateContent xmlns:mc="http://schemas.openxmlformats.org/markup-compatibility/2006" xmlns:p14="http://schemas.microsoft.com/office/powerpoint/2010/main">
+            <mc:Choice Requires="p14">
+              <p:contentPart p14:bwMode="auto" r:id="rId40">
+                <p14:nvContentPartPr>
+                  <p14:cNvPr id="8" name="Ink 7">
+                    <a:extLst>
+                      <a:ext uri="{FF2B5EF4-FFF2-40B4-BE49-F238E27FC236}">
+                        <a16:creationId xmlns:a16="http://schemas.microsoft.com/office/drawing/2014/main" id="{69ADDF28-6B4C-8C41-916C-DA163F4748A4}"/>
+                      </a:ext>
+                    </a:extLst>
+                  </p14:cNvPr>
+                  <p14:cNvContentPartPr/>
+                  <p14:nvPr/>
+                </p14:nvContentPartPr>
+                <p14:xfrm>
+                  <a:off x="6615195" y="1616655"/>
+                  <a:ext cx="360" cy="360"/>
+                </p14:xfrm>
+              </p:contentPart>
+            </mc:Choice>
+            <mc:Fallback xmlns="">
+              <p:pic>
+                <p:nvPicPr>
+                  <p:cNvPr id="8" name="Ink 7">
+                    <a:extLst>
+                      <a:ext uri="{FF2B5EF4-FFF2-40B4-BE49-F238E27FC236}">
+                        <a16:creationId xmlns:a16="http://schemas.microsoft.com/office/drawing/2014/main" id="{69ADDF28-6B4C-8C41-916C-DA163F4748A4}"/>
+                      </a:ext>
+                    </a:extLst>
+                  </p:cNvPr>
+                  <p:cNvPicPr/>
+                  <p:nvPr/>
+                </p:nvPicPr>
+                <p:blipFill>
+                  <a:blip r:embed="rId12"/>
+                  <a:stretch>
+                    <a:fillRect/>
+                  </a:stretch>
+                </p:blipFill>
+                <p:spPr>
+                  <a:xfrm>
+                    <a:off x="6606195" y="1607655"/>
+                    <a:ext cx="18000" cy="18000"/>
+                  </a:xfrm>
+                  <a:prstGeom prst="rect">
+                    <a:avLst/>
+                  </a:prstGeom>
+                </p:spPr>
+              </p:pic>
+            </mc:Fallback>
+          </mc:AlternateContent>
+          <mc:AlternateContent xmlns:mc="http://schemas.openxmlformats.org/markup-compatibility/2006" xmlns:p14="http://schemas.microsoft.com/office/powerpoint/2010/main">
+            <mc:Choice Requires="p14">
+              <p:contentPart p14:bwMode="auto" r:id="rId41">
+                <p14:nvContentPartPr>
+                  <p14:cNvPr id="9" name="Ink 8">
+                    <a:extLst>
+                      <a:ext uri="{FF2B5EF4-FFF2-40B4-BE49-F238E27FC236}">
+                        <a16:creationId xmlns:a16="http://schemas.microsoft.com/office/drawing/2014/main" id="{1D96A915-E05A-474A-828C-CB2744FC2843}"/>
+                      </a:ext>
+                    </a:extLst>
+                  </p14:cNvPr>
+                  <p14:cNvContentPartPr/>
+                  <p14:nvPr/>
+                </p14:nvContentPartPr>
+                <p14:xfrm>
+                  <a:off x="6613755" y="1608735"/>
+                  <a:ext cx="360" cy="360"/>
+                </p14:xfrm>
+              </p:contentPart>
+            </mc:Choice>
+            <mc:Fallback xmlns="">
+              <p:pic>
+                <p:nvPicPr>
+                  <p:cNvPr id="9" name="Ink 8">
+                    <a:extLst>
+                      <a:ext uri="{FF2B5EF4-FFF2-40B4-BE49-F238E27FC236}">
+                        <a16:creationId xmlns:a16="http://schemas.microsoft.com/office/drawing/2014/main" id="{1D96A915-E05A-474A-828C-CB2744FC2843}"/>
+                      </a:ext>
+                    </a:extLst>
+                  </p:cNvPr>
+                  <p:cNvPicPr/>
+                  <p:nvPr/>
+                </p:nvPicPr>
+                <p:blipFill>
+                  <a:blip r:embed="rId12"/>
+                  <a:stretch>
+                    <a:fillRect/>
+                  </a:stretch>
+                </p:blipFill>
+                <p:spPr>
+                  <a:xfrm>
+                    <a:off x="6604755" y="1599735"/>
+                    <a:ext cx="18000" cy="18000"/>
+                  </a:xfrm>
+                  <a:prstGeom prst="rect">
+                    <a:avLst/>
+                  </a:prstGeom>
+                </p:spPr>
+              </p:pic>
+            </mc:Fallback>
+          </mc:AlternateContent>
+          <mc:AlternateContent xmlns:mc="http://schemas.openxmlformats.org/markup-compatibility/2006" xmlns:p14="http://schemas.microsoft.com/office/powerpoint/2010/main">
+            <mc:Choice Requires="p14">
+              <p:contentPart p14:bwMode="auto" r:id="rId42">
+                <p14:nvContentPartPr>
+                  <p14:cNvPr id="10" name="Ink 9">
+                    <a:extLst>
+                      <a:ext uri="{FF2B5EF4-FFF2-40B4-BE49-F238E27FC236}">
+                        <a16:creationId xmlns:a16="http://schemas.microsoft.com/office/drawing/2014/main" id="{BC81E36F-6C0A-A648-A28E-20FDEEED9EE4}"/>
+                      </a:ext>
+                    </a:extLst>
+                  </p14:cNvPr>
+                  <p14:cNvContentPartPr/>
+                  <p14:nvPr/>
+                </p14:nvContentPartPr>
+                <p14:xfrm>
+                  <a:off x="6615195" y="1584255"/>
+                  <a:ext cx="360" cy="360"/>
+                </p14:xfrm>
+              </p:contentPart>
+            </mc:Choice>
+            <mc:Fallback xmlns="">
+              <p:pic>
+                <p:nvPicPr>
+                  <p:cNvPr id="10" name="Ink 9">
+                    <a:extLst>
+                      <a:ext uri="{FF2B5EF4-FFF2-40B4-BE49-F238E27FC236}">
+                        <a16:creationId xmlns:a16="http://schemas.microsoft.com/office/drawing/2014/main" id="{BC81E36F-6C0A-A648-A28E-20FDEEED9EE4}"/>
+                      </a:ext>
+                    </a:extLst>
+                  </p:cNvPr>
+                  <p:cNvPicPr/>
+                  <p:nvPr/>
+                </p:nvPicPr>
+                <p:blipFill>
+                  <a:blip r:embed="rId12"/>
+                  <a:stretch>
+                    <a:fillRect/>
+                  </a:stretch>
+                </p:blipFill>
+                <p:spPr>
+                  <a:xfrm>
+                    <a:off x="6606195" y="1575255"/>
+                    <a:ext cx="18000" cy="18000"/>
+                  </a:xfrm>
+                  <a:prstGeom prst="rect">
+                    <a:avLst/>
+                  </a:prstGeom>
+                </p:spPr>
+              </p:pic>
+            </mc:Fallback>
+          </mc:AlternateContent>
+          <mc:AlternateContent xmlns:mc="http://schemas.openxmlformats.org/markup-compatibility/2006" xmlns:p14="http://schemas.microsoft.com/office/powerpoint/2010/main">
+            <mc:Choice Requires="p14">
+              <p:contentPart p14:bwMode="auto" r:id="rId43">
+                <p14:nvContentPartPr>
+                  <p14:cNvPr id="11" name="Ink 10">
+                    <a:extLst>
+                      <a:ext uri="{FF2B5EF4-FFF2-40B4-BE49-F238E27FC236}">
+                        <a16:creationId xmlns:a16="http://schemas.microsoft.com/office/drawing/2014/main" id="{E0089451-02FD-874E-8CA4-05FB81DA46B6}"/>
+                      </a:ext>
+                    </a:extLst>
+                  </p14:cNvPr>
+                  <p14:cNvContentPartPr/>
+                  <p14:nvPr/>
+                </p14:nvContentPartPr>
+                <p14:xfrm>
+                  <a:off x="6614475" y="1570935"/>
+                  <a:ext cx="360" cy="360"/>
+                </p14:xfrm>
+              </p:contentPart>
+            </mc:Choice>
+            <mc:Fallback xmlns="">
+              <p:pic>
+                <p:nvPicPr>
+                  <p:cNvPr id="11" name="Ink 10">
+                    <a:extLst>
+                      <a:ext uri="{FF2B5EF4-FFF2-40B4-BE49-F238E27FC236}">
+                        <a16:creationId xmlns:a16="http://schemas.microsoft.com/office/drawing/2014/main" id="{E0089451-02FD-874E-8CA4-05FB81DA46B6}"/>
+                      </a:ext>
+                    </a:extLst>
+                  </p:cNvPr>
+                  <p:cNvPicPr/>
+                  <p:nvPr/>
+                </p:nvPicPr>
+                <p:blipFill>
+                  <a:blip r:embed="rId12"/>
+                  <a:stretch>
+                    <a:fillRect/>
+                  </a:stretch>
+                </p:blipFill>
+                <p:spPr>
+                  <a:xfrm>
+                    <a:off x="6605475" y="1561935"/>
+                    <a:ext cx="18000" cy="18000"/>
+                  </a:xfrm>
+                  <a:prstGeom prst="rect">
+                    <a:avLst/>
+                  </a:prstGeom>
+                </p:spPr>
+              </p:pic>
+            </mc:Fallback>
+          </mc:AlternateContent>
+          <mc:AlternateContent xmlns:mc="http://schemas.openxmlformats.org/markup-compatibility/2006" xmlns:p14="http://schemas.microsoft.com/office/powerpoint/2010/main">
+            <mc:Choice Requires="p14">
+              <p:contentPart p14:bwMode="auto" r:id="rId44">
+                <p14:nvContentPartPr>
+                  <p14:cNvPr id="12" name="Ink 11">
+                    <a:extLst>
+                      <a:ext uri="{FF2B5EF4-FFF2-40B4-BE49-F238E27FC236}">
+                        <a16:creationId xmlns:a16="http://schemas.microsoft.com/office/drawing/2014/main" id="{9CB9C1E1-FA7E-124B-A54C-60476FD4EFAA}"/>
+                      </a:ext>
+                    </a:extLst>
+                  </p14:cNvPr>
+                  <p14:cNvContentPartPr/>
+                  <p14:nvPr/>
+                </p14:nvContentPartPr>
+                <p14:xfrm>
+                  <a:off x="6613395" y="1558335"/>
+                  <a:ext cx="360" cy="360"/>
+                </p14:xfrm>
+              </p:contentPart>
+            </mc:Choice>
+            <mc:Fallback xmlns="">
+              <p:pic>
+                <p:nvPicPr>
+                  <p:cNvPr id="12" name="Ink 11">
+                    <a:extLst>
+                      <a:ext uri="{FF2B5EF4-FFF2-40B4-BE49-F238E27FC236}">
+                        <a16:creationId xmlns:a16="http://schemas.microsoft.com/office/drawing/2014/main" id="{9CB9C1E1-FA7E-124B-A54C-60476FD4EFAA}"/>
+                      </a:ext>
+                    </a:extLst>
+                  </p:cNvPr>
+                  <p:cNvPicPr/>
+                  <p:nvPr/>
+                </p:nvPicPr>
+                <p:blipFill>
+                  <a:blip r:embed="rId12"/>
+                  <a:stretch>
+                    <a:fillRect/>
+                  </a:stretch>
+                </p:blipFill>
+                <p:spPr>
+                  <a:xfrm>
+                    <a:off x="6604395" y="1549335"/>
+                    <a:ext cx="18000" cy="18000"/>
+                  </a:xfrm>
+                  <a:prstGeom prst="rect">
+                    <a:avLst/>
+                  </a:prstGeom>
+                </p:spPr>
+              </p:pic>
+            </mc:Fallback>
+          </mc:AlternateContent>
+          <mc:AlternateContent xmlns:mc="http://schemas.openxmlformats.org/markup-compatibility/2006" xmlns:p14="http://schemas.microsoft.com/office/powerpoint/2010/main">
+            <mc:Choice Requires="p14">
+              <p:contentPart p14:bwMode="auto" r:id="rId45">
+                <p14:nvContentPartPr>
+                  <p14:cNvPr id="50" name="Ink 49">
+                    <a:extLst>
+                      <a:ext uri="{FF2B5EF4-FFF2-40B4-BE49-F238E27FC236}">
+                        <a16:creationId xmlns:a16="http://schemas.microsoft.com/office/drawing/2014/main" id="{A02271DB-C5E1-374B-B67C-CBBE4241F3CE}"/>
+                      </a:ext>
+                    </a:extLst>
+                  </p14:cNvPr>
+                  <p14:cNvContentPartPr/>
+                  <p14:nvPr/>
+                </p14:nvContentPartPr>
+                <p14:xfrm>
+                  <a:off x="6639285" y="1623891"/>
+                  <a:ext cx="360" cy="360"/>
+                </p14:xfrm>
+              </p:contentPart>
+            </mc:Choice>
+            <mc:Fallback xmlns="">
+              <p:pic>
+                <p:nvPicPr>
+                  <p:cNvPr id="50" name="Ink 49">
+                    <a:extLst>
+                      <a:ext uri="{FF2B5EF4-FFF2-40B4-BE49-F238E27FC236}">
+                        <a16:creationId xmlns:a16="http://schemas.microsoft.com/office/drawing/2014/main" id="{A02271DB-C5E1-374B-B67C-CBBE4241F3CE}"/>
+                      </a:ext>
+                    </a:extLst>
+                  </p:cNvPr>
+                  <p:cNvPicPr/>
+                  <p:nvPr/>
+                </p:nvPicPr>
+                <p:blipFill>
+                  <a:blip r:embed="rId12"/>
+                  <a:stretch>
+                    <a:fillRect/>
+                  </a:stretch>
+                </p:blipFill>
+                <p:spPr>
+                  <a:xfrm>
+                    <a:off x="6630285" y="1614891"/>
+                    <a:ext cx="18000" cy="18000"/>
+                  </a:xfrm>
+                  <a:prstGeom prst="rect">
+                    <a:avLst/>
+                  </a:prstGeom>
+                </p:spPr>
+              </p:pic>
+            </mc:Fallback>
+          </mc:AlternateContent>
+        </p:grpSp>
+        <mc:AlternateContent xmlns:mc="http://schemas.openxmlformats.org/markup-compatibility/2006" xmlns:p14="http://schemas.microsoft.com/office/powerpoint/2010/main">
+          <mc:Choice Requires="p14">
+            <p:contentPart p14:bwMode="auto" r:id="rId46">
+              <p14:nvContentPartPr>
+                <p14:cNvPr id="55" name="Ink 54">
+                  <a:extLst>
+                    <a:ext uri="{FF2B5EF4-FFF2-40B4-BE49-F238E27FC236}">
+                      <a16:creationId xmlns:a16="http://schemas.microsoft.com/office/drawing/2014/main" id="{15B5ECF5-F54C-1D41-99F8-C66DBA88DF73}"/>
+                    </a:ext>
+                  </a:extLst>
+                </p14:cNvPr>
+                <p14:cNvContentPartPr/>
+                <p14:nvPr/>
+              </p14:nvContentPartPr>
+              <p14:xfrm>
+                <a:off x="5976885" y="1480251"/>
+                <a:ext cx="67320" cy="74160"/>
+              </p14:xfrm>
+            </p:contentPart>
+          </mc:Choice>
+          <mc:Fallback xmlns="">
+            <p:pic>
+              <p:nvPicPr>
+                <p:cNvPr id="55" name="Ink 54">
+                  <a:extLst>
+                    <a:ext uri="{FF2B5EF4-FFF2-40B4-BE49-F238E27FC236}">
+                      <a16:creationId xmlns:a16="http://schemas.microsoft.com/office/drawing/2014/main" id="{15B5ECF5-F54C-1D41-99F8-C66DBA88DF73}"/>
+                    </a:ext>
+                  </a:extLst>
+                </p:cNvPr>
+                <p:cNvPicPr/>
+                <p:nvPr/>
+              </p:nvPicPr>
+              <p:blipFill>
+                <a:blip r:embed="rId47"/>
+                <a:stretch>
+                  <a:fillRect/>
+                </a:stretch>
+              </p:blipFill>
+              <p:spPr>
+                <a:xfrm>
+                  <a:off x="5967430" y="1470887"/>
+                  <a:ext cx="85852" cy="92513"/>
+                </a:xfrm>
+                <a:prstGeom prst="rect">
+                  <a:avLst/>
+                </a:prstGeom>
+              </p:spPr>
+            </p:pic>
+          </mc:Fallback>
+        </mc:AlternateContent>
+        <p:grpSp>
+          <p:nvGrpSpPr>
+            <p:cNvPr id="59" name="Group 58">
+              <a:extLst>
+                <a:ext uri="{FF2B5EF4-FFF2-40B4-BE49-F238E27FC236}">
+                  <a16:creationId xmlns:a16="http://schemas.microsoft.com/office/drawing/2014/main" id="{7E2CE7F0-F773-954F-A194-9F4E07EBBE86}"/>
+                </a:ext>
+              </a:extLst>
+            </p:cNvPr>
+            <p:cNvGrpSpPr/>
+            <p:nvPr/>
+          </p:nvGrpSpPr>
+          <p:grpSpPr>
+            <a:xfrm>
+              <a:off x="6006765" y="1444885"/>
+              <a:ext cx="336600" cy="87206"/>
+              <a:chOff x="6006765" y="1444885"/>
+              <a:chExt cx="336600" cy="87206"/>
+            </a:xfrm>
+          </p:grpSpPr>
+          <mc:AlternateContent xmlns:mc="http://schemas.openxmlformats.org/markup-compatibility/2006" xmlns:p14="http://schemas.microsoft.com/office/powerpoint/2010/main">
+            <mc:Choice Requires="p14">
+              <p:contentPart p14:bwMode="auto" r:id="rId48">
+                <p14:nvContentPartPr>
+                  <p14:cNvPr id="52" name="Ink 51">
+                    <a:extLst>
+                      <a:ext uri="{FF2B5EF4-FFF2-40B4-BE49-F238E27FC236}">
+                        <a16:creationId xmlns:a16="http://schemas.microsoft.com/office/drawing/2014/main" id="{552007DD-D5EF-E24E-BFAC-DAFFA24D9C63}"/>
+                      </a:ext>
+                    </a:extLst>
+                  </p14:cNvPr>
+                  <p14:cNvContentPartPr/>
+                  <p14:nvPr/>
+                </p14:nvContentPartPr>
+                <p14:xfrm>
+                  <a:off x="6254805" y="1473051"/>
+                  <a:ext cx="360" cy="360"/>
+                </p14:xfrm>
+              </p:contentPart>
+            </mc:Choice>
+            <mc:Fallback xmlns="">
+              <p:pic>
+                <p:nvPicPr>
+                  <p:cNvPr id="52" name="Ink 51">
+                    <a:extLst>
+                      <a:ext uri="{FF2B5EF4-FFF2-40B4-BE49-F238E27FC236}">
+                        <a16:creationId xmlns:a16="http://schemas.microsoft.com/office/drawing/2014/main" id="{552007DD-D5EF-E24E-BFAC-DAFFA24D9C63}"/>
+                      </a:ext>
+                    </a:extLst>
+                  </p:cNvPr>
+                  <p:cNvPicPr/>
+                  <p:nvPr/>
+                </p:nvPicPr>
+                <p:blipFill>
+                  <a:blip r:embed="rId49"/>
+                  <a:stretch>
+                    <a:fillRect/>
+                  </a:stretch>
+                </p:blipFill>
+                <p:spPr>
+                  <a:xfrm>
+                    <a:off x="6245805" y="1464051"/>
+                    <a:ext cx="18000" cy="18000"/>
+                  </a:xfrm>
+                  <a:prstGeom prst="rect">
+                    <a:avLst/>
+                  </a:prstGeom>
+                </p:spPr>
+              </p:pic>
+            </mc:Fallback>
+          </mc:AlternateContent>
+          <mc:AlternateContent xmlns:mc="http://schemas.openxmlformats.org/markup-compatibility/2006" xmlns:p14="http://schemas.microsoft.com/office/powerpoint/2010/main">
+            <mc:Choice Requires="p14">
+              <p:contentPart p14:bwMode="auto" r:id="rId50">
+                <p14:nvContentPartPr>
+                  <p14:cNvPr id="53" name="Ink 52">
+                    <a:extLst>
+                      <a:ext uri="{FF2B5EF4-FFF2-40B4-BE49-F238E27FC236}">
+                        <a16:creationId xmlns:a16="http://schemas.microsoft.com/office/drawing/2014/main" id="{D47B6AF3-A783-FB46-847A-E9F4CBCBF431}"/>
+                      </a:ext>
+                    </a:extLst>
+                  </p14:cNvPr>
+                  <p14:cNvContentPartPr/>
+                  <p14:nvPr/>
+                </p14:nvContentPartPr>
+                <p14:xfrm>
+                  <a:off x="6271005" y="1473051"/>
+                  <a:ext cx="60840" cy="59040"/>
+                </p14:xfrm>
+              </p:contentPart>
+            </mc:Choice>
+            <mc:Fallback xmlns="">
+              <p:pic>
+                <p:nvPicPr>
+                  <p:cNvPr id="53" name="Ink 52">
+                    <a:extLst>
+                      <a:ext uri="{FF2B5EF4-FFF2-40B4-BE49-F238E27FC236}">
+                        <a16:creationId xmlns:a16="http://schemas.microsoft.com/office/drawing/2014/main" id="{D47B6AF3-A783-FB46-847A-E9F4CBCBF431}"/>
+                      </a:ext>
+                    </a:extLst>
+                  </p:cNvPr>
+                  <p:cNvPicPr/>
+                  <p:nvPr/>
+                </p:nvPicPr>
+                <p:blipFill>
+                  <a:blip r:embed="rId51"/>
+                  <a:stretch>
+                    <a:fillRect/>
+                  </a:stretch>
+                </p:blipFill>
+                <p:spPr>
+                  <a:xfrm>
+                    <a:off x="6261499" y="1463709"/>
+                    <a:ext cx="79472" cy="77350"/>
+                  </a:xfrm>
+                  <a:prstGeom prst="rect">
+                    <a:avLst/>
+                  </a:prstGeom>
+                </p:spPr>
+              </p:pic>
+            </mc:Fallback>
+          </mc:AlternateContent>
+          <mc:AlternateContent xmlns:mc="http://schemas.openxmlformats.org/markup-compatibility/2006" xmlns:p14="http://schemas.microsoft.com/office/powerpoint/2010/main">
+            <mc:Choice Requires="p14">
+              <p:contentPart p14:bwMode="auto" r:id="rId52">
+                <p14:nvContentPartPr>
+                  <p14:cNvPr id="56" name="Ink 55">
+                    <a:extLst>
+                      <a:ext uri="{FF2B5EF4-FFF2-40B4-BE49-F238E27FC236}">
+                        <a16:creationId xmlns:a16="http://schemas.microsoft.com/office/drawing/2014/main" id="{1B4786C0-8712-0B4E-BD4E-6BF48831D92A}"/>
+                      </a:ext>
+                    </a:extLst>
+                  </p14:cNvPr>
+                  <p14:cNvContentPartPr/>
+                  <p14:nvPr/>
+                </p14:nvContentPartPr>
+                <p14:xfrm>
                   <a:off x="6006765" y="1444885"/>
-                  <a:ext cx="336600" cy="87206"/>
-                  <a:chOff x="6006765" y="1444885"/>
-                  <a:chExt cx="336600" cy="87206"/>
+                  <a:ext cx="336600" cy="78120"/>
+                </p14:xfrm>
+              </p:contentPart>
+            </mc:Choice>
+            <mc:Fallback xmlns="">
+              <p:pic>
+                <p:nvPicPr>
+                  <p:cNvPr id="56" name="Ink 55">
+                    <a:extLst>
+                      <a:ext uri="{FF2B5EF4-FFF2-40B4-BE49-F238E27FC236}">
+                        <a16:creationId xmlns:a16="http://schemas.microsoft.com/office/drawing/2014/main" id="{1B4786C0-8712-0B4E-BD4E-6BF48831D92A}"/>
+                      </a:ext>
+                    </a:extLst>
+                  </p:cNvPr>
+                  <p:cNvPicPr/>
+                  <p:nvPr/>
+                </p:nvPicPr>
+                <p:blipFill>
+                  <a:blip r:embed="rId53"/>
+                  <a:stretch>
+                    <a:fillRect/>
+                  </a:stretch>
+                </p:blipFill>
+                <p:spPr>
+                  <a:xfrm>
+                    <a:off x="5997289" y="1435496"/>
+                    <a:ext cx="355174" cy="96523"/>
+                  </a:xfrm>
+                  <a:prstGeom prst="rect">
+                    <a:avLst/>
+                  </a:prstGeom>
+                </p:spPr>
+              </p:pic>
+            </mc:Fallback>
+          </mc:AlternateContent>
+          <mc:AlternateContent xmlns:mc="http://schemas.openxmlformats.org/markup-compatibility/2006" xmlns:p14="http://schemas.microsoft.com/office/powerpoint/2010/main">
+            <mc:Choice Requires="p14">
+              <p:contentPart p14:bwMode="auto" r:id="rId54">
+                <p14:nvContentPartPr>
+                  <p14:cNvPr id="58" name="Ink 57">
+                    <a:extLst>
+                      <a:ext uri="{FF2B5EF4-FFF2-40B4-BE49-F238E27FC236}">
+                        <a16:creationId xmlns:a16="http://schemas.microsoft.com/office/drawing/2014/main" id="{956C10D9-A3C8-D944-AFB6-7B2FED6377BE}"/>
+                      </a:ext>
+                    </a:extLst>
+                  </p14:cNvPr>
+                  <p14:cNvContentPartPr/>
+                  <p14:nvPr/>
+                </p14:nvContentPartPr>
+                <p14:xfrm>
+                  <a:off x="6317085" y="1507165"/>
+                  <a:ext cx="2160" cy="19080"/>
+                </p14:xfrm>
+              </p:contentPart>
+            </mc:Choice>
+            <mc:Fallback xmlns="">
+              <p:pic>
+                <p:nvPicPr>
+                  <p:cNvPr id="58" name="Ink 57">
+                    <a:extLst>
+                      <a:ext uri="{FF2B5EF4-FFF2-40B4-BE49-F238E27FC236}">
+                        <a16:creationId xmlns:a16="http://schemas.microsoft.com/office/drawing/2014/main" id="{956C10D9-A3C8-D944-AFB6-7B2FED6377BE}"/>
+                      </a:ext>
+                    </a:extLst>
+                  </p:cNvPr>
+                  <p:cNvPicPr/>
+                  <p:nvPr/>
+                </p:nvPicPr>
+                <p:blipFill>
+                  <a:blip r:embed="rId55"/>
+                  <a:stretch>
+                    <a:fillRect/>
+                  </a:stretch>
+                </p:blipFill>
+                <p:spPr>
+                  <a:xfrm>
+                    <a:off x="6308085" y="1497812"/>
+                    <a:ext cx="19800" cy="37412"/>
+                  </a:xfrm>
+                  <a:prstGeom prst="rect">
+                    <a:avLst/>
+                  </a:prstGeom>
+                </p:spPr>
+              </p:pic>
+            </mc:Fallback>
+          </mc:AlternateContent>
+        </p:grpSp>
+        <mc:AlternateContent xmlns:mc="http://schemas.openxmlformats.org/markup-compatibility/2006" xmlns:p14="http://schemas.microsoft.com/office/powerpoint/2010/main">
+          <mc:Choice Requires="p14">
+            <p:contentPart p14:bwMode="auto" r:id="rId56">
+              <p14:nvContentPartPr>
+                <p14:cNvPr id="60" name="Ink 59">
+                  <a:extLst>
+                    <a:ext uri="{FF2B5EF4-FFF2-40B4-BE49-F238E27FC236}">
+                      <a16:creationId xmlns:a16="http://schemas.microsoft.com/office/drawing/2014/main" id="{0897C759-C083-C443-816C-D750DD2B9EB6}"/>
+                    </a:ext>
+                  </a:extLst>
+                </p14:cNvPr>
+                <p14:cNvContentPartPr/>
+                <p14:nvPr/>
+              </p14:nvContentPartPr>
+              <p14:xfrm>
+                <a:off x="5433285" y="1341925"/>
+                <a:ext cx="49680" cy="32760"/>
+              </p14:xfrm>
+            </p:contentPart>
+          </mc:Choice>
+          <mc:Fallback xmlns="">
+            <p:pic>
+              <p:nvPicPr>
+                <p:cNvPr id="60" name="Ink 59">
+                  <a:extLst>
+                    <a:ext uri="{FF2B5EF4-FFF2-40B4-BE49-F238E27FC236}">
+                      <a16:creationId xmlns:a16="http://schemas.microsoft.com/office/drawing/2014/main" id="{0897C759-C083-C443-816C-D750DD2B9EB6}"/>
+                    </a:ext>
+                  </a:extLst>
+                </p:cNvPr>
+                <p:cNvPicPr/>
+                <p:nvPr/>
+              </p:nvPicPr>
+              <p:blipFill>
+                <a:blip r:embed="rId57"/>
+                <a:stretch>
+                  <a:fillRect/>
+                </a:stretch>
+              </p:blipFill>
+              <p:spPr>
+                <a:xfrm>
+                  <a:off x="5423876" y="1332618"/>
+                  <a:ext cx="68122" cy="51001"/>
                 </a:xfrm>
-              </p:grpSpPr>
-              <mc:AlternateContent xmlns:mc="http://schemas.openxmlformats.org/markup-compatibility/2006" xmlns:p14="http://schemas.microsoft.com/office/powerpoint/2010/main">
-                <mc:Choice Requires="p14">
-                  <p:contentPart p14:bwMode="auto" r:id="rId48">
-                    <p14:nvContentPartPr>
-                      <p14:cNvPr id="52" name="Ink 51">
-                        <a:extLst>
-                          <a:ext uri="{FF2B5EF4-FFF2-40B4-BE49-F238E27FC236}">
-                            <a16:creationId xmlns:a16="http://schemas.microsoft.com/office/drawing/2014/main" id="{552007DD-D5EF-E24E-BFAC-DAFFA24D9C63}"/>
-                          </a:ext>
-                        </a:extLst>
-                      </p14:cNvPr>
-                      <p14:cNvContentPartPr/>
-                      <p14:nvPr/>
-                    </p14:nvContentPartPr>
-                    <p14:xfrm>
-                      <a:off x="6254805" y="1473051"/>
-                      <a:ext cx="360" cy="360"/>
-                    </p14:xfrm>
-                  </p:contentPart>
-                </mc:Choice>
-                <mc:Fallback xmlns="">
-                  <p:pic>
-                    <p:nvPicPr>
-                      <p:cNvPr id="52" name="Ink 51">
-                        <a:extLst>
-                          <a:ext uri="{FF2B5EF4-FFF2-40B4-BE49-F238E27FC236}">
-                            <a16:creationId xmlns:a16="http://schemas.microsoft.com/office/drawing/2014/main" id="{552007DD-D5EF-E24E-BFAC-DAFFA24D9C63}"/>
-                          </a:ext>
-                        </a:extLst>
-                      </p:cNvPr>
-                      <p:cNvPicPr/>
-                      <p:nvPr/>
-                    </p:nvPicPr>
-                    <p:blipFill>
-                      <a:blip r:embed="rId49"/>
-                      <a:stretch>
-                        <a:fillRect/>
-                      </a:stretch>
-                    </p:blipFill>
-                    <p:spPr>
-                      <a:xfrm>
-                        <a:off x="6245805" y="1464051"/>
-                        <a:ext cx="18000" cy="18000"/>
-                      </a:xfrm>
-                      <a:prstGeom prst="rect">
-                        <a:avLst/>
-                      </a:prstGeom>
-                    </p:spPr>
-                  </p:pic>
-                </mc:Fallback>
-              </mc:AlternateContent>
-              <mc:AlternateContent xmlns:mc="http://schemas.openxmlformats.org/markup-compatibility/2006" xmlns:p14="http://schemas.microsoft.com/office/powerpoint/2010/main">
-                <mc:Choice Requires="p14">
-                  <p:contentPart p14:bwMode="auto" r:id="rId50">
-                    <p14:nvContentPartPr>
-                      <p14:cNvPr id="53" name="Ink 52">
-                        <a:extLst>
-                          <a:ext uri="{FF2B5EF4-FFF2-40B4-BE49-F238E27FC236}">
-                            <a16:creationId xmlns:a16="http://schemas.microsoft.com/office/drawing/2014/main" id="{D47B6AF3-A783-FB46-847A-E9F4CBCBF431}"/>
-                          </a:ext>
-                        </a:extLst>
-                      </p14:cNvPr>
-                      <p14:cNvContentPartPr/>
-                      <p14:nvPr/>
-                    </p14:nvContentPartPr>
-                    <p14:xfrm>
-                      <a:off x="6271005" y="1473051"/>
-                      <a:ext cx="60840" cy="59040"/>
-                    </p14:xfrm>
-                  </p:contentPart>
-                </mc:Choice>
-                <mc:Fallback xmlns="">
-                  <p:pic>
-                    <p:nvPicPr>
-                      <p:cNvPr id="53" name="Ink 52">
-                        <a:extLst>
-                          <a:ext uri="{FF2B5EF4-FFF2-40B4-BE49-F238E27FC236}">
-                            <a16:creationId xmlns:a16="http://schemas.microsoft.com/office/drawing/2014/main" id="{D47B6AF3-A783-FB46-847A-E9F4CBCBF431}"/>
-                          </a:ext>
-                        </a:extLst>
-                      </p:cNvPr>
-                      <p:cNvPicPr/>
-                      <p:nvPr/>
-                    </p:nvPicPr>
-                    <p:blipFill>
-                      <a:blip r:embed="rId51"/>
-                      <a:stretch>
-                        <a:fillRect/>
-                      </a:stretch>
-                    </p:blipFill>
-                    <p:spPr>
-                      <a:xfrm>
-                        <a:off x="6261499" y="1463709"/>
-                        <a:ext cx="79472" cy="77350"/>
-                      </a:xfrm>
-                      <a:prstGeom prst="rect">
-                        <a:avLst/>
-                      </a:prstGeom>
-                    </p:spPr>
-                  </p:pic>
-                </mc:Fallback>
-              </mc:AlternateContent>
-              <mc:AlternateContent xmlns:mc="http://schemas.openxmlformats.org/markup-compatibility/2006" xmlns:p14="http://schemas.microsoft.com/office/powerpoint/2010/main">
-                <mc:Choice Requires="p14">
-                  <p:contentPart p14:bwMode="auto" r:id="rId52">
-                    <p14:nvContentPartPr>
-                      <p14:cNvPr id="56" name="Ink 55">
-                        <a:extLst>
-                          <a:ext uri="{FF2B5EF4-FFF2-40B4-BE49-F238E27FC236}">
-                            <a16:creationId xmlns:a16="http://schemas.microsoft.com/office/drawing/2014/main" id="{1B4786C0-8712-0B4E-BD4E-6BF48831D92A}"/>
-                          </a:ext>
-                        </a:extLst>
-                      </p14:cNvPr>
-                      <p14:cNvContentPartPr/>
-                      <p14:nvPr/>
-                    </p14:nvContentPartPr>
-                    <p14:xfrm>
-                      <a:off x="6006765" y="1444885"/>
-                      <a:ext cx="336600" cy="78120"/>
-                    </p14:xfrm>
-                  </p:contentPart>
-                </mc:Choice>
-                <mc:Fallback xmlns="">
-                  <p:pic>
-                    <p:nvPicPr>
-                      <p:cNvPr id="56" name="Ink 55">
-                        <a:extLst>
-                          <a:ext uri="{FF2B5EF4-FFF2-40B4-BE49-F238E27FC236}">
-                            <a16:creationId xmlns:a16="http://schemas.microsoft.com/office/drawing/2014/main" id="{1B4786C0-8712-0B4E-BD4E-6BF48831D92A}"/>
-                          </a:ext>
-                        </a:extLst>
-                      </p:cNvPr>
-                      <p:cNvPicPr/>
-                      <p:nvPr/>
-                    </p:nvPicPr>
-                    <p:blipFill>
-                      <a:blip r:embed="rId53"/>
-                      <a:stretch>
-                        <a:fillRect/>
-                      </a:stretch>
-                    </p:blipFill>
-                    <p:spPr>
-                      <a:xfrm>
-                        <a:off x="5997289" y="1435496"/>
-                        <a:ext cx="355174" cy="96523"/>
-                      </a:xfrm>
-                      <a:prstGeom prst="rect">
-                        <a:avLst/>
-                      </a:prstGeom>
-                    </p:spPr>
-                  </p:pic>
-                </mc:Fallback>
-              </mc:AlternateContent>
-              <mc:AlternateContent xmlns:mc="http://schemas.openxmlformats.org/markup-compatibility/2006" xmlns:p14="http://schemas.microsoft.com/office/powerpoint/2010/main">
-                <mc:Choice Requires="p14">
-                  <p:contentPart p14:bwMode="auto" r:id="rId54">
-                    <p14:nvContentPartPr>
-                      <p14:cNvPr id="58" name="Ink 57">
-                        <a:extLst>
-                          <a:ext uri="{FF2B5EF4-FFF2-40B4-BE49-F238E27FC236}">
-                            <a16:creationId xmlns:a16="http://schemas.microsoft.com/office/drawing/2014/main" id="{956C10D9-A3C8-D944-AFB6-7B2FED6377BE}"/>
-                          </a:ext>
-                        </a:extLst>
-                      </p14:cNvPr>
-                      <p14:cNvContentPartPr/>
-                      <p14:nvPr/>
-                    </p14:nvContentPartPr>
-                    <p14:xfrm>
-                      <a:off x="6317085" y="1507165"/>
-                      <a:ext cx="2160" cy="19080"/>
-                    </p14:xfrm>
-                  </p:contentPart>
-                </mc:Choice>
-                <mc:Fallback xmlns="">
-                  <p:pic>
-                    <p:nvPicPr>
-                      <p:cNvPr id="58" name="Ink 57">
-                        <a:extLst>
-                          <a:ext uri="{FF2B5EF4-FFF2-40B4-BE49-F238E27FC236}">
-                            <a16:creationId xmlns:a16="http://schemas.microsoft.com/office/drawing/2014/main" id="{956C10D9-A3C8-D944-AFB6-7B2FED6377BE}"/>
-                          </a:ext>
-                        </a:extLst>
-                      </p:cNvPr>
-                      <p:cNvPicPr/>
-                      <p:nvPr/>
-                    </p:nvPicPr>
-                    <p:blipFill>
-                      <a:blip r:embed="rId55"/>
-                      <a:stretch>
-                        <a:fillRect/>
-                      </a:stretch>
-                    </p:blipFill>
-                    <p:spPr>
-                      <a:xfrm>
-                        <a:off x="6308085" y="1497812"/>
-                        <a:ext cx="19800" cy="37412"/>
-                      </a:xfrm>
-                      <a:prstGeom prst="rect">
-                        <a:avLst/>
-                      </a:prstGeom>
-                    </p:spPr>
-                  </p:pic>
-                </mc:Fallback>
-              </mc:AlternateContent>
-            </p:grpSp>
-            <mc:AlternateContent xmlns:mc="http://schemas.openxmlformats.org/markup-compatibility/2006" xmlns:p14="http://schemas.microsoft.com/office/powerpoint/2010/main">
-              <mc:Choice Requires="p14">
-                <p:contentPart p14:bwMode="auto" r:id="rId56">
-                  <p14:nvContentPartPr>
-                    <p14:cNvPr id="60" name="Ink 59">
-                      <a:extLst>
-                        <a:ext uri="{FF2B5EF4-FFF2-40B4-BE49-F238E27FC236}">
-                          <a16:creationId xmlns:a16="http://schemas.microsoft.com/office/drawing/2014/main" id="{0897C759-C083-C443-816C-D750DD2B9EB6}"/>
-                        </a:ext>
-                      </a:extLst>
-                    </p14:cNvPr>
-                    <p14:cNvContentPartPr/>
-                    <p14:nvPr/>
-                  </p14:nvContentPartPr>
-                  <p14:xfrm>
-                    <a:off x="5433285" y="1341925"/>
-                    <a:ext cx="49680" cy="32760"/>
-                  </p14:xfrm>
-                </p:contentPart>
-              </mc:Choice>
-              <mc:Fallback xmlns="">
-                <p:pic>
-                  <p:nvPicPr>
-                    <p:cNvPr id="60" name="Ink 59">
-                      <a:extLst>
-                        <a:ext uri="{FF2B5EF4-FFF2-40B4-BE49-F238E27FC236}">
-                          <a16:creationId xmlns:a16="http://schemas.microsoft.com/office/drawing/2014/main" id="{0897C759-C083-C443-816C-D750DD2B9EB6}"/>
-                        </a:ext>
-                      </a:extLst>
-                    </p:cNvPr>
-                    <p:cNvPicPr/>
-                    <p:nvPr/>
-                  </p:nvPicPr>
-                  <p:blipFill>
-                    <a:blip r:embed="rId57"/>
-                    <a:stretch>
-                      <a:fillRect/>
-                    </a:stretch>
-                  </p:blipFill>
-                  <p:spPr>
-                    <a:xfrm>
-                      <a:off x="5423876" y="1332618"/>
-                      <a:ext cx="68122" cy="51001"/>
-                    </a:xfrm>
-                    <a:prstGeom prst="rect">
-                      <a:avLst/>
-                    </a:prstGeom>
-                  </p:spPr>
-                </p:pic>
-              </mc:Fallback>
-            </mc:AlternateContent>
-            <mc:AlternateContent xmlns:mc="http://schemas.openxmlformats.org/markup-compatibility/2006" xmlns:p14="http://schemas.microsoft.com/office/powerpoint/2010/main">
-              <mc:Choice Requires="p14">
-                <p:contentPart p14:bwMode="auto" r:id="rId58">
-                  <p14:nvContentPartPr>
-                    <p14:cNvPr id="61" name="Ink 60">
-                      <a:extLst>
-                        <a:ext uri="{FF2B5EF4-FFF2-40B4-BE49-F238E27FC236}">
-                          <a16:creationId xmlns:a16="http://schemas.microsoft.com/office/drawing/2014/main" id="{7DCDE31E-204A-BF42-9843-925133769C22}"/>
-                        </a:ext>
-                      </a:extLst>
-                    </p14:cNvPr>
-                    <p14:cNvContentPartPr/>
-                    <p14:nvPr/>
-                  </p14:nvContentPartPr>
-                  <p14:xfrm>
-                    <a:off x="6639646" y="1444495"/>
-                    <a:ext cx="360" cy="360"/>
-                  </p14:xfrm>
-                </p:contentPart>
-              </mc:Choice>
-              <mc:Fallback xmlns="">
-                <p:pic>
-                  <p:nvPicPr>
-                    <p:cNvPr id="61" name="Ink 60">
-                      <a:extLst>
-                        <a:ext uri="{FF2B5EF4-FFF2-40B4-BE49-F238E27FC236}">
-                          <a16:creationId xmlns:a16="http://schemas.microsoft.com/office/drawing/2014/main" id="{7DCDE31E-204A-BF42-9843-925133769C22}"/>
-                        </a:ext>
-                      </a:extLst>
-                    </p:cNvPr>
-                    <p:cNvPicPr/>
-                    <p:nvPr/>
-                  </p:nvPicPr>
-                  <p:blipFill>
-                    <a:blip r:embed="rId49"/>
-                    <a:stretch>
-                      <a:fillRect/>
-                    </a:stretch>
-                  </p:blipFill>
-                  <p:spPr>
-                    <a:xfrm>
-                      <a:off x="6630646" y="1435495"/>
-                      <a:ext cx="18000" cy="18000"/>
-                    </a:xfrm>
-                    <a:prstGeom prst="rect">
-                      <a:avLst/>
-                    </a:prstGeom>
-                  </p:spPr>
-                </p:pic>
-              </mc:Fallback>
-            </mc:AlternateContent>
-          </p:grpSp>
-          <p:sp>
-            <p:nvSpPr>
-              <p:cNvPr id="65" name="TextBox 64">
-                <a:extLst>
-                  <a:ext uri="{FF2B5EF4-FFF2-40B4-BE49-F238E27FC236}">
-                    <a16:creationId xmlns:a16="http://schemas.microsoft.com/office/drawing/2014/main" id="{57E3199C-8043-4943-8C5A-FEF0AE8D899D}"/>
-                  </a:ext>
-                </a:extLst>
-              </p:cNvPr>
-              <p:cNvSpPr txBox="1"/>
-              <p:nvPr/>
-            </p:nvSpPr>
-            <p:spPr>
-              <a:xfrm>
-                <a:off x="-60620" y="1270001"/>
-                <a:ext cx="4241800" cy="1569660"/>
-              </a:xfrm>
-              <a:prstGeom prst="rect">
-                <a:avLst/>
-              </a:prstGeom>
-              <a:noFill/>
-            </p:spPr>
-            <p:txBody>
-              <a:bodyPr wrap="square" rtlCol="0">
-                <a:spAutoFit/>
-              </a:bodyPr>
-              <a:lstStyle/>
-              <a:p>
-                <a:pPr algn="ctr"/>
-                <a:br>
-                  <a:rPr lang="en-US" sz="2400" dirty="0">
-                    <a:solidFill>
-                      <a:srgbClr val="11165D"/>
-                    </a:solidFill>
-                  </a:rPr>
-                </a:br>
-                <a:r>
-                  <a:rPr lang="en-US" sz="2800" dirty="0">
-                    <a:solidFill>
-                      <a:srgbClr val="11165D"/>
-                    </a:solidFill>
-                    <a:latin typeface="Impact" panose="020B0806030902050204" pitchFamily="34" charset="0"/>
-                  </a:rPr>
-                  <a:t>THE MORNING STAR AND ST.MICHAEL STAR</a:t>
-                </a:r>
-                <a:br>
-                  <a:rPr lang="en-US" sz="2800" dirty="0">
-                    <a:solidFill>
-                      <a:srgbClr val="11165D"/>
-                    </a:solidFill>
-                  </a:rPr>
-                </a:br>
-                <a:r>
-                  <a:rPr lang="en-US" sz="1600" spc="300" dirty="0">
-                    <a:solidFill>
-                      <a:srgbClr val="11165D"/>
-                    </a:solidFill>
-                    <a:latin typeface="Helvetica Neue Thin" panose="020B0403020202020204" pitchFamily="34" charset="0"/>
-                    <a:ea typeface="Helvetica Neue Thin" panose="020B0403020202020204" pitchFamily="34" charset="0"/>
-                  </a:rPr>
-                  <a:t>LONDON PROVINCE</a:t>
-                </a:r>
-                <a:endParaRPr lang="en-US" spc="300" dirty="0">
-                  <a:solidFill>
-                    <a:srgbClr val="11165D"/>
-                  </a:solidFill>
-                  <a:latin typeface="Helvetica Neue Thin" panose="020B0403020202020204" pitchFamily="34" charset="0"/>
-                  <a:ea typeface="Helvetica Neue Thin" panose="020B0403020202020204" pitchFamily="34" charset="0"/>
-                </a:endParaRPr>
-              </a:p>
-            </p:txBody>
-          </p:sp>
-          <p:sp>
-            <p:nvSpPr>
-              <p:cNvPr id="2" name="TextBox 1">
-                <a:extLst>
-                  <a:ext uri="{FF2B5EF4-FFF2-40B4-BE49-F238E27FC236}">
-                    <a16:creationId xmlns:a16="http://schemas.microsoft.com/office/drawing/2014/main" id="{61C79550-05D1-6B44-AC82-8C68C3E54729}"/>
-                  </a:ext>
-                </a:extLst>
-              </p:cNvPr>
-              <p:cNvSpPr txBox="1"/>
-              <p:nvPr/>
-            </p:nvSpPr>
-            <p:spPr>
-              <a:xfrm>
-                <a:off x="688680" y="2839661"/>
-                <a:ext cx="2968920" cy="2554545"/>
-              </a:xfrm>
-              <a:prstGeom prst="rect">
-                <a:avLst/>
-              </a:prstGeom>
-              <a:noFill/>
-            </p:spPr>
-            <p:txBody>
-              <a:bodyPr wrap="square" rtlCol="0">
-                <a:spAutoFit/>
-              </a:bodyPr>
-              <a:lstStyle/>
-              <a:p>
-                <a:r>
-                  <a:rPr lang="en-GB" sz="1600" dirty="0">
-                    <a:latin typeface="Helvetica Neue Light" panose="02000403000000020004" pitchFamily="2" charset="0"/>
-                    <a:ea typeface="Helvetica Neue Light" panose="02000403000000020004" pitchFamily="2" charset="0"/>
-                    <a:cs typeface="Helvetica Neue" panose="02000503000000020004" pitchFamily="2" charset="0"/>
-                  </a:rPr>
-                  <a:t>I would like to welcome you to the warm embrace of this Family Church where; Loving God and loving one another is a cherished culture. Your peculiarity is treasured and integrated. Your spiritual life is built on the strong foundation of Faith and the power of the Holy Ghost.</a:t>
-                </a:r>
-                <a:endParaRPr lang="en-US" sz="1600" dirty="0">
-                  <a:latin typeface="Helvetica Neue Light" panose="02000403000000020004" pitchFamily="2" charset="0"/>
-                  <a:ea typeface="Helvetica Neue Light" panose="02000403000000020004" pitchFamily="2" charset="0"/>
-                  <a:cs typeface="Helvetica Neue" panose="02000503000000020004" pitchFamily="2" charset="0"/>
-                </a:endParaRPr>
-              </a:p>
-            </p:txBody>
-          </p:sp>
-        </p:grpSp>
+                <a:prstGeom prst="rect">
+                  <a:avLst/>
+                </a:prstGeom>
+              </p:spPr>
+            </p:pic>
+          </mc:Fallback>
+        </mc:AlternateContent>
+        <mc:AlternateContent xmlns:mc="http://schemas.openxmlformats.org/markup-compatibility/2006" xmlns:p14="http://schemas.microsoft.com/office/powerpoint/2010/main">
+          <mc:Choice Requires="p14">
+            <p:contentPart p14:bwMode="auto" r:id="rId58">
+              <p14:nvContentPartPr>
+                <p14:cNvPr id="61" name="Ink 60">
+                  <a:extLst>
+                    <a:ext uri="{FF2B5EF4-FFF2-40B4-BE49-F238E27FC236}">
+                      <a16:creationId xmlns:a16="http://schemas.microsoft.com/office/drawing/2014/main" id="{7DCDE31E-204A-BF42-9843-925133769C22}"/>
+                    </a:ext>
+                  </a:extLst>
+                </p14:cNvPr>
+                <p14:cNvContentPartPr/>
+                <p14:nvPr/>
+              </p14:nvContentPartPr>
+              <p14:xfrm>
+                <a:off x="6639646" y="1444495"/>
+                <a:ext cx="360" cy="360"/>
+              </p14:xfrm>
+            </p:contentPart>
+          </mc:Choice>
+          <mc:Fallback xmlns="">
+            <p:pic>
+              <p:nvPicPr>
+                <p:cNvPr id="61" name="Ink 60">
+                  <a:extLst>
+                    <a:ext uri="{FF2B5EF4-FFF2-40B4-BE49-F238E27FC236}">
+                      <a16:creationId xmlns:a16="http://schemas.microsoft.com/office/drawing/2014/main" id="{7DCDE31E-204A-BF42-9843-925133769C22}"/>
+                    </a:ext>
+                  </a:extLst>
+                </p:cNvPr>
+                <p:cNvPicPr/>
+                <p:nvPr/>
+              </p:nvPicPr>
+              <p:blipFill>
+                <a:blip r:embed="rId49"/>
+                <a:stretch>
+                  <a:fillRect/>
+                </a:stretch>
+              </p:blipFill>
+              <p:spPr>
+                <a:xfrm>
+                  <a:off x="6630646" y="1435495"/>
+                  <a:ext cx="18000" cy="18000"/>
+                </a:xfrm>
+                <a:prstGeom prst="rect">
+                  <a:avLst/>
+                </a:prstGeom>
+              </p:spPr>
+            </p:pic>
+          </mc:Fallback>
+        </mc:AlternateContent>
       </p:grpSp>
+      <p:sp>
+        <p:nvSpPr>
+          <p:cNvPr id="65" name="TextBox 64">
+            <a:extLst>
+              <a:ext uri="{FF2B5EF4-FFF2-40B4-BE49-F238E27FC236}">
+                <a16:creationId xmlns:a16="http://schemas.microsoft.com/office/drawing/2014/main" id="{57E3199C-8043-4943-8C5A-FEF0AE8D899D}"/>
+              </a:ext>
+            </a:extLst>
+          </p:cNvPr>
+          <p:cNvSpPr txBox="1"/>
+          <p:nvPr/>
+        </p:nvSpPr>
+        <p:spPr>
+          <a:xfrm>
+            <a:off x="-350996" y="1121720"/>
+            <a:ext cx="4241800" cy="1569660"/>
+          </a:xfrm>
+          <a:prstGeom prst="rect">
+            <a:avLst/>
+          </a:prstGeom>
+          <a:noFill/>
+        </p:spPr>
+        <p:txBody>
+          <a:bodyPr wrap="square" rtlCol="0">
+            <a:spAutoFit/>
+          </a:bodyPr>
+          <a:lstStyle/>
+          <a:p>
+            <a:pPr algn="ctr"/>
+            <a:br>
+              <a:rPr lang="en-US" sz="2400" dirty="0">
+                <a:solidFill>
+                  <a:srgbClr val="11165D"/>
+                </a:solidFill>
+              </a:rPr>
+            </a:br>
+            <a:r>
+              <a:rPr lang="en-US" sz="2800" dirty="0">
+                <a:solidFill>
+                  <a:srgbClr val="11165D"/>
+                </a:solidFill>
+                <a:latin typeface="Impact" panose="020B0806030902050204" pitchFamily="34" charset="0"/>
+              </a:rPr>
+              <a:t>THE MORNING STAR AND ST.MICHAEL STAR</a:t>
+            </a:r>
+            <a:br>
+              <a:rPr lang="en-US" sz="2800" dirty="0">
+                <a:solidFill>
+                  <a:srgbClr val="11165D"/>
+                </a:solidFill>
+              </a:rPr>
+            </a:br>
+            <a:r>
+              <a:rPr lang="en-US" sz="1600" spc="300" dirty="0">
+                <a:solidFill>
+                  <a:srgbClr val="11165D"/>
+                </a:solidFill>
+                <a:latin typeface="Helvetica Neue Thin" panose="020B0403020202020204" pitchFamily="34" charset="0"/>
+                <a:ea typeface="Helvetica Neue Thin" panose="020B0403020202020204" pitchFamily="34" charset="0"/>
+              </a:rPr>
+              <a:t>LONDON PROVINCE</a:t>
+            </a:r>
+            <a:endParaRPr lang="en-US" spc="300" dirty="0">
+              <a:solidFill>
+                <a:srgbClr val="11165D"/>
+              </a:solidFill>
+              <a:latin typeface="Helvetica Neue Thin" panose="020B0403020202020204" pitchFamily="34" charset="0"/>
+              <a:ea typeface="Helvetica Neue Thin" panose="020B0403020202020204" pitchFamily="34" charset="0"/>
+            </a:endParaRPr>
+          </a:p>
+        </p:txBody>
+      </p:sp>
+      <p:sp>
+        <p:nvSpPr>
+          <p:cNvPr id="2" name="TextBox 1">
+            <a:extLst>
+              <a:ext uri="{FF2B5EF4-FFF2-40B4-BE49-F238E27FC236}">
+                <a16:creationId xmlns:a16="http://schemas.microsoft.com/office/drawing/2014/main" id="{61C79550-05D1-6B44-AC82-8C68C3E54729}"/>
+              </a:ext>
+            </a:extLst>
+          </p:cNvPr>
+          <p:cNvSpPr txBox="1"/>
+          <p:nvPr/>
+        </p:nvSpPr>
+        <p:spPr>
+          <a:xfrm>
+            <a:off x="248299" y="2691380"/>
+            <a:ext cx="2968920" cy="2554545"/>
+          </a:xfrm>
+          <a:prstGeom prst="rect">
+            <a:avLst/>
+          </a:prstGeom>
+          <a:noFill/>
+        </p:spPr>
+        <p:txBody>
+          <a:bodyPr wrap="square" rtlCol="0">
+            <a:spAutoFit/>
+          </a:bodyPr>
+          <a:lstStyle/>
+          <a:p>
+            <a:r>
+              <a:rPr lang="en-GB" sz="1600" dirty="0">
+                <a:latin typeface="Helvetica Neue Light" panose="02000403000000020004" pitchFamily="2" charset="0"/>
+                <a:ea typeface="Helvetica Neue Light" panose="02000403000000020004" pitchFamily="2" charset="0"/>
+                <a:cs typeface="Helvetica Neue" panose="02000503000000020004" pitchFamily="2" charset="0"/>
+              </a:rPr>
+              <a:t>I would like to welcome you to the warm embrace of this Family Church where; Loving God and loving one another is a cherished culture. Your peculiarity is treasured and integrated. Your spiritual life is built on the strong foundation of Faith and the power of the Holy Ghost.</a:t>
+            </a:r>
+            <a:endParaRPr lang="en-US" sz="1600" dirty="0">
+              <a:latin typeface="Helvetica Neue Light" panose="02000403000000020004" pitchFamily="2" charset="0"/>
+              <a:ea typeface="Helvetica Neue Light" panose="02000403000000020004" pitchFamily="2" charset="0"/>
+              <a:cs typeface="Helvetica Neue" panose="02000503000000020004" pitchFamily="2" charset="0"/>
+            </a:endParaRPr>
+          </a:p>
+        </p:txBody>
+      </p:sp>
     </p:spTree>
     <p:extLst>
       <p:ext uri="{BB962C8B-B14F-4D97-AF65-F5344CB8AC3E}">
@@ -11108,7 +11010,7 @@
           </p:cNvPicPr>
           <p:nvPr/>
         </p:nvPicPr>
-        <p:blipFill>
+        <p:blipFill rotWithShape="1">
           <a:blip r:embed="rId2">
             <a:extLst>
               <a:ext uri="{BEBA8EAE-BF5A-486C-A8C5-ECC9F3942E4B}">
@@ -11297,14 +11199,13 @@
               </a:ext>
             </a:extLst>
           </a:blip>
-          <a:stretch>
-            <a:fillRect/>
-          </a:stretch>
+          <a:srcRect l="8138" t="27209" r="7856" b="8468"/>
+          <a:stretch/>
         </p:blipFill>
         <p:spPr>
           <a:xfrm>
-            <a:off x="955010" y="0"/>
-            <a:ext cx="10281980" cy="6858000"/>
+            <a:off x="1791730" y="1865871"/>
+            <a:ext cx="8637373" cy="4411362"/>
           </a:xfrm>
           <a:prstGeom prst="rect">
             <a:avLst/>
@@ -11355,10 +11256,10 @@
         </p:nvGrpSpPr>
         <p:grpSpPr>
           <a:xfrm>
-            <a:off x="3776466" y="2055830"/>
-            <a:ext cx="4860907" cy="2006600"/>
-            <a:chOff x="5194300" y="2425700"/>
-            <a:chExt cx="5583291" cy="2006600"/>
+            <a:off x="3669957" y="2347786"/>
+            <a:ext cx="6748039" cy="1855805"/>
+            <a:chOff x="5835754" y="2717654"/>
+            <a:chExt cx="5601635" cy="1451527"/>
           </a:xfrm>
         </p:grpSpPr>
         <p:pic>
@@ -11383,8 +11284,8 @@
           </p:blipFill>
           <p:spPr>
             <a:xfrm>
-              <a:off x="5194300" y="2425700"/>
-              <a:ext cx="1803400" cy="2006600"/>
+              <a:off x="5835754" y="2717654"/>
+              <a:ext cx="1234182" cy="1373245"/>
             </a:xfrm>
             <a:prstGeom prst="rect">
               <a:avLst/>
@@ -11405,8 +11306,8 @@
           </p:nvSpPr>
           <p:spPr>
             <a:xfrm>
-              <a:off x="7110716" y="3013681"/>
-              <a:ext cx="3666875" cy="1077218"/>
+              <a:off x="7007757" y="3013681"/>
+              <a:ext cx="4429632" cy="1155500"/>
             </a:xfrm>
             <a:prstGeom prst="rect">
               <a:avLst/>
@@ -11420,7 +11321,7 @@
             <a:lstStyle/>
             <a:p>
               <a:r>
-                <a:rPr lang="en-US" sz="2400" dirty="0">
+                <a:rPr lang="en-US" sz="3600" dirty="0">
                   <a:solidFill>
                     <a:schemeClr val="tx1">
                       <a:lumMod val="65000"/>
@@ -11435,66 +11336,31 @@
             </a:p>
             <a:p>
               <a:r>
-                <a:rPr lang="en-US" sz="4000" b="1" dirty="0" err="1">
+                <a:rPr lang="en-US" sz="5400" b="1" dirty="0" err="1">
                   <a:solidFill>
-                    <a:schemeClr val="tx1">
-                      <a:lumMod val="65000"/>
-                      <a:lumOff val="35000"/>
-                    </a:schemeClr>
+                    <a:srgbClr val="002383"/>
                   </a:solidFill>
                   <a:latin typeface="APPLE CHANCERY" panose="03020702040506060504" pitchFamily="66" charset="-79"/>
                   <a:ea typeface="Helvetica Neue Condensed" panose="02000503000000020004" pitchFamily="2" charset="0"/>
                   <a:cs typeface="APPLE CHANCERY" panose="03020702040506060504" pitchFamily="66" charset="-79"/>
                 </a:rPr>
-                <a:t>MorningStar</a:t>
+                <a:t>Eso</a:t>
               </a:r>
-              <a:endParaRPr lang="en-US" sz="4000" b="1" dirty="0">
-                <a:solidFill>
-                  <a:schemeClr val="tx1">
-                    <a:lumMod val="65000"/>
-                    <a:lumOff val="35000"/>
-                  </a:schemeClr>
-                </a:solidFill>
-                <a:latin typeface="APPLE CHANCERY" panose="03020702040506060504" pitchFamily="66" charset="-79"/>
-                <a:ea typeface="Helvetica Neue Condensed" panose="02000503000000020004" pitchFamily="2" charset="0"/>
-                <a:cs typeface="APPLE CHANCERY" panose="03020702040506060504" pitchFamily="66" charset="-79"/>
-              </a:endParaRPr>
+              <a:r>
+                <a:rPr lang="en-US" sz="5400" b="1" dirty="0">
+                  <a:solidFill>
+                    <a:srgbClr val="002383"/>
+                  </a:solidFill>
+                  <a:latin typeface="APPLE CHANCERY" panose="03020702040506060504" pitchFamily="66" charset="-79"/>
+                  <a:ea typeface="Helvetica Neue Condensed" panose="02000503000000020004" pitchFamily="2" charset="0"/>
+                  <a:cs typeface="APPLE CHANCERY" panose="03020702040506060504" pitchFamily="66" charset="-79"/>
+                </a:rPr>
+                <a:t> Morningstar</a:t>
+              </a:r>
             </a:p>
           </p:txBody>
         </p:sp>
       </p:grpSp>
-      <p:sp>
-        <p:nvSpPr>
-          <p:cNvPr id="9" name="TextBox 8">
-            <a:extLst>
-              <a:ext uri="{FF2B5EF4-FFF2-40B4-BE49-F238E27FC236}">
-                <a16:creationId xmlns:a16="http://schemas.microsoft.com/office/drawing/2014/main" id="{075B49B3-8BA2-0F49-BFD1-78C270960759}"/>
-              </a:ext>
-            </a:extLst>
-          </p:cNvPr>
-          <p:cNvSpPr txBox="1"/>
-          <p:nvPr/>
-        </p:nvSpPr>
-        <p:spPr>
-          <a:xfrm>
-            <a:off x="5955957" y="5399903"/>
-            <a:ext cx="184731" cy="369332"/>
-          </a:xfrm>
-          <a:prstGeom prst="rect">
-            <a:avLst/>
-          </a:prstGeom>
-          <a:noFill/>
-        </p:spPr>
-        <p:txBody>
-          <a:bodyPr wrap="none" rtlCol="0">
-            <a:spAutoFit/>
-          </a:bodyPr>
-          <a:lstStyle/>
-          <a:p>
-            <a:endParaRPr lang="en-US" dirty="0"/>
-          </a:p>
-        </p:txBody>
-      </p:sp>
     </p:spTree>
     <p:extLst>
       <p:ext uri="{BB962C8B-B14F-4D97-AF65-F5344CB8AC3E}">
@@ -11550,31 +11416,93 @@
           </a:p>
         </p:txBody>
       </p:sp>
-      <p:sp>
-        <p:nvSpPr>
-          <p:cNvPr id="3" name="Content Placeholder 2">
+      <p:pic>
+        <p:nvPicPr>
+          <p:cNvPr id="5" name="Picture 4">
             <a:extLst>
               <a:ext uri="{FF2B5EF4-FFF2-40B4-BE49-F238E27FC236}">
-                <a16:creationId xmlns:a16="http://schemas.microsoft.com/office/drawing/2014/main" id="{E5F95983-CF39-944A-A900-3E587E5EF45B}"/>
+                <a16:creationId xmlns:a16="http://schemas.microsoft.com/office/drawing/2014/main" id="{C8F17202-A36D-5545-AE7C-65434555B49B}"/>
               </a:ext>
             </a:extLst>
           </p:cNvPr>
-          <p:cNvSpPr>
-            <a:spLocks noGrp="1"/>
-          </p:cNvSpPr>
-          <p:nvPr>
-            <p:ph idx="1"/>
-          </p:nvPr>
-        </p:nvSpPr>
-        <p:spPr/>
-        <p:txBody>
-          <a:bodyPr/>
-          <a:lstStyle/>
-          <a:p>
-            <a:endParaRPr lang="en-US"/>
-          </a:p>
-        </p:txBody>
-      </p:sp>
+          <p:cNvPicPr>
+            <a:picLocks noChangeAspect="1"/>
+          </p:cNvPicPr>
+          <p:nvPr/>
+        </p:nvPicPr>
+        <p:blipFill rotWithShape="1">
+          <a:blip r:embed="rId2"/>
+          <a:srcRect r="11808" b="13419"/>
+          <a:stretch/>
+        </p:blipFill>
+        <p:spPr>
+          <a:xfrm>
+            <a:off x="3771900" y="2609850"/>
+            <a:ext cx="4099354" cy="1418453"/>
+          </a:xfrm>
+          <a:prstGeom prst="rect">
+            <a:avLst/>
+          </a:prstGeom>
+        </p:spPr>
+      </p:pic>
+      <p:pic>
+        <p:nvPicPr>
+          <p:cNvPr id="9" name="Picture 8">
+            <a:extLst>
+              <a:ext uri="{FF2B5EF4-FFF2-40B4-BE49-F238E27FC236}">
+                <a16:creationId xmlns:a16="http://schemas.microsoft.com/office/drawing/2014/main" id="{AE7C8FDE-6B26-D243-AE36-4C3E947696BE}"/>
+              </a:ext>
+            </a:extLst>
+          </p:cNvPr>
+          <p:cNvPicPr>
+            <a:picLocks noChangeAspect="1"/>
+          </p:cNvPicPr>
+          <p:nvPr/>
+        </p:nvPicPr>
+        <p:blipFill rotWithShape="1">
+          <a:blip r:embed="rId3"/>
+          <a:srcRect r="11808" b="13419"/>
+          <a:stretch/>
+        </p:blipFill>
+        <p:spPr>
+          <a:xfrm>
+            <a:off x="2338516" y="4028303"/>
+            <a:ext cx="4099354" cy="1418453"/>
+          </a:xfrm>
+          <a:prstGeom prst="rect">
+            <a:avLst/>
+          </a:prstGeom>
+        </p:spPr>
+      </p:pic>
+      <p:pic>
+        <p:nvPicPr>
+          <p:cNvPr id="4" name="Picture 3">
+            <a:extLst>
+              <a:ext uri="{FF2B5EF4-FFF2-40B4-BE49-F238E27FC236}">
+                <a16:creationId xmlns:a16="http://schemas.microsoft.com/office/drawing/2014/main" id="{77334B9B-5BCA-1E48-AA16-5D2A337660D8}"/>
+              </a:ext>
+            </a:extLst>
+          </p:cNvPr>
+          <p:cNvPicPr>
+            <a:picLocks noChangeAspect="1"/>
+          </p:cNvPicPr>
+          <p:nvPr/>
+        </p:nvPicPr>
+        <p:blipFill rotWithShape="1">
+          <a:blip r:embed="rId4"/>
+          <a:srcRect t="-479" r="5457" b="16525"/>
+          <a:stretch/>
+        </p:blipFill>
+        <p:spPr>
+          <a:xfrm>
+            <a:off x="2942343" y="5094375"/>
+            <a:ext cx="6483803" cy="1865870"/>
+          </a:xfrm>
+          <a:prstGeom prst="rect">
+            <a:avLst/>
+          </a:prstGeom>
+        </p:spPr>
+      </p:pic>
     </p:spTree>
     <p:extLst>
       <p:ext uri="{BB962C8B-B14F-4D97-AF65-F5344CB8AC3E}">

--- a/src/Images/esomorning/eso2.pptx
+++ b/src/Images/esomorning/eso2.pptx
@@ -2273,7 +2273,7 @@
           <a:p>
             <a:fld id="{719E829B-49E7-4846-A1C8-CDD0D3D544DD}" type="datetimeFigureOut">
               <a:rPr lang="en-US" smtClean="0"/>
-              <a:t>4/14/21</a:t>
+              <a:t>4/17/21</a:t>
             </a:fld>
             <a:endParaRPr lang="en-US"/>
           </a:p>
@@ -2942,7 +2942,7 @@
           <a:p>
             <a:fld id="{8A203ACE-83CD-F240-9C8A-18BD96ECD72F}" type="datetimeFigureOut">
               <a:rPr lang="en-US" smtClean="0"/>
-              <a:t>4/14/21</a:t>
+              <a:t>4/17/21</a:t>
             </a:fld>
             <a:endParaRPr lang="en-US"/>
           </a:p>
@@ -3142,7 +3142,7 @@
           <a:p>
             <a:fld id="{8A203ACE-83CD-F240-9C8A-18BD96ECD72F}" type="datetimeFigureOut">
               <a:rPr lang="en-US" smtClean="0"/>
-              <a:t>4/14/21</a:t>
+              <a:t>4/17/21</a:t>
             </a:fld>
             <a:endParaRPr lang="en-US"/>
           </a:p>
@@ -3352,7 +3352,7 @@
           <a:p>
             <a:fld id="{8A203ACE-83CD-F240-9C8A-18BD96ECD72F}" type="datetimeFigureOut">
               <a:rPr lang="en-US" smtClean="0"/>
-              <a:t>4/14/21</a:t>
+              <a:t>4/17/21</a:t>
             </a:fld>
             <a:endParaRPr lang="en-US"/>
           </a:p>
@@ -3552,7 +3552,7 @@
           <a:p>
             <a:fld id="{8A203ACE-83CD-F240-9C8A-18BD96ECD72F}" type="datetimeFigureOut">
               <a:rPr lang="en-US" smtClean="0"/>
-              <a:t>4/14/21</a:t>
+              <a:t>4/17/21</a:t>
             </a:fld>
             <a:endParaRPr lang="en-US"/>
           </a:p>
@@ -3828,7 +3828,7 @@
           <a:p>
             <a:fld id="{8A203ACE-83CD-F240-9C8A-18BD96ECD72F}" type="datetimeFigureOut">
               <a:rPr lang="en-US" smtClean="0"/>
-              <a:t>4/14/21</a:t>
+              <a:t>4/17/21</a:t>
             </a:fld>
             <a:endParaRPr lang="en-US"/>
           </a:p>
@@ -4096,7 +4096,7 @@
           <a:p>
             <a:fld id="{8A203ACE-83CD-F240-9C8A-18BD96ECD72F}" type="datetimeFigureOut">
               <a:rPr lang="en-US" smtClean="0"/>
-              <a:t>4/14/21</a:t>
+              <a:t>4/17/21</a:t>
             </a:fld>
             <a:endParaRPr lang="en-US"/>
           </a:p>
@@ -4511,7 +4511,7 @@
           <a:p>
             <a:fld id="{8A203ACE-83CD-F240-9C8A-18BD96ECD72F}" type="datetimeFigureOut">
               <a:rPr lang="en-US" smtClean="0"/>
-              <a:t>4/14/21</a:t>
+              <a:t>4/17/21</a:t>
             </a:fld>
             <a:endParaRPr lang="en-US"/>
           </a:p>
@@ -4653,7 +4653,7 @@
           <a:p>
             <a:fld id="{8A203ACE-83CD-F240-9C8A-18BD96ECD72F}" type="datetimeFigureOut">
               <a:rPr lang="en-US" smtClean="0"/>
-              <a:t>4/14/21</a:t>
+              <a:t>4/17/21</a:t>
             </a:fld>
             <a:endParaRPr lang="en-US"/>
           </a:p>
@@ -4766,7 +4766,7 @@
           <a:p>
             <a:fld id="{8A203ACE-83CD-F240-9C8A-18BD96ECD72F}" type="datetimeFigureOut">
               <a:rPr lang="en-US" smtClean="0"/>
-              <a:t>4/14/21</a:t>
+              <a:t>4/17/21</a:t>
             </a:fld>
             <a:endParaRPr lang="en-US"/>
           </a:p>
@@ -5079,7 +5079,7 @@
           <a:p>
             <a:fld id="{8A203ACE-83CD-F240-9C8A-18BD96ECD72F}" type="datetimeFigureOut">
               <a:rPr lang="en-US" smtClean="0"/>
-              <a:t>4/14/21</a:t>
+              <a:t>4/17/21</a:t>
             </a:fld>
             <a:endParaRPr lang="en-US"/>
           </a:p>
@@ -5368,7 +5368,7 @@
           <a:p>
             <a:fld id="{8A203ACE-83CD-F240-9C8A-18BD96ECD72F}" type="datetimeFigureOut">
               <a:rPr lang="en-US" smtClean="0"/>
-              <a:t>4/14/21</a:t>
+              <a:t>4/17/21</a:t>
             </a:fld>
             <a:endParaRPr lang="en-US"/>
           </a:p>
@@ -5611,7 +5611,7 @@
           <a:p>
             <a:fld id="{8A203ACE-83CD-F240-9C8A-18BD96ECD72F}" type="datetimeFigureOut">
               <a:rPr lang="en-US" smtClean="0"/>
-              <a:t>4/14/21</a:t>
+              <a:t>4/17/21</a:t>
             </a:fld>
             <a:endParaRPr lang="en-US"/>
           </a:p>
@@ -11256,10 +11256,10 @@
         </p:nvGrpSpPr>
         <p:grpSpPr>
           <a:xfrm>
-            <a:off x="3669957" y="2347786"/>
-            <a:ext cx="6748039" cy="1855805"/>
+            <a:off x="3639135" y="1573196"/>
+            <a:ext cx="6748037" cy="1855804"/>
             <a:chOff x="5835754" y="2717654"/>
-            <a:chExt cx="5601635" cy="1451527"/>
+            <a:chExt cx="5601633" cy="1451528"/>
           </a:xfrm>
         </p:grpSpPr>
         <p:pic>
@@ -11307,7 +11307,7 @@
           <p:spPr>
             <a:xfrm>
               <a:off x="7007757" y="3013681"/>
-              <a:ext cx="4429632" cy="1155500"/>
+              <a:ext cx="4429632" cy="1155499"/>
             </a:xfrm>
             <a:prstGeom prst="rect">
               <a:avLst/>
@@ -11331,21 +11331,10 @@
                   <a:latin typeface="Optima" panose="02000503060000020004" pitchFamily="2" charset="0"/>
                   <a:cs typeface="Arial" panose="020B0604020202020204" pitchFamily="34" charset="0"/>
                 </a:rPr>
-                <a:t> CHURCH OF THE</a:t>
+                <a:t> THE ESO OF THE</a:t>
               </a:r>
             </a:p>
             <a:p>
-              <a:r>
-                <a:rPr lang="en-US" sz="5400" b="1" dirty="0" err="1">
-                  <a:solidFill>
-                    <a:srgbClr val="002383"/>
-                  </a:solidFill>
-                  <a:latin typeface="APPLE CHANCERY" panose="03020702040506060504" pitchFamily="66" charset="-79"/>
-                  <a:ea typeface="Helvetica Neue Condensed" panose="02000503000000020004" pitchFamily="2" charset="0"/>
-                  <a:cs typeface="APPLE CHANCERY" panose="03020702040506060504" pitchFamily="66" charset="-79"/>
-                </a:rPr>
-                <a:t>Eso</a:t>
-              </a:r>
               <a:r>
                 <a:rPr lang="en-US" sz="5400" b="1" dirty="0">
                   <a:solidFill>
@@ -11355,12 +11344,41 @@
                   <a:ea typeface="Helvetica Neue Condensed" panose="02000503000000020004" pitchFamily="2" charset="0"/>
                   <a:cs typeface="APPLE CHANCERY" panose="03020702040506060504" pitchFamily="66" charset="-79"/>
                 </a:rPr>
-                <a:t> Morningstar</a:t>
+                <a:t>Morning Star</a:t>
               </a:r>
             </a:p>
           </p:txBody>
         </p:sp>
       </p:grpSp>
+      <p:pic>
+        <p:nvPicPr>
+          <p:cNvPr id="10" name="Picture 9">
+            <a:extLst>
+              <a:ext uri="{FF2B5EF4-FFF2-40B4-BE49-F238E27FC236}">
+                <a16:creationId xmlns:a16="http://schemas.microsoft.com/office/drawing/2014/main" id="{50D498D4-F607-F04F-9C73-5E2C38BA51FA}"/>
+              </a:ext>
+            </a:extLst>
+          </p:cNvPr>
+          <p:cNvPicPr>
+            <a:picLocks noChangeAspect="1"/>
+          </p:cNvPicPr>
+          <p:nvPr/>
+        </p:nvPicPr>
+        <p:blipFill rotWithShape="1">
+          <a:blip r:embed="rId4"/>
+          <a:srcRect r="16895" b="16063"/>
+          <a:stretch/>
+        </p:blipFill>
+        <p:spPr>
+          <a:xfrm>
+            <a:off x="2699437" y="3707390"/>
+            <a:ext cx="5604303" cy="1865507"/>
+          </a:xfrm>
+          <a:prstGeom prst="rect">
+            <a:avLst/>
+          </a:prstGeom>
+        </p:spPr>
+      </p:pic>
     </p:spTree>
     <p:extLst>
       <p:ext uri="{BB962C8B-B14F-4D97-AF65-F5344CB8AC3E}">
@@ -11418,10 +11436,10 @@
       </p:sp>
       <p:pic>
         <p:nvPicPr>
-          <p:cNvPr id="5" name="Picture 4">
+          <p:cNvPr id="8" name="Picture 7">
             <a:extLst>
               <a:ext uri="{FF2B5EF4-FFF2-40B4-BE49-F238E27FC236}">
-                <a16:creationId xmlns:a16="http://schemas.microsoft.com/office/drawing/2014/main" id="{C8F17202-A36D-5545-AE7C-65434555B49B}"/>
+                <a16:creationId xmlns:a16="http://schemas.microsoft.com/office/drawing/2014/main" id="{B8F3CC94-81BD-B944-92F3-4AD8A6373294}"/>
               </a:ext>
             </a:extLst>
           </p:cNvPr>
@@ -11430,73 +11448,16 @@
           </p:cNvPicPr>
           <p:nvPr/>
         </p:nvPicPr>
-        <p:blipFill rotWithShape="1">
+        <p:blipFill>
           <a:blip r:embed="rId2"/>
-          <a:srcRect r="11808" b="13419"/>
-          <a:stretch/>
+          <a:stretch>
+            <a:fillRect/>
+          </a:stretch>
         </p:blipFill>
         <p:spPr>
           <a:xfrm>
-            <a:off x="3771900" y="2609850"/>
-            <a:ext cx="4099354" cy="1418453"/>
-          </a:xfrm>
-          <a:prstGeom prst="rect">
-            <a:avLst/>
-          </a:prstGeom>
-        </p:spPr>
-      </p:pic>
-      <p:pic>
-        <p:nvPicPr>
-          <p:cNvPr id="9" name="Picture 8">
-            <a:extLst>
-              <a:ext uri="{FF2B5EF4-FFF2-40B4-BE49-F238E27FC236}">
-                <a16:creationId xmlns:a16="http://schemas.microsoft.com/office/drawing/2014/main" id="{AE7C8FDE-6B26-D243-AE36-4C3E947696BE}"/>
-              </a:ext>
-            </a:extLst>
-          </p:cNvPr>
-          <p:cNvPicPr>
-            <a:picLocks noChangeAspect="1"/>
-          </p:cNvPicPr>
-          <p:nvPr/>
-        </p:nvPicPr>
-        <p:blipFill rotWithShape="1">
-          <a:blip r:embed="rId3"/>
-          <a:srcRect r="11808" b="13419"/>
-          <a:stretch/>
-        </p:blipFill>
-        <p:spPr>
-          <a:xfrm>
-            <a:off x="2338516" y="4028303"/>
-            <a:ext cx="4099354" cy="1418453"/>
-          </a:xfrm>
-          <a:prstGeom prst="rect">
-            <a:avLst/>
-          </a:prstGeom>
-        </p:spPr>
-      </p:pic>
-      <p:pic>
-        <p:nvPicPr>
-          <p:cNvPr id="4" name="Picture 3">
-            <a:extLst>
-              <a:ext uri="{FF2B5EF4-FFF2-40B4-BE49-F238E27FC236}">
-                <a16:creationId xmlns:a16="http://schemas.microsoft.com/office/drawing/2014/main" id="{77334B9B-5BCA-1E48-AA16-5D2A337660D8}"/>
-              </a:ext>
-            </a:extLst>
-          </p:cNvPr>
-          <p:cNvPicPr>
-            <a:picLocks noChangeAspect="1"/>
-          </p:cNvPicPr>
-          <p:nvPr/>
-        </p:nvPicPr>
-        <p:blipFill rotWithShape="1">
-          <a:blip r:embed="rId4"/>
-          <a:srcRect t="-479" r="5457" b="16525"/>
-          <a:stretch/>
-        </p:blipFill>
-        <p:spPr>
-          <a:xfrm>
-            <a:off x="2942343" y="5094375"/>
-            <a:ext cx="6483803" cy="1865870"/>
+            <a:off x="2851150" y="2495550"/>
+            <a:ext cx="6489700" cy="1866900"/>
           </a:xfrm>
           <a:prstGeom prst="rect">
             <a:avLst/>
